--- a/lectures/Day1_1lecture_Groundwater_Flow_Equation_Overview.pptx
+++ b/lectures/Day1_1lecture_Groundwater_Flow_Equation_Overview.pptx
@@ -5,30 +5,31 @@
     <p:sldMasterId id="2147483648" r:id="rId1"/>
   </p:sldMasterIdLst>
   <p:notesMasterIdLst>
-    <p:notesMasterId r:id="rId20"/>
+    <p:notesMasterId r:id="rId21"/>
   </p:notesMasterIdLst>
   <p:handoutMasterIdLst>
-    <p:handoutMasterId r:id="rId21"/>
+    <p:handoutMasterId r:id="rId22"/>
   </p:handoutMasterIdLst>
   <p:sldIdLst>
     <p:sldId id="269" r:id="rId2"/>
     <p:sldId id="262" r:id="rId3"/>
     <p:sldId id="261" r:id="rId4"/>
     <p:sldId id="259" r:id="rId5"/>
-    <p:sldId id="257" r:id="rId6"/>
-    <p:sldId id="258" r:id="rId7"/>
-    <p:sldId id="260" r:id="rId8"/>
-    <p:sldId id="256" r:id="rId9"/>
-    <p:sldId id="263" r:id="rId10"/>
-    <p:sldId id="264" r:id="rId11"/>
-    <p:sldId id="265" r:id="rId12"/>
-    <p:sldId id="266" r:id="rId13"/>
-    <p:sldId id="270" r:id="rId14"/>
-    <p:sldId id="271" r:id="rId15"/>
-    <p:sldId id="272" r:id="rId16"/>
-    <p:sldId id="273" r:id="rId17"/>
-    <p:sldId id="267" r:id="rId18"/>
-    <p:sldId id="268" r:id="rId19"/>
+    <p:sldId id="274" r:id="rId6"/>
+    <p:sldId id="257" r:id="rId7"/>
+    <p:sldId id="258" r:id="rId8"/>
+    <p:sldId id="260" r:id="rId9"/>
+    <p:sldId id="256" r:id="rId10"/>
+    <p:sldId id="263" r:id="rId11"/>
+    <p:sldId id="264" r:id="rId12"/>
+    <p:sldId id="265" r:id="rId13"/>
+    <p:sldId id="266" r:id="rId14"/>
+    <p:sldId id="270" r:id="rId15"/>
+    <p:sldId id="271" r:id="rId16"/>
+    <p:sldId id="272" r:id="rId17"/>
+    <p:sldId id="273" r:id="rId18"/>
+    <p:sldId id="267" r:id="rId19"/>
+    <p:sldId id="268" r:id="rId20"/>
   </p:sldIdLst>
   <p:sldSz cx="9144000" cy="6858000" type="screen4x3"/>
   <p:notesSz cx="6858000" cy="9144000"/>
@@ -574,7 +575,7 @@
           <a:p>
             <a:fld id="{7864114E-F19A-4C17-8299-BC8CFFC23E66}" type="datetimeFigureOut">
               <a:rPr lang="en-US" smtClean="0"/>
-              <a:t>1/5/2023</a:t>
+              <a:t>9/10/2023</a:t>
             </a:fld>
             <a:endParaRPr lang="en-US"/>
           </a:p>
@@ -927,7 +928,115 @@
     </p:spTree>
     <p:extLst>
       <p:ext uri="{BB962C8B-B14F-4D97-AF65-F5344CB8AC3E}">
-        <p14:creationId xmlns:p14="http://schemas.microsoft.com/office/powerpoint/2010/main" val="2763936538"/>
+        <p14:creationId xmlns:p14="http://schemas.microsoft.com/office/powerpoint/2010/main" val="371811386"/>
+      </p:ext>
+    </p:extLst>
+  </p:cSld>
+  <p:clrMapOvr>
+    <a:masterClrMapping/>
+  </p:clrMapOvr>
+</p:notes>
+</file>
+
+<file path=ppt/notesSlides/notesSlide10.xml><?xml version="1.0" encoding="utf-8"?>
+<p:notes xmlns:a="http://schemas.openxmlformats.org/drawingml/2006/main" xmlns:r="http://schemas.openxmlformats.org/officeDocument/2006/relationships" xmlns:p="http://schemas.openxmlformats.org/presentationml/2006/main">
+  <p:cSld>
+    <p:spTree>
+      <p:nvGrpSpPr>
+        <p:cNvPr id="1" name=""/>
+        <p:cNvGrpSpPr/>
+        <p:nvPr/>
+      </p:nvGrpSpPr>
+      <p:grpSpPr>
+        <a:xfrm>
+          <a:off x="0" y="0"/>
+          <a:ext cx="0" cy="0"/>
+          <a:chOff x="0" y="0"/>
+          <a:chExt cx="0" cy="0"/>
+        </a:xfrm>
+      </p:grpSpPr>
+      <p:sp>
+        <p:nvSpPr>
+          <p:cNvPr id="2" name="Slide Image Placeholder 1"/>
+          <p:cNvSpPr>
+            <a:spLocks noGrp="1" noRot="1" noChangeAspect="1"/>
+          </p:cNvSpPr>
+          <p:nvPr>
+            <p:ph type="sldImg"/>
+          </p:nvPr>
+        </p:nvSpPr>
+        <p:spPr/>
+      </p:sp>
+      <p:sp>
+        <p:nvSpPr>
+          <p:cNvPr id="3" name="Notes Placeholder 2"/>
+          <p:cNvSpPr>
+            <a:spLocks noGrp="1"/>
+          </p:cNvSpPr>
+          <p:nvPr>
+            <p:ph type="body" idx="1"/>
+          </p:nvPr>
+        </p:nvSpPr>
+        <p:spPr/>
+        <p:txBody>
+          <a:bodyPr/>
+          <a:lstStyle/>
+          <a:p>
+            <a:r>
+              <a:rPr lang="en-US" dirty="0"/>
+              <a:t>Sy is more or less the effective porosity. In </a:t>
+            </a:r>
+            <a:r>
+              <a:rPr lang="en-US" dirty="0" err="1"/>
+              <a:t>uz</a:t>
+            </a:r>
+            <a:r>
+              <a:rPr lang="en-US" dirty="0"/>
+              <a:t> terms: </a:t>
+            </a:r>
+            <a:r>
+              <a:rPr lang="en-US" dirty="0" err="1"/>
+              <a:t>theta_s</a:t>
+            </a:r>
+            <a:r>
+              <a:rPr lang="en-US" dirty="0"/>
+              <a:t> – </a:t>
+            </a:r>
+            <a:r>
+              <a:rPr lang="en-US" dirty="0" err="1"/>
+              <a:t>theta_r</a:t>
+            </a:r>
+            <a:endParaRPr lang="en-US" dirty="0"/>
+          </a:p>
+        </p:txBody>
+      </p:sp>
+      <p:sp>
+        <p:nvSpPr>
+          <p:cNvPr id="4" name="Slide Number Placeholder 3"/>
+          <p:cNvSpPr>
+            <a:spLocks noGrp="1"/>
+          </p:cNvSpPr>
+          <p:nvPr>
+            <p:ph type="sldNum" sz="quarter" idx="5"/>
+          </p:nvPr>
+        </p:nvSpPr>
+        <p:spPr/>
+        <p:txBody>
+          <a:bodyPr/>
+          <a:lstStyle/>
+          <a:p>
+            <a:fld id="{534E0209-DA4A-492F-BC99-321AC7F21CF4}" type="slidenum">
+              <a:rPr lang="en-US" smtClean="0"/>
+              <a:t>19</a:t>
+            </a:fld>
+            <a:endParaRPr lang="en-US"/>
+          </a:p>
+        </p:txBody>
+      </p:sp>
+    </p:spTree>
+    <p:extLst>
+      <p:ext uri="{BB962C8B-B14F-4D97-AF65-F5344CB8AC3E}">
+        <p14:creationId xmlns:p14="http://schemas.microsoft.com/office/powerpoint/2010/main" val="1226962288"/>
       </p:ext>
     </p:extLst>
   </p:cSld>
@@ -982,37 +1091,17 @@
           <a:lstStyle/>
           <a:p>
             <a:r>
-              <a:rPr lang="en-US" dirty="0" err="1"/>
-              <a:t>Kij</a:t>
+              <a:rPr lang="en-US" dirty="0"/>
+              <a:t>Question: What do we need to know if we want to get a volumetric rate instead of a 1d flux? Cross-sectional area!</a:t>
             </a:r>
+          </a:p>
+          <a:p>
+            <a:endParaRPr lang="en-US" dirty="0"/>
+          </a:p>
+          <a:p>
             <a:r>
               <a:rPr lang="en-US" dirty="0"/>
-              <a:t> (where </a:t>
-            </a:r>
-            <a:r>
-              <a:rPr lang="en-US" dirty="0" err="1"/>
-              <a:t>i≠j</a:t>
-            </a:r>
-            <a:r>
-              <a:rPr lang="en-US" dirty="0"/>
-              <a:t>) are cross terms of the K tensor, representing contributions to the flow rate in direction </a:t>
-            </a:r>
-            <a:r>
-              <a:rPr lang="en-US" dirty="0" err="1"/>
-              <a:t>i</a:t>
-            </a:r>
-            <a:r>
-              <a:rPr lang="en-US" dirty="0"/>
-              <a:t> from the gradient in direction j.</a:t>
-            </a:r>
-          </a:p>
-          <a:p>
-            <a:endParaRPr lang="en-US" dirty="0"/>
-          </a:p>
-          <a:p>
-            <a:r>
-              <a:rPr lang="en-US" dirty="0"/>
-              <a:t>This is “in effect” a three-dimensional affine rotation matrix </a:t>
+              <a:t>Maybe diagram it on the board with Q = -KA dh/L</a:t>
             </a:r>
           </a:p>
         </p:txBody>
@@ -1034,7 +1123,7 @@
           <a:p>
             <a:fld id="{534E0209-DA4A-492F-BC99-321AC7F21CF4}" type="slidenum">
               <a:rPr lang="en-US" smtClean="0"/>
-              <a:t>7</a:t>
+              <a:t>6</a:t>
             </a:fld>
             <a:endParaRPr lang="en-US"/>
           </a:p>
@@ -1043,7 +1132,7 @@
     </p:spTree>
     <p:extLst>
       <p:ext uri="{BB962C8B-B14F-4D97-AF65-F5344CB8AC3E}">
-        <p14:creationId xmlns:p14="http://schemas.microsoft.com/office/powerpoint/2010/main" val="2065466358"/>
+        <p14:creationId xmlns:p14="http://schemas.microsoft.com/office/powerpoint/2010/main" val="2763936538"/>
       </p:ext>
     </p:extLst>
   </p:cSld>
@@ -1098,8 +1187,37 @@
           <a:lstStyle/>
           <a:p>
             <a:r>
+              <a:rPr lang="en-US" dirty="0" err="1"/>
+              <a:t>Kij</a:t>
+            </a:r>
+            <a:r>
               <a:rPr lang="en-US" dirty="0"/>
-              <a:t>This becomes an “affine” scaling matrix!</a:t>
+              <a:t> (where </a:t>
+            </a:r>
+            <a:r>
+              <a:rPr lang="en-US" dirty="0" err="1"/>
+              <a:t>i≠j</a:t>
+            </a:r>
+            <a:r>
+              <a:rPr lang="en-US" dirty="0"/>
+              <a:t>) are cross terms of the K tensor, representing contributions to the flow rate in direction </a:t>
+            </a:r>
+            <a:r>
+              <a:rPr lang="en-US" dirty="0" err="1"/>
+              <a:t>i</a:t>
+            </a:r>
+            <a:r>
+              <a:rPr lang="en-US" dirty="0"/>
+              <a:t> from the gradient in direction j.</a:t>
+            </a:r>
+          </a:p>
+          <a:p>
+            <a:endParaRPr lang="en-US" dirty="0"/>
+          </a:p>
+          <a:p>
+            <a:r>
+              <a:rPr lang="en-US" dirty="0"/>
+              <a:t>This is “in effect” a three-dimensional affine rotation and scaling matrix </a:t>
             </a:r>
           </a:p>
         </p:txBody>
@@ -1130,7 +1248,7 @@
     </p:spTree>
     <p:extLst>
       <p:ext uri="{BB962C8B-B14F-4D97-AF65-F5344CB8AC3E}">
-        <p14:creationId xmlns:p14="http://schemas.microsoft.com/office/powerpoint/2010/main" val="1364666951"/>
+        <p14:creationId xmlns:p14="http://schemas.microsoft.com/office/powerpoint/2010/main" val="2065466358"/>
       </p:ext>
     </p:extLst>
   </p:cSld>
@@ -1184,7 +1302,10 @@
           <a:bodyPr/>
           <a:lstStyle/>
           <a:p>
-            <a:endParaRPr lang="en-US" dirty="0"/>
+            <a:r>
+              <a:rPr lang="en-US" dirty="0"/>
+              <a:t>This becomes an “affine” scaling matrix!</a:t>
+            </a:r>
           </a:p>
         </p:txBody>
       </p:sp>
@@ -1205,7 +1326,7 @@
           <a:p>
             <a:fld id="{534E0209-DA4A-492F-BC99-321AC7F21CF4}" type="slidenum">
               <a:rPr lang="en-US" smtClean="0"/>
-              <a:t>10</a:t>
+              <a:t>9</a:t>
             </a:fld>
             <a:endParaRPr lang="en-US"/>
           </a:p>
@@ -1214,7 +1335,7 @@
     </p:spTree>
     <p:extLst>
       <p:ext uri="{BB962C8B-B14F-4D97-AF65-F5344CB8AC3E}">
-        <p14:creationId xmlns:p14="http://schemas.microsoft.com/office/powerpoint/2010/main" val="1978390601"/>
+        <p14:creationId xmlns:p14="http://schemas.microsoft.com/office/powerpoint/2010/main" val="1364666951"/>
       </p:ext>
     </p:extLst>
   </p:cSld>
@@ -1268,10 +1389,7 @@
           <a:bodyPr/>
           <a:lstStyle/>
           <a:p>
-            <a:r>
-              <a:rPr lang="en-US" dirty="0"/>
-              <a:t>Chalk talk the derivation from step 1 through 6</a:t>
-            </a:r>
+            <a:endParaRPr lang="en-US" dirty="0"/>
           </a:p>
         </p:txBody>
       </p:sp>
@@ -1301,7 +1419,7 @@
     </p:spTree>
     <p:extLst>
       <p:ext uri="{BB962C8B-B14F-4D97-AF65-F5344CB8AC3E}">
-        <p14:creationId xmlns:p14="http://schemas.microsoft.com/office/powerpoint/2010/main" val="3355653863"/>
+        <p14:creationId xmlns:p14="http://schemas.microsoft.com/office/powerpoint/2010/main" val="1978390601"/>
       </p:ext>
     </p:extLst>
   </p:cSld>
@@ -1357,25 +1475,7 @@
           <a:p>
             <a:r>
               <a:rPr lang="en-US" dirty="0"/>
-              <a:t>Ss=pw*g(a + n*B)</a:t>
-            </a:r>
-          </a:p>
-          <a:p>
-            <a:r>
-              <a:rPr lang="en-US" dirty="0"/>
-              <a:t>a = aquifer compressibility</a:t>
-            </a:r>
-          </a:p>
-          <a:p>
-            <a:r>
-              <a:rPr lang="en-US" dirty="0"/>
-              <a:t>B = compressibility of water</a:t>
-            </a:r>
-          </a:p>
-          <a:p>
-            <a:r>
-              <a:rPr lang="en-US" dirty="0"/>
-              <a:t>n = porosity</a:t>
+              <a:t>Chalk talk the derivation from step 1 through 6</a:t>
             </a:r>
           </a:p>
         </p:txBody>
@@ -1406,7 +1506,7 @@
     </p:spTree>
     <p:extLst>
       <p:ext uri="{BB962C8B-B14F-4D97-AF65-F5344CB8AC3E}">
-        <p14:creationId xmlns:p14="http://schemas.microsoft.com/office/powerpoint/2010/main" val="1874297293"/>
+        <p14:creationId xmlns:p14="http://schemas.microsoft.com/office/powerpoint/2010/main" val="3355653863"/>
       </p:ext>
     </p:extLst>
   </p:cSld>
@@ -1462,15 +1562,25 @@
           <a:p>
             <a:r>
               <a:rPr lang="en-US" dirty="0"/>
-              <a:t>Specified flux: </a:t>
+              <a:t>Ss=pw*g(a + n*B)</a:t>
             </a:r>
-            <a:r>
-              <a:rPr lang="en-US" dirty="0" err="1"/>
-              <a:t>wel</a:t>
-            </a:r>
+          </a:p>
+          <a:p>
             <a:r>
               <a:rPr lang="en-US" dirty="0"/>
-              <a:t> package. </a:t>
+              <a:t>a = aquifer compressibility</a:t>
+            </a:r>
+          </a:p>
+          <a:p>
+            <a:r>
+              <a:rPr lang="en-US" dirty="0"/>
+              <a:t>B = compressibility of water</a:t>
+            </a:r>
+          </a:p>
+          <a:p>
+            <a:r>
+              <a:rPr lang="en-US" dirty="0"/>
+              <a:t>n = porosity</a:t>
             </a:r>
           </a:p>
         </p:txBody>
@@ -1492,7 +1602,7 @@
           <a:p>
             <a:fld id="{534E0209-DA4A-492F-BC99-321AC7F21CF4}" type="slidenum">
               <a:rPr lang="en-US" smtClean="0"/>
-              <a:t>14</a:t>
+              <a:t>13</a:t>
             </a:fld>
             <a:endParaRPr lang="en-US"/>
           </a:p>
@@ -1501,7 +1611,7 @@
     </p:spTree>
     <p:extLst>
       <p:ext uri="{BB962C8B-B14F-4D97-AF65-F5344CB8AC3E}">
-        <p14:creationId xmlns:p14="http://schemas.microsoft.com/office/powerpoint/2010/main" val="83154275"/>
+        <p14:creationId xmlns:p14="http://schemas.microsoft.com/office/powerpoint/2010/main" val="1874297293"/>
       </p:ext>
     </p:extLst>
   </p:cSld>
@@ -1557,7 +1667,15 @@
           <a:p>
             <a:r>
               <a:rPr lang="en-US" dirty="0"/>
-              <a:t>Free surface: example: lake intersecting with groundwater system</a:t>
+              <a:t>Specified flux: </a:t>
+            </a:r>
+            <a:r>
+              <a:rPr lang="en-US" dirty="0" err="1"/>
+              <a:t>wel</a:t>
+            </a:r>
+            <a:r>
+              <a:rPr lang="en-US" dirty="0"/>
+              <a:t> package. </a:t>
             </a:r>
           </a:p>
         </p:txBody>
@@ -1588,7 +1706,7 @@
     </p:spTree>
     <p:extLst>
       <p:ext uri="{BB962C8B-B14F-4D97-AF65-F5344CB8AC3E}">
-        <p14:creationId xmlns:p14="http://schemas.microsoft.com/office/powerpoint/2010/main" val="3273505906"/>
+        <p14:creationId xmlns:p14="http://schemas.microsoft.com/office/powerpoint/2010/main" val="83154275"/>
       </p:ext>
     </p:extLst>
   </p:cSld>
@@ -1644,29 +1762,8 @@
           <a:p>
             <a:r>
               <a:rPr lang="en-US" dirty="0"/>
-              <a:t>Sy is more or less the effective porosity. In </a:t>
+              <a:t>Free surface: example: lake intersecting with groundwater system</a:t>
             </a:r>
-            <a:r>
-              <a:rPr lang="en-US" dirty="0" err="1"/>
-              <a:t>uz</a:t>
-            </a:r>
-            <a:r>
-              <a:rPr lang="en-US" dirty="0"/>
-              <a:t> terms: </a:t>
-            </a:r>
-            <a:r>
-              <a:rPr lang="en-US" dirty="0" err="1"/>
-              <a:t>theta_s</a:t>
-            </a:r>
-            <a:r>
-              <a:rPr lang="en-US" dirty="0"/>
-              <a:t> – </a:t>
-            </a:r>
-            <a:r>
-              <a:rPr lang="en-US" dirty="0" err="1"/>
-              <a:t>theta_r</a:t>
-            </a:r>
-            <a:endParaRPr lang="en-US" dirty="0"/>
           </a:p>
         </p:txBody>
       </p:sp>
@@ -1687,7 +1784,7 @@
           <a:p>
             <a:fld id="{534E0209-DA4A-492F-BC99-321AC7F21CF4}" type="slidenum">
               <a:rPr lang="en-US" smtClean="0"/>
-              <a:t>18</a:t>
+              <a:t>16</a:t>
             </a:fld>
             <a:endParaRPr lang="en-US"/>
           </a:p>
@@ -1696,7 +1793,7 @@
     </p:spTree>
     <p:extLst>
       <p:ext uri="{BB962C8B-B14F-4D97-AF65-F5344CB8AC3E}">
-        <p14:creationId xmlns:p14="http://schemas.microsoft.com/office/powerpoint/2010/main" val="1226962288"/>
+        <p14:creationId xmlns:p14="http://schemas.microsoft.com/office/powerpoint/2010/main" val="3273505906"/>
       </p:ext>
     </p:extLst>
   </p:cSld>
@@ -5603,6 +5700,2400 @@
       </p:grpSpPr>
       <p:sp>
         <p:nvSpPr>
+          <p:cNvPr id="35842" name="Rectangle 2"/>
+          <p:cNvSpPr>
+            <a:spLocks noGrp="1" noChangeArrowheads="1"/>
+          </p:cNvSpPr>
+          <p:nvPr>
+            <p:ph type="title"/>
+          </p:nvPr>
+        </p:nvSpPr>
+        <p:spPr/>
+        <p:txBody>
+          <a:bodyPr/>
+          <a:lstStyle/>
+          <a:p>
+            <a:r>
+              <a:rPr lang="en-US" altLang="en-US" sz="3600">
+                <a:solidFill>
+                  <a:schemeClr val="accent2"/>
+                </a:solidFill>
+              </a:rPr>
+              <a:t>The Groundwater Flow Equation</a:t>
+            </a:r>
+            <a:br>
+              <a:rPr lang="en-US" altLang="en-US" sz="3600">
+                <a:solidFill>
+                  <a:schemeClr val="accent2"/>
+                </a:solidFill>
+              </a:rPr>
+            </a:br>
+            <a:r>
+              <a:rPr lang="en-US" altLang="en-US" sz="3600">
+                <a:solidFill>
+                  <a:schemeClr val="accent2"/>
+                </a:solidFill>
+              </a:rPr>
+              <a:t>A Water Balance</a:t>
+            </a:r>
+          </a:p>
+        </p:txBody>
+      </p:sp>
+      <p:grpSp>
+        <p:nvGrpSpPr>
+          <p:cNvPr id="35876" name="Group 36"/>
+          <p:cNvGrpSpPr>
+            <a:grpSpLocks/>
+          </p:cNvGrpSpPr>
+          <p:nvPr/>
+        </p:nvGrpSpPr>
+        <p:grpSpPr bwMode="auto">
+          <a:xfrm>
+            <a:off x="1331913" y="2244725"/>
+            <a:ext cx="2852737" cy="3063875"/>
+            <a:chOff x="839" y="1414"/>
+            <a:chExt cx="1797" cy="1930"/>
+          </a:xfrm>
+        </p:grpSpPr>
+        <p:grpSp>
+          <p:nvGrpSpPr>
+            <p:cNvPr id="35871" name="Group 31"/>
+            <p:cNvGrpSpPr>
+              <a:grpSpLocks/>
+            </p:cNvGrpSpPr>
+            <p:nvPr/>
+          </p:nvGrpSpPr>
+          <p:grpSpPr bwMode="auto">
+            <a:xfrm>
+              <a:off x="839" y="1414"/>
+              <a:ext cx="1797" cy="1930"/>
+              <a:chOff x="974" y="1421"/>
+              <a:chExt cx="1797" cy="1930"/>
+            </a:xfrm>
+          </p:grpSpPr>
+          <p:sp>
+            <p:nvSpPr>
+              <p:cNvPr id="35850" name="Line 10"/>
+              <p:cNvSpPr>
+                <a:spLocks noChangeShapeType="1"/>
+              </p:cNvSpPr>
+              <p:nvPr/>
+            </p:nvSpPr>
+            <p:spPr bwMode="auto">
+              <a:xfrm>
+                <a:off x="1600" y="1728"/>
+                <a:ext cx="0" cy="960"/>
+              </a:xfrm>
+              <a:prstGeom prst="line">
+                <a:avLst/>
+              </a:prstGeom>
+              <a:noFill/>
+              <a:ln w="9525">
+                <a:solidFill>
+                  <a:schemeClr val="tx1"/>
+                </a:solidFill>
+                <a:round/>
+                <a:headEnd type="triangle" w="med" len="med"/>
+                <a:tailEnd/>
+              </a:ln>
+              <a:effectLst/>
+              <a:extLst>
+                <a:ext uri="{909E8E84-426E-40DD-AFC4-6F175D3DCCD1}">
+                  <a14:hiddenFill xmlns:a14="http://schemas.microsoft.com/office/drawing/2010/main">
+                    <a:noFill/>
+                  </a14:hiddenFill>
+                </a:ext>
+                <a:ext uri="{AF507438-7753-43E0-B8FC-AC1667EBCBE1}">
+                  <a14:hiddenEffects xmlns:a14="http://schemas.microsoft.com/office/drawing/2010/main">
+                    <a:effectLst>
+                      <a:outerShdw dist="35921" dir="2700000" algn="ctr" rotWithShape="0">
+                        <a:schemeClr val="bg2"/>
+                      </a:outerShdw>
+                    </a:effectLst>
+                  </a14:hiddenEffects>
+                </a:ext>
+              </a:extLst>
+            </p:spPr>
+            <p:txBody>
+              <a:bodyPr/>
+              <a:lstStyle/>
+              <a:p>
+                <a:endParaRPr lang="en-US"/>
+              </a:p>
+            </p:txBody>
+          </p:sp>
+          <p:sp>
+            <p:nvSpPr>
+              <p:cNvPr id="35851" name="Line 11"/>
+              <p:cNvSpPr>
+                <a:spLocks noChangeShapeType="1"/>
+              </p:cNvSpPr>
+              <p:nvPr/>
+            </p:nvSpPr>
+            <p:spPr bwMode="auto">
+              <a:xfrm>
+                <a:off x="1593" y="2695"/>
+                <a:ext cx="939" cy="0"/>
+              </a:xfrm>
+              <a:prstGeom prst="line">
+                <a:avLst/>
+              </a:prstGeom>
+              <a:noFill/>
+              <a:ln w="9525">
+                <a:solidFill>
+                  <a:schemeClr val="tx1"/>
+                </a:solidFill>
+                <a:round/>
+                <a:headEnd/>
+                <a:tailEnd type="triangle" w="med" len="med"/>
+              </a:ln>
+              <a:effectLst/>
+              <a:extLst>
+                <a:ext uri="{909E8E84-426E-40DD-AFC4-6F175D3DCCD1}">
+                  <a14:hiddenFill xmlns:a14="http://schemas.microsoft.com/office/drawing/2010/main">
+                    <a:noFill/>
+                  </a14:hiddenFill>
+                </a:ext>
+                <a:ext uri="{AF507438-7753-43E0-B8FC-AC1667EBCBE1}">
+                  <a14:hiddenEffects xmlns:a14="http://schemas.microsoft.com/office/drawing/2010/main">
+                    <a:effectLst>
+                      <a:outerShdw dist="35921" dir="2700000" algn="ctr" rotWithShape="0">
+                        <a:schemeClr val="bg2"/>
+                      </a:outerShdw>
+                    </a:effectLst>
+                  </a14:hiddenEffects>
+                </a:ext>
+              </a:extLst>
+            </p:spPr>
+            <p:txBody>
+              <a:bodyPr/>
+              <a:lstStyle/>
+              <a:p>
+                <a:endParaRPr lang="en-US"/>
+              </a:p>
+            </p:txBody>
+          </p:sp>
+          <p:sp>
+            <p:nvSpPr>
+              <p:cNvPr id="35852" name="Line 12"/>
+              <p:cNvSpPr>
+                <a:spLocks noChangeShapeType="1"/>
+              </p:cNvSpPr>
+              <p:nvPr/>
+            </p:nvSpPr>
+            <p:spPr bwMode="auto">
+              <a:xfrm flipH="1">
+                <a:off x="1130" y="2702"/>
+                <a:ext cx="455" cy="456"/>
+              </a:xfrm>
+              <a:prstGeom prst="line">
+                <a:avLst/>
+              </a:prstGeom>
+              <a:noFill/>
+              <a:ln w="9525">
+                <a:solidFill>
+                  <a:schemeClr val="tx1"/>
+                </a:solidFill>
+                <a:round/>
+                <a:headEnd/>
+                <a:tailEnd type="triangle" w="med" len="med"/>
+              </a:ln>
+              <a:effectLst/>
+              <a:extLst>
+                <a:ext uri="{909E8E84-426E-40DD-AFC4-6F175D3DCCD1}">
+                  <a14:hiddenFill xmlns:a14="http://schemas.microsoft.com/office/drawing/2010/main">
+                    <a:noFill/>
+                  </a14:hiddenFill>
+                </a:ext>
+                <a:ext uri="{AF507438-7753-43E0-B8FC-AC1667EBCBE1}">
+                  <a14:hiddenEffects xmlns:a14="http://schemas.microsoft.com/office/drawing/2010/main">
+                    <a:effectLst>
+                      <a:outerShdw dist="35921" dir="2700000" algn="ctr" rotWithShape="0">
+                        <a:schemeClr val="bg2"/>
+                      </a:outerShdw>
+                    </a:effectLst>
+                  </a14:hiddenEffects>
+                </a:ext>
+              </a:extLst>
+            </p:spPr>
+            <p:txBody>
+              <a:bodyPr/>
+              <a:lstStyle/>
+              <a:p>
+                <a:endParaRPr lang="en-US"/>
+              </a:p>
+            </p:txBody>
+          </p:sp>
+          <p:sp>
+            <p:nvSpPr>
+              <p:cNvPr id="35854" name="Text Box 14"/>
+              <p:cNvSpPr txBox="1">
+                <a:spLocks noChangeArrowheads="1"/>
+              </p:cNvSpPr>
+              <p:nvPr/>
+            </p:nvSpPr>
+            <p:spPr bwMode="auto">
+              <a:xfrm>
+                <a:off x="1506" y="1421"/>
+                <a:ext cx="201" cy="288"/>
+              </a:xfrm>
+              <a:prstGeom prst="rect">
+                <a:avLst/>
+              </a:prstGeom>
+              <a:noFill/>
+              <a:ln>
+                <a:noFill/>
+              </a:ln>
+              <a:effectLst/>
+              <a:extLst>
+                <a:ext uri="{909E8E84-426E-40DD-AFC4-6F175D3DCCD1}">
+                  <a14:hiddenFill xmlns:a14="http://schemas.microsoft.com/office/drawing/2010/main">
+                    <a:solidFill>
+                      <a:schemeClr val="accent1"/>
+                    </a:solidFill>
+                  </a14:hiddenFill>
+                </a:ext>
+                <a:ext uri="{91240B29-F687-4F45-9708-019B960494DF}">
+                  <a14:hiddenLine xmlns:a14="http://schemas.microsoft.com/office/drawing/2010/main" w="9525">
+                    <a:solidFill>
+                      <a:schemeClr val="tx1"/>
+                    </a:solidFill>
+                    <a:miter lim="800000"/>
+                    <a:headEnd/>
+                    <a:tailEnd/>
+                  </a14:hiddenLine>
+                </a:ext>
+                <a:ext uri="{AF507438-7753-43E0-B8FC-AC1667EBCBE1}">
+                  <a14:hiddenEffects xmlns:a14="http://schemas.microsoft.com/office/drawing/2010/main">
+                    <a:effectLst>
+                      <a:outerShdw dist="35921" dir="2700000" algn="ctr" rotWithShape="0">
+                        <a:schemeClr val="bg2"/>
+                      </a:outerShdw>
+                    </a:effectLst>
+                  </a14:hiddenEffects>
+                </a:ext>
+              </a:extLst>
+            </p:spPr>
+            <p:txBody>
+              <a:bodyPr wrap="none">
+                <a:spAutoFit/>
+              </a:bodyPr>
+              <a:lstStyle/>
+              <a:p>
+                <a:r>
+                  <a:rPr lang="en-US" altLang="en-US" sz="2400">
+                    <a:latin typeface="Times New Roman" panose="02020603050405020304" pitchFamily="18" charset="0"/>
+                  </a:rPr>
+                  <a:t>z</a:t>
+                </a:r>
+              </a:p>
+            </p:txBody>
+          </p:sp>
+          <p:sp>
+            <p:nvSpPr>
+              <p:cNvPr id="35855" name="Text Box 15"/>
+              <p:cNvSpPr txBox="1">
+                <a:spLocks noChangeArrowheads="1"/>
+              </p:cNvSpPr>
+              <p:nvPr/>
+            </p:nvSpPr>
+            <p:spPr bwMode="auto">
+              <a:xfrm>
+                <a:off x="2559" y="2502"/>
+                <a:ext cx="212" cy="288"/>
+              </a:xfrm>
+              <a:prstGeom prst="rect">
+                <a:avLst/>
+              </a:prstGeom>
+              <a:noFill/>
+              <a:ln>
+                <a:noFill/>
+              </a:ln>
+              <a:effectLst/>
+              <a:extLst>
+                <a:ext uri="{909E8E84-426E-40DD-AFC4-6F175D3DCCD1}">
+                  <a14:hiddenFill xmlns:a14="http://schemas.microsoft.com/office/drawing/2010/main">
+                    <a:solidFill>
+                      <a:schemeClr val="accent1"/>
+                    </a:solidFill>
+                  </a14:hiddenFill>
+                </a:ext>
+                <a:ext uri="{91240B29-F687-4F45-9708-019B960494DF}">
+                  <a14:hiddenLine xmlns:a14="http://schemas.microsoft.com/office/drawing/2010/main" w="9525">
+                    <a:solidFill>
+                      <a:schemeClr val="tx1"/>
+                    </a:solidFill>
+                    <a:miter lim="800000"/>
+                    <a:headEnd/>
+                    <a:tailEnd/>
+                  </a14:hiddenLine>
+                </a:ext>
+                <a:ext uri="{AF507438-7753-43E0-B8FC-AC1667EBCBE1}">
+                  <a14:hiddenEffects xmlns:a14="http://schemas.microsoft.com/office/drawing/2010/main">
+                    <a:effectLst>
+                      <a:outerShdw dist="35921" dir="2700000" algn="ctr" rotWithShape="0">
+                        <a:schemeClr val="bg2"/>
+                      </a:outerShdw>
+                    </a:effectLst>
+                  </a14:hiddenEffects>
+                </a:ext>
+              </a:extLst>
+            </p:spPr>
+            <p:txBody>
+              <a:bodyPr wrap="none">
+                <a:spAutoFit/>
+              </a:bodyPr>
+              <a:lstStyle/>
+              <a:p>
+                <a:r>
+                  <a:rPr lang="en-US" altLang="en-US" sz="2400">
+                    <a:latin typeface="Times New Roman" panose="02020603050405020304" pitchFamily="18" charset="0"/>
+                  </a:rPr>
+                  <a:t>y</a:t>
+                </a:r>
+              </a:p>
+            </p:txBody>
+          </p:sp>
+          <p:sp>
+            <p:nvSpPr>
+              <p:cNvPr id="35856" name="Text Box 16"/>
+              <p:cNvSpPr txBox="1">
+                <a:spLocks noChangeArrowheads="1"/>
+              </p:cNvSpPr>
+              <p:nvPr/>
+            </p:nvSpPr>
+            <p:spPr bwMode="auto">
+              <a:xfrm>
+                <a:off x="974" y="3063"/>
+                <a:ext cx="212" cy="288"/>
+              </a:xfrm>
+              <a:prstGeom prst="rect">
+                <a:avLst/>
+              </a:prstGeom>
+              <a:noFill/>
+              <a:ln>
+                <a:noFill/>
+              </a:ln>
+              <a:effectLst/>
+              <a:extLst>
+                <a:ext uri="{909E8E84-426E-40DD-AFC4-6F175D3DCCD1}">
+                  <a14:hiddenFill xmlns:a14="http://schemas.microsoft.com/office/drawing/2010/main">
+                    <a:solidFill>
+                      <a:schemeClr val="accent1"/>
+                    </a:solidFill>
+                  </a14:hiddenFill>
+                </a:ext>
+                <a:ext uri="{91240B29-F687-4F45-9708-019B960494DF}">
+                  <a14:hiddenLine xmlns:a14="http://schemas.microsoft.com/office/drawing/2010/main" w="9525">
+                    <a:solidFill>
+                      <a:schemeClr val="tx1"/>
+                    </a:solidFill>
+                    <a:miter lim="800000"/>
+                    <a:headEnd/>
+                    <a:tailEnd/>
+                  </a14:hiddenLine>
+                </a:ext>
+                <a:ext uri="{AF507438-7753-43E0-B8FC-AC1667EBCBE1}">
+                  <a14:hiddenEffects xmlns:a14="http://schemas.microsoft.com/office/drawing/2010/main">
+                    <a:effectLst>
+                      <a:outerShdw dist="35921" dir="2700000" algn="ctr" rotWithShape="0">
+                        <a:schemeClr val="bg2"/>
+                      </a:outerShdw>
+                    </a:effectLst>
+                  </a14:hiddenEffects>
+                </a:ext>
+              </a:extLst>
+            </p:spPr>
+            <p:txBody>
+              <a:bodyPr wrap="none">
+                <a:spAutoFit/>
+              </a:bodyPr>
+              <a:lstStyle/>
+              <a:p>
+                <a:r>
+                  <a:rPr lang="en-US" altLang="en-US" sz="2400">
+                    <a:latin typeface="Times New Roman" panose="02020603050405020304" pitchFamily="18" charset="0"/>
+                  </a:rPr>
+                  <a:t>x</a:t>
+                </a:r>
+              </a:p>
+            </p:txBody>
+          </p:sp>
+        </p:grpSp>
+        <p:sp>
+          <p:nvSpPr>
+            <p:cNvPr id="35872" name="Line 32"/>
+            <p:cNvSpPr>
+              <a:spLocks noChangeShapeType="1"/>
+            </p:cNvSpPr>
+            <p:nvPr/>
+          </p:nvSpPr>
+          <p:spPr bwMode="auto">
+            <a:xfrm>
+              <a:off x="1202" y="2937"/>
+              <a:ext cx="711" cy="0"/>
+            </a:xfrm>
+            <a:prstGeom prst="line">
+              <a:avLst/>
+            </a:prstGeom>
+            <a:noFill/>
+            <a:ln w="9525">
+              <a:solidFill>
+                <a:schemeClr val="tx1"/>
+              </a:solidFill>
+              <a:prstDash val="dash"/>
+              <a:round/>
+              <a:headEnd/>
+              <a:tailEnd/>
+            </a:ln>
+            <a:effectLst/>
+            <a:extLst>
+              <a:ext uri="{909E8E84-426E-40DD-AFC4-6F175D3DCCD1}">
+                <a14:hiddenFill xmlns:a14="http://schemas.microsoft.com/office/drawing/2010/main">
+                  <a:noFill/>
+                </a14:hiddenFill>
+              </a:ext>
+              <a:ext uri="{AF507438-7753-43E0-B8FC-AC1667EBCBE1}">
+                <a14:hiddenEffects xmlns:a14="http://schemas.microsoft.com/office/drawing/2010/main">
+                  <a:effectLst>
+                    <a:outerShdw dist="35921" dir="2700000" algn="ctr" rotWithShape="0">
+                      <a:schemeClr val="bg2"/>
+                    </a:outerShdw>
+                  </a:effectLst>
+                </a14:hiddenEffects>
+              </a:ext>
+            </a:extLst>
+          </p:spPr>
+          <p:txBody>
+            <a:bodyPr/>
+            <a:lstStyle/>
+            <a:p>
+              <a:endParaRPr lang="en-US"/>
+            </a:p>
+          </p:txBody>
+        </p:sp>
+        <p:sp>
+          <p:nvSpPr>
+            <p:cNvPr id="35873" name="Line 33"/>
+            <p:cNvSpPr>
+              <a:spLocks noChangeShapeType="1"/>
+            </p:cNvSpPr>
+            <p:nvPr/>
+          </p:nvSpPr>
+          <p:spPr bwMode="auto">
+            <a:xfrm flipH="1">
+              <a:off x="1906" y="2695"/>
+              <a:ext cx="256" cy="249"/>
+            </a:xfrm>
+            <a:prstGeom prst="line">
+              <a:avLst/>
+            </a:prstGeom>
+            <a:noFill/>
+            <a:ln w="9525">
+              <a:solidFill>
+                <a:schemeClr val="tx1"/>
+              </a:solidFill>
+              <a:prstDash val="dash"/>
+              <a:round/>
+              <a:headEnd/>
+              <a:tailEnd/>
+            </a:ln>
+            <a:effectLst/>
+            <a:extLst>
+              <a:ext uri="{909E8E84-426E-40DD-AFC4-6F175D3DCCD1}">
+                <a14:hiddenFill xmlns:a14="http://schemas.microsoft.com/office/drawing/2010/main">
+                  <a:noFill/>
+                </a14:hiddenFill>
+              </a:ext>
+              <a:ext uri="{AF507438-7753-43E0-B8FC-AC1667EBCBE1}">
+                <a14:hiddenEffects xmlns:a14="http://schemas.microsoft.com/office/drawing/2010/main">
+                  <a:effectLst>
+                    <a:outerShdw dist="35921" dir="2700000" algn="ctr" rotWithShape="0">
+                      <a:schemeClr val="bg2"/>
+                    </a:outerShdw>
+                  </a:effectLst>
+                </a14:hiddenEffects>
+              </a:ext>
+            </a:extLst>
+          </p:spPr>
+          <p:txBody>
+            <a:bodyPr/>
+            <a:lstStyle/>
+            <a:p>
+              <a:endParaRPr lang="en-US"/>
+            </a:p>
+          </p:txBody>
+        </p:sp>
+        <p:sp>
+          <p:nvSpPr>
+            <p:cNvPr id="35874" name="Line 34"/>
+            <p:cNvSpPr>
+              <a:spLocks noChangeShapeType="1"/>
+            </p:cNvSpPr>
+            <p:nvPr/>
+          </p:nvSpPr>
+          <p:spPr bwMode="auto">
+            <a:xfrm flipV="1">
+              <a:off x="1906" y="2148"/>
+              <a:ext cx="0" cy="775"/>
+            </a:xfrm>
+            <a:prstGeom prst="line">
+              <a:avLst/>
+            </a:prstGeom>
+            <a:noFill/>
+            <a:ln w="9525">
+              <a:solidFill>
+                <a:schemeClr val="tx1"/>
+              </a:solidFill>
+              <a:prstDash val="dash"/>
+              <a:round/>
+              <a:headEnd/>
+              <a:tailEnd/>
+            </a:ln>
+            <a:effectLst/>
+            <a:extLst>
+              <a:ext uri="{909E8E84-426E-40DD-AFC4-6F175D3DCCD1}">
+                <a14:hiddenFill xmlns:a14="http://schemas.microsoft.com/office/drawing/2010/main">
+                  <a:noFill/>
+                </a14:hiddenFill>
+              </a:ext>
+              <a:ext uri="{AF507438-7753-43E0-B8FC-AC1667EBCBE1}">
+                <a14:hiddenEffects xmlns:a14="http://schemas.microsoft.com/office/drawing/2010/main">
+                  <a:effectLst>
+                    <a:outerShdw dist="35921" dir="2700000" algn="ctr" rotWithShape="0">
+                      <a:schemeClr val="bg2"/>
+                    </a:outerShdw>
+                  </a:effectLst>
+                </a14:hiddenEffects>
+              </a:ext>
+            </a:extLst>
+          </p:spPr>
+          <p:txBody>
+            <a:bodyPr/>
+            <a:lstStyle/>
+            <a:p>
+              <a:endParaRPr lang="en-US"/>
+            </a:p>
+          </p:txBody>
+        </p:sp>
+        <p:sp>
+          <p:nvSpPr>
+            <p:cNvPr id="35875" name="Oval 35"/>
+            <p:cNvSpPr>
+              <a:spLocks noChangeArrowheads="1"/>
+            </p:cNvSpPr>
+            <p:nvPr/>
+          </p:nvSpPr>
+          <p:spPr bwMode="auto">
+            <a:xfrm>
+              <a:off x="1870" y="2077"/>
+              <a:ext cx="78" cy="78"/>
+            </a:xfrm>
+            <a:prstGeom prst="ellipse">
+              <a:avLst/>
+            </a:prstGeom>
+            <a:solidFill>
+              <a:schemeClr val="tx1"/>
+            </a:solidFill>
+            <a:ln w="9525">
+              <a:solidFill>
+                <a:schemeClr val="tx1"/>
+              </a:solidFill>
+              <a:round/>
+              <a:headEnd/>
+              <a:tailEnd/>
+            </a:ln>
+            <a:effectLst/>
+            <a:extLst>
+              <a:ext uri="{AF507438-7753-43E0-B8FC-AC1667EBCBE1}">
+                <a14:hiddenEffects xmlns:a14="http://schemas.microsoft.com/office/drawing/2010/main">
+                  <a:effectLst>
+                    <a:outerShdw dist="35921" dir="2700000" algn="ctr" rotWithShape="0">
+                      <a:schemeClr val="bg2"/>
+                    </a:outerShdw>
+                  </a:effectLst>
+                </a14:hiddenEffects>
+              </a:ext>
+            </a:extLst>
+          </p:spPr>
+          <p:txBody>
+            <a:bodyPr wrap="none" anchor="ctr"/>
+            <a:lstStyle/>
+            <a:p>
+              <a:endParaRPr lang="en-US"/>
+            </a:p>
+          </p:txBody>
+        </p:sp>
+      </p:grpSp>
+      <p:grpSp>
+        <p:nvGrpSpPr>
+          <p:cNvPr id="35916" name="Group 76"/>
+          <p:cNvGrpSpPr>
+            <a:grpSpLocks/>
+          </p:cNvGrpSpPr>
+          <p:nvPr/>
+        </p:nvGrpSpPr>
+        <p:grpSpPr bwMode="auto">
+          <a:xfrm>
+            <a:off x="4525963" y="2506663"/>
+            <a:ext cx="3679825" cy="3189287"/>
+            <a:chOff x="2851" y="1579"/>
+            <a:chExt cx="2318" cy="2009"/>
+          </a:xfrm>
+        </p:grpSpPr>
+        <p:graphicFrame>
+          <p:nvGraphicFramePr>
+            <p:cNvPr id="35864" name="Object 24"/>
+            <p:cNvGraphicFramePr>
+              <a:graphicFrameLocks noChangeAspect="1"/>
+            </p:cNvGraphicFramePr>
+            <p:nvPr/>
+          </p:nvGraphicFramePr>
+          <p:xfrm>
+            <a:off x="2997" y="2418"/>
+            <a:ext cx="260" cy="211"/>
+          </p:xfrm>
+          <a:graphic>
+            <a:graphicData uri="http://schemas.openxmlformats.org/presentationml/2006/ole">
+              <mc:AlternateContent xmlns:mc="http://schemas.openxmlformats.org/markup-compatibility/2006">
+                <mc:Choice xmlns:v="urn:schemas-microsoft-com:vml" Requires="v">
+                  <p:oleObj name="Equation" r:id="rId2" imgW="203040" imgH="164880" progId="Equation.3">
+                    <p:embed/>
+                  </p:oleObj>
+                </mc:Choice>
+                <mc:Fallback>
+                  <p:oleObj name="Equation" r:id="rId2" imgW="203040" imgH="164880" progId="Equation.3">
+                    <p:embed/>
+                    <p:pic>
+                      <p:nvPicPr>
+                        <p:cNvPr id="35864" name="Object 24"/>
+                        <p:cNvPicPr>
+                          <a:picLocks noChangeAspect="1" noChangeArrowheads="1"/>
+                        </p:cNvPicPr>
+                        <p:nvPr/>
+                      </p:nvPicPr>
+                      <p:blipFill>
+                        <a:blip r:embed="rId3">
+                          <a:extLst>
+                            <a:ext uri="{28A0092B-C50C-407E-A947-70E740481C1C}">
+                              <a14:useLocalDpi xmlns:a14="http://schemas.microsoft.com/office/drawing/2010/main" val="0"/>
+                            </a:ext>
+                          </a:extLst>
+                        </a:blip>
+                        <a:srcRect/>
+                        <a:stretch>
+                          <a:fillRect/>
+                        </a:stretch>
+                      </p:blipFill>
+                      <p:spPr bwMode="auto">
+                        <a:xfrm>
+                          <a:off x="2997" y="2418"/>
+                          <a:ext cx="260" cy="211"/>
+                        </a:xfrm>
+                        <a:prstGeom prst="rect">
+                          <a:avLst/>
+                        </a:prstGeom>
+                        <a:noFill/>
+                        <a:ln>
+                          <a:noFill/>
+                        </a:ln>
+                        <a:effectLst/>
+                        <a:extLst>
+                          <a:ext uri="{909E8E84-426E-40DD-AFC4-6F175D3DCCD1}">
+                            <a14:hiddenFill xmlns:a14="http://schemas.microsoft.com/office/drawing/2010/main">
+                              <a:solidFill>
+                                <a:srgbClr val="FFFFFF"/>
+                              </a:solidFill>
+                            </a14:hiddenFill>
+                          </a:ext>
+                          <a:ext uri="{91240B29-F687-4F45-9708-019B960494DF}">
+                            <a14:hiddenLine xmlns:a14="http://schemas.microsoft.com/office/drawing/2010/main" w="9525">
+                              <a:solidFill>
+                                <a:srgbClr val="000000"/>
+                              </a:solidFill>
+                              <a:miter lim="800000"/>
+                              <a:headEnd/>
+                              <a:tailEnd/>
+                            </a14:hiddenLine>
+                          </a:ext>
+                          <a:ext uri="{AF507438-7753-43E0-B8FC-AC1667EBCBE1}">
+                            <a14:hiddenEffects xmlns:a14="http://schemas.microsoft.com/office/drawing/2010/main">
+                              <a:effectLst>
+                                <a:outerShdw dist="35921" dir="2700000" algn="ctr" rotWithShape="0">
+                                  <a:srgbClr val="808080"/>
+                                </a:outerShdw>
+                              </a:effectLst>
+                            </a14:hiddenEffects>
+                          </a:ext>
+                        </a:extLst>
+                      </p:spPr>
+                    </p:pic>
+                  </p:oleObj>
+                </mc:Fallback>
+              </mc:AlternateContent>
+            </a:graphicData>
+          </a:graphic>
+        </p:graphicFrame>
+        <p:graphicFrame>
+          <p:nvGraphicFramePr>
+            <p:cNvPr id="35866" name="Object 26"/>
+            <p:cNvGraphicFramePr>
+              <a:graphicFrameLocks noChangeAspect="1"/>
+            </p:cNvGraphicFramePr>
+            <p:nvPr/>
+          </p:nvGraphicFramePr>
+          <p:xfrm>
+            <a:off x="4636" y="2757"/>
+            <a:ext cx="289" cy="238"/>
+          </p:xfrm>
+          <a:graphic>
+            <a:graphicData uri="http://schemas.openxmlformats.org/presentationml/2006/ole">
+              <mc:AlternateContent xmlns:mc="http://schemas.openxmlformats.org/markup-compatibility/2006">
+                <mc:Choice xmlns:v="urn:schemas-microsoft-com:vml" Requires="v">
+                  <p:oleObj name="Equation" r:id="rId4" imgW="215640" imgH="177480" progId="Equation.3">
+                    <p:embed/>
+                  </p:oleObj>
+                </mc:Choice>
+                <mc:Fallback>
+                  <p:oleObj name="Equation" r:id="rId4" imgW="215640" imgH="177480" progId="Equation.3">
+                    <p:embed/>
+                    <p:pic>
+                      <p:nvPicPr>
+                        <p:cNvPr id="35866" name="Object 26"/>
+                        <p:cNvPicPr>
+                          <a:picLocks noChangeAspect="1" noChangeArrowheads="1"/>
+                        </p:cNvPicPr>
+                        <p:nvPr/>
+                      </p:nvPicPr>
+                      <p:blipFill>
+                        <a:blip r:embed="rId5">
+                          <a:extLst>
+                            <a:ext uri="{28A0092B-C50C-407E-A947-70E740481C1C}">
+                              <a14:useLocalDpi xmlns:a14="http://schemas.microsoft.com/office/drawing/2010/main" val="0"/>
+                            </a:ext>
+                          </a:extLst>
+                        </a:blip>
+                        <a:srcRect/>
+                        <a:stretch>
+                          <a:fillRect/>
+                        </a:stretch>
+                      </p:blipFill>
+                      <p:spPr bwMode="auto">
+                        <a:xfrm>
+                          <a:off x="4636" y="2757"/>
+                          <a:ext cx="289" cy="238"/>
+                        </a:xfrm>
+                        <a:prstGeom prst="rect">
+                          <a:avLst/>
+                        </a:prstGeom>
+                        <a:noFill/>
+                        <a:ln>
+                          <a:noFill/>
+                        </a:ln>
+                        <a:effectLst/>
+                        <a:extLst>
+                          <a:ext uri="{909E8E84-426E-40DD-AFC4-6F175D3DCCD1}">
+                            <a14:hiddenFill xmlns:a14="http://schemas.microsoft.com/office/drawing/2010/main">
+                              <a:solidFill>
+                                <a:srgbClr val="FFFFFF"/>
+                              </a:solidFill>
+                            </a14:hiddenFill>
+                          </a:ext>
+                          <a:ext uri="{91240B29-F687-4F45-9708-019B960494DF}">
+                            <a14:hiddenLine xmlns:a14="http://schemas.microsoft.com/office/drawing/2010/main" w="9525">
+                              <a:solidFill>
+                                <a:srgbClr val="000000"/>
+                              </a:solidFill>
+                              <a:miter lim="800000"/>
+                              <a:headEnd/>
+                              <a:tailEnd/>
+                            </a14:hiddenLine>
+                          </a:ext>
+                          <a:ext uri="{AF507438-7753-43E0-B8FC-AC1667EBCBE1}">
+                            <a14:hiddenEffects xmlns:a14="http://schemas.microsoft.com/office/drawing/2010/main">
+                              <a:effectLst>
+                                <a:outerShdw dist="35921" dir="2700000" algn="ctr" rotWithShape="0">
+                                  <a:srgbClr val="808080"/>
+                                </a:outerShdw>
+                              </a:effectLst>
+                            </a14:hiddenEffects>
+                          </a:ext>
+                        </a:extLst>
+                      </p:spPr>
+                    </p:pic>
+                  </p:oleObj>
+                </mc:Fallback>
+              </mc:AlternateContent>
+            </a:graphicData>
+          </a:graphic>
+        </p:graphicFrame>
+        <p:grpSp>
+          <p:nvGrpSpPr>
+            <p:cNvPr id="35853" name="Group 13"/>
+            <p:cNvGrpSpPr>
+              <a:grpSpLocks/>
+            </p:cNvGrpSpPr>
+            <p:nvPr/>
+          </p:nvGrpSpPr>
+          <p:grpSpPr bwMode="auto">
+            <a:xfrm>
+              <a:off x="3271" y="1579"/>
+              <a:ext cx="1519" cy="1519"/>
+              <a:chOff x="3157" y="1586"/>
+              <a:chExt cx="1519" cy="1519"/>
+            </a:xfrm>
+          </p:grpSpPr>
+          <p:sp>
+            <p:nvSpPr>
+              <p:cNvPr id="35845" name="AutoShape 5"/>
+              <p:cNvSpPr>
+                <a:spLocks noChangeArrowheads="1"/>
+              </p:cNvSpPr>
+              <p:nvPr/>
+            </p:nvSpPr>
+            <p:spPr bwMode="auto">
+              <a:xfrm>
+                <a:off x="3157" y="1586"/>
+                <a:ext cx="1519" cy="1519"/>
+              </a:xfrm>
+              <a:prstGeom prst="cube">
+                <a:avLst>
+                  <a:gd name="adj" fmla="val 25000"/>
+                </a:avLst>
+              </a:prstGeom>
+              <a:noFill/>
+              <a:ln w="9525">
+                <a:solidFill>
+                  <a:schemeClr val="tx1"/>
+                </a:solidFill>
+                <a:miter lim="800000"/>
+                <a:headEnd/>
+                <a:tailEnd/>
+              </a:ln>
+              <a:effectLst/>
+              <a:extLst>
+                <a:ext uri="{909E8E84-426E-40DD-AFC4-6F175D3DCCD1}">
+                  <a14:hiddenFill xmlns:a14="http://schemas.microsoft.com/office/drawing/2010/main">
+                    <a:solidFill>
+                      <a:schemeClr val="accent1"/>
+                    </a:solidFill>
+                  </a14:hiddenFill>
+                </a:ext>
+                <a:ext uri="{AF507438-7753-43E0-B8FC-AC1667EBCBE1}">
+                  <a14:hiddenEffects xmlns:a14="http://schemas.microsoft.com/office/drawing/2010/main">
+                    <a:effectLst>
+                      <a:outerShdw dist="35921" dir="2700000" algn="ctr" rotWithShape="0">
+                        <a:schemeClr val="bg2"/>
+                      </a:outerShdw>
+                    </a:effectLst>
+                  </a14:hiddenEffects>
+                </a:ext>
+              </a:extLst>
+            </p:spPr>
+            <p:txBody>
+              <a:bodyPr wrap="none" anchor="ctr"/>
+              <a:lstStyle/>
+              <a:p>
+                <a:endParaRPr lang="en-US"/>
+              </a:p>
+            </p:txBody>
+          </p:sp>
+          <p:sp>
+            <p:nvSpPr>
+              <p:cNvPr id="35846" name="Line 6"/>
+              <p:cNvSpPr>
+                <a:spLocks noChangeShapeType="1"/>
+              </p:cNvSpPr>
+              <p:nvPr/>
+            </p:nvSpPr>
+            <p:spPr bwMode="auto">
+              <a:xfrm flipH="1">
+                <a:off x="3541" y="2716"/>
+                <a:ext cx="1131" cy="0"/>
+              </a:xfrm>
+              <a:prstGeom prst="line">
+                <a:avLst/>
+              </a:prstGeom>
+              <a:noFill/>
+              <a:ln w="9525">
+                <a:solidFill>
+                  <a:schemeClr val="tx1"/>
+                </a:solidFill>
+                <a:prstDash val="dash"/>
+                <a:round/>
+                <a:headEnd/>
+                <a:tailEnd/>
+              </a:ln>
+              <a:effectLst/>
+              <a:extLst>
+                <a:ext uri="{909E8E84-426E-40DD-AFC4-6F175D3DCCD1}">
+                  <a14:hiddenFill xmlns:a14="http://schemas.microsoft.com/office/drawing/2010/main">
+                    <a:noFill/>
+                  </a14:hiddenFill>
+                </a:ext>
+                <a:ext uri="{AF507438-7753-43E0-B8FC-AC1667EBCBE1}">
+                  <a14:hiddenEffects xmlns:a14="http://schemas.microsoft.com/office/drawing/2010/main">
+                    <a:effectLst>
+                      <a:outerShdw dist="35921" dir="2700000" algn="ctr" rotWithShape="0">
+                        <a:schemeClr val="bg2"/>
+                      </a:outerShdw>
+                    </a:effectLst>
+                  </a14:hiddenEffects>
+                </a:ext>
+              </a:extLst>
+            </p:spPr>
+            <p:txBody>
+              <a:bodyPr/>
+              <a:lstStyle/>
+              <a:p>
+                <a:endParaRPr lang="en-US"/>
+              </a:p>
+            </p:txBody>
+          </p:sp>
+          <p:sp>
+            <p:nvSpPr>
+              <p:cNvPr id="35847" name="Line 7"/>
+              <p:cNvSpPr>
+                <a:spLocks noChangeShapeType="1"/>
+              </p:cNvSpPr>
+              <p:nvPr/>
+            </p:nvSpPr>
+            <p:spPr bwMode="auto">
+              <a:xfrm flipV="1">
+                <a:off x="3164" y="2701"/>
+                <a:ext cx="377" cy="377"/>
+              </a:xfrm>
+              <a:prstGeom prst="line">
+                <a:avLst/>
+              </a:prstGeom>
+              <a:noFill/>
+              <a:ln w="9525">
+                <a:solidFill>
+                  <a:schemeClr val="tx1"/>
+                </a:solidFill>
+                <a:prstDash val="dash"/>
+                <a:round/>
+                <a:headEnd/>
+                <a:tailEnd/>
+              </a:ln>
+              <a:effectLst/>
+              <a:extLst>
+                <a:ext uri="{909E8E84-426E-40DD-AFC4-6F175D3DCCD1}">
+                  <a14:hiddenFill xmlns:a14="http://schemas.microsoft.com/office/drawing/2010/main">
+                    <a:noFill/>
+                  </a14:hiddenFill>
+                </a:ext>
+                <a:ext uri="{AF507438-7753-43E0-B8FC-AC1667EBCBE1}">
+                  <a14:hiddenEffects xmlns:a14="http://schemas.microsoft.com/office/drawing/2010/main">
+                    <a:effectLst>
+                      <a:outerShdw dist="35921" dir="2700000" algn="ctr" rotWithShape="0">
+                        <a:schemeClr val="bg2"/>
+                      </a:outerShdw>
+                    </a:effectLst>
+                  </a14:hiddenEffects>
+                </a:ext>
+              </a:extLst>
+            </p:spPr>
+            <p:txBody>
+              <a:bodyPr/>
+              <a:lstStyle/>
+              <a:p>
+                <a:endParaRPr lang="en-US"/>
+              </a:p>
+            </p:txBody>
+          </p:sp>
+          <p:sp>
+            <p:nvSpPr>
+              <p:cNvPr id="35848" name="Line 8"/>
+              <p:cNvSpPr>
+                <a:spLocks noChangeShapeType="1"/>
+              </p:cNvSpPr>
+              <p:nvPr/>
+            </p:nvSpPr>
+            <p:spPr bwMode="auto">
+              <a:xfrm>
+                <a:off x="3541" y="1586"/>
+                <a:ext cx="0" cy="1123"/>
+              </a:xfrm>
+              <a:prstGeom prst="line">
+                <a:avLst/>
+              </a:prstGeom>
+              <a:noFill/>
+              <a:ln w="9525">
+                <a:solidFill>
+                  <a:schemeClr val="tx1"/>
+                </a:solidFill>
+                <a:prstDash val="dash"/>
+                <a:round/>
+                <a:headEnd/>
+                <a:tailEnd/>
+              </a:ln>
+              <a:effectLst/>
+              <a:extLst>
+                <a:ext uri="{909E8E84-426E-40DD-AFC4-6F175D3DCCD1}">
+                  <a14:hiddenFill xmlns:a14="http://schemas.microsoft.com/office/drawing/2010/main">
+                    <a:noFill/>
+                  </a14:hiddenFill>
+                </a:ext>
+                <a:ext uri="{AF507438-7753-43E0-B8FC-AC1667EBCBE1}">
+                  <a14:hiddenEffects xmlns:a14="http://schemas.microsoft.com/office/drawing/2010/main">
+                    <a:effectLst>
+                      <a:outerShdw dist="35921" dir="2700000" algn="ctr" rotWithShape="0">
+                        <a:schemeClr val="bg2"/>
+                      </a:outerShdw>
+                    </a:effectLst>
+                  </a14:hiddenEffects>
+                </a:ext>
+              </a:extLst>
+            </p:spPr>
+            <p:txBody>
+              <a:bodyPr/>
+              <a:lstStyle/>
+              <a:p>
+                <a:endParaRPr lang="en-US"/>
+              </a:p>
+            </p:txBody>
+          </p:sp>
+          <p:sp>
+            <p:nvSpPr>
+              <p:cNvPr id="35849" name="Oval 9"/>
+              <p:cNvSpPr>
+                <a:spLocks noChangeArrowheads="1"/>
+              </p:cNvSpPr>
+              <p:nvPr/>
+            </p:nvSpPr>
+            <p:spPr bwMode="auto">
+              <a:xfrm>
+                <a:off x="3847" y="2340"/>
+                <a:ext cx="114" cy="114"/>
+              </a:xfrm>
+              <a:prstGeom prst="ellipse">
+                <a:avLst/>
+              </a:prstGeom>
+              <a:solidFill>
+                <a:schemeClr val="tx1"/>
+              </a:solidFill>
+              <a:ln w="9525">
+                <a:solidFill>
+                  <a:schemeClr val="tx1"/>
+                </a:solidFill>
+                <a:round/>
+                <a:headEnd/>
+                <a:tailEnd/>
+              </a:ln>
+              <a:effectLst/>
+              <a:extLst>
+                <a:ext uri="{AF507438-7753-43E0-B8FC-AC1667EBCBE1}">
+                  <a14:hiddenEffects xmlns:a14="http://schemas.microsoft.com/office/drawing/2010/main">
+                    <a:effectLst>
+                      <a:outerShdw dist="35921" dir="2700000" algn="ctr" rotWithShape="0">
+                        <a:schemeClr val="bg2"/>
+                      </a:outerShdw>
+                    </a:effectLst>
+                  </a14:hiddenEffects>
+                </a:ext>
+              </a:extLst>
+            </p:spPr>
+            <p:txBody>
+              <a:bodyPr wrap="none" anchor="ctr"/>
+              <a:lstStyle/>
+              <a:p>
+                <a:endParaRPr lang="en-US"/>
+              </a:p>
+            </p:txBody>
+          </p:sp>
+        </p:grpSp>
+        <p:graphicFrame>
+          <p:nvGraphicFramePr>
+            <p:cNvPr id="35868" name="Object 28"/>
+            <p:cNvGraphicFramePr>
+              <a:graphicFrameLocks noChangeAspect="1"/>
+            </p:cNvGraphicFramePr>
+            <p:nvPr/>
+          </p:nvGraphicFramePr>
+          <p:xfrm>
+            <a:off x="3693" y="3170"/>
+            <a:ext cx="281" cy="265"/>
+          </p:xfrm>
+          <a:graphic>
+            <a:graphicData uri="http://schemas.openxmlformats.org/presentationml/2006/ole">
+              <mc:AlternateContent xmlns:mc="http://schemas.openxmlformats.org/markup-compatibility/2006">
+                <mc:Choice xmlns:v="urn:schemas-microsoft-com:vml" Requires="v">
+                  <p:oleObj name="Equation" r:id="rId6" imgW="215640" imgH="203040" progId="Equation.3">
+                    <p:embed/>
+                  </p:oleObj>
+                </mc:Choice>
+                <mc:Fallback>
+                  <p:oleObj name="Equation" r:id="rId6" imgW="215640" imgH="203040" progId="Equation.3">
+                    <p:embed/>
+                    <p:pic>
+                      <p:nvPicPr>
+                        <p:cNvPr id="35868" name="Object 28"/>
+                        <p:cNvPicPr>
+                          <a:picLocks noChangeAspect="1" noChangeArrowheads="1"/>
+                        </p:cNvPicPr>
+                        <p:nvPr/>
+                      </p:nvPicPr>
+                      <p:blipFill>
+                        <a:blip r:embed="rId7">
+                          <a:extLst>
+                            <a:ext uri="{28A0092B-C50C-407E-A947-70E740481C1C}">
+                              <a14:useLocalDpi xmlns:a14="http://schemas.microsoft.com/office/drawing/2010/main" val="0"/>
+                            </a:ext>
+                          </a:extLst>
+                        </a:blip>
+                        <a:srcRect/>
+                        <a:stretch>
+                          <a:fillRect/>
+                        </a:stretch>
+                      </p:blipFill>
+                      <p:spPr bwMode="auto">
+                        <a:xfrm>
+                          <a:off x="3693" y="3170"/>
+                          <a:ext cx="281" cy="265"/>
+                        </a:xfrm>
+                        <a:prstGeom prst="rect">
+                          <a:avLst/>
+                        </a:prstGeom>
+                        <a:noFill/>
+                        <a:ln>
+                          <a:noFill/>
+                        </a:ln>
+                        <a:effectLst/>
+                        <a:extLst>
+                          <a:ext uri="{909E8E84-426E-40DD-AFC4-6F175D3DCCD1}">
+                            <a14:hiddenFill xmlns:a14="http://schemas.microsoft.com/office/drawing/2010/main">
+                              <a:solidFill>
+                                <a:srgbClr val="FFFFFF"/>
+                              </a:solidFill>
+                            </a14:hiddenFill>
+                          </a:ext>
+                          <a:ext uri="{91240B29-F687-4F45-9708-019B960494DF}">
+                            <a14:hiddenLine xmlns:a14="http://schemas.microsoft.com/office/drawing/2010/main" w="9525">
+                              <a:solidFill>
+                                <a:srgbClr val="000000"/>
+                              </a:solidFill>
+                              <a:miter lim="800000"/>
+                              <a:headEnd/>
+                              <a:tailEnd/>
+                            </a14:hiddenLine>
+                          </a:ext>
+                          <a:ext uri="{AF507438-7753-43E0-B8FC-AC1667EBCBE1}">
+                            <a14:hiddenEffects xmlns:a14="http://schemas.microsoft.com/office/drawing/2010/main">
+                              <a:effectLst>
+                                <a:outerShdw dist="35921" dir="2700000" algn="ctr" rotWithShape="0">
+                                  <a:srgbClr val="808080"/>
+                                </a:outerShdw>
+                              </a:effectLst>
+                            </a14:hiddenEffects>
+                          </a:ext>
+                        </a:extLst>
+                      </p:spPr>
+                    </p:pic>
+                  </p:oleObj>
+                </mc:Fallback>
+              </mc:AlternateContent>
+            </a:graphicData>
+          </a:graphic>
+        </p:graphicFrame>
+        <p:sp>
+          <p:nvSpPr>
+            <p:cNvPr id="35883" name="Line 43"/>
+            <p:cNvSpPr>
+              <a:spLocks noChangeShapeType="1"/>
+            </p:cNvSpPr>
+            <p:nvPr/>
+          </p:nvSpPr>
+          <p:spPr bwMode="auto">
+            <a:xfrm>
+              <a:off x="4046" y="3299"/>
+              <a:ext cx="356" cy="0"/>
+            </a:xfrm>
+            <a:prstGeom prst="line">
+              <a:avLst/>
+            </a:prstGeom>
+            <a:noFill/>
+            <a:ln w="9525">
+              <a:solidFill>
+                <a:schemeClr val="tx1"/>
+              </a:solidFill>
+              <a:round/>
+              <a:headEnd/>
+              <a:tailEnd type="triangle" w="med" len="med"/>
+            </a:ln>
+            <a:effectLst/>
+            <a:extLst>
+              <a:ext uri="{909E8E84-426E-40DD-AFC4-6F175D3DCCD1}">
+                <a14:hiddenFill xmlns:a14="http://schemas.microsoft.com/office/drawing/2010/main">
+                  <a:noFill/>
+                </a14:hiddenFill>
+              </a:ext>
+              <a:ext uri="{AF507438-7753-43E0-B8FC-AC1667EBCBE1}">
+                <a14:hiddenEffects xmlns:a14="http://schemas.microsoft.com/office/drawing/2010/main">
+                  <a:effectLst>
+                    <a:outerShdw dist="35921" dir="2700000" algn="ctr" rotWithShape="0">
+                      <a:schemeClr val="bg2"/>
+                    </a:outerShdw>
+                  </a:effectLst>
+                </a14:hiddenEffects>
+              </a:ext>
+            </a:extLst>
+          </p:spPr>
+          <p:txBody>
+            <a:bodyPr/>
+            <a:lstStyle/>
+            <a:p>
+              <a:endParaRPr lang="en-US"/>
+            </a:p>
+          </p:txBody>
+        </p:sp>
+        <p:sp>
+          <p:nvSpPr>
+            <p:cNvPr id="35884" name="Line 44"/>
+            <p:cNvSpPr>
+              <a:spLocks noChangeShapeType="1"/>
+            </p:cNvSpPr>
+            <p:nvPr/>
+          </p:nvSpPr>
+          <p:spPr bwMode="auto">
+            <a:xfrm flipH="1">
+              <a:off x="3278" y="3299"/>
+              <a:ext cx="391" cy="0"/>
+            </a:xfrm>
+            <a:prstGeom prst="line">
+              <a:avLst/>
+            </a:prstGeom>
+            <a:noFill/>
+            <a:ln w="9525">
+              <a:solidFill>
+                <a:schemeClr val="tx1"/>
+              </a:solidFill>
+              <a:round/>
+              <a:headEnd/>
+              <a:tailEnd type="triangle" w="med" len="med"/>
+            </a:ln>
+            <a:effectLst/>
+            <a:extLst>
+              <a:ext uri="{909E8E84-426E-40DD-AFC4-6F175D3DCCD1}">
+                <a14:hiddenFill xmlns:a14="http://schemas.microsoft.com/office/drawing/2010/main">
+                  <a:noFill/>
+                </a14:hiddenFill>
+              </a:ext>
+              <a:ext uri="{AF507438-7753-43E0-B8FC-AC1667EBCBE1}">
+                <a14:hiddenEffects xmlns:a14="http://schemas.microsoft.com/office/drawing/2010/main">
+                  <a:effectLst>
+                    <a:outerShdw dist="35921" dir="2700000" algn="ctr" rotWithShape="0">
+                      <a:schemeClr val="bg2"/>
+                    </a:outerShdw>
+                  </a:effectLst>
+                </a14:hiddenEffects>
+              </a:ext>
+            </a:extLst>
+          </p:spPr>
+          <p:txBody>
+            <a:bodyPr/>
+            <a:lstStyle/>
+            <a:p>
+              <a:endParaRPr lang="en-US"/>
+            </a:p>
+          </p:txBody>
+        </p:sp>
+        <p:sp>
+          <p:nvSpPr>
+            <p:cNvPr id="35886" name="Line 46"/>
+            <p:cNvSpPr>
+              <a:spLocks noChangeShapeType="1"/>
+            </p:cNvSpPr>
+            <p:nvPr/>
+          </p:nvSpPr>
+          <p:spPr bwMode="auto">
+            <a:xfrm>
+              <a:off x="3271" y="3215"/>
+              <a:ext cx="0" cy="170"/>
+            </a:xfrm>
+            <a:prstGeom prst="line">
+              <a:avLst/>
+            </a:prstGeom>
+            <a:noFill/>
+            <a:ln w="9525">
+              <a:solidFill>
+                <a:schemeClr val="tx1"/>
+              </a:solidFill>
+              <a:round/>
+              <a:headEnd/>
+              <a:tailEnd/>
+            </a:ln>
+            <a:effectLst/>
+            <a:extLst>
+              <a:ext uri="{909E8E84-426E-40DD-AFC4-6F175D3DCCD1}">
+                <a14:hiddenFill xmlns:a14="http://schemas.microsoft.com/office/drawing/2010/main">
+                  <a:noFill/>
+                </a14:hiddenFill>
+              </a:ext>
+              <a:ext uri="{AF507438-7753-43E0-B8FC-AC1667EBCBE1}">
+                <a14:hiddenEffects xmlns:a14="http://schemas.microsoft.com/office/drawing/2010/main">
+                  <a:effectLst>
+                    <a:outerShdw dist="35921" dir="2700000" algn="ctr" rotWithShape="0">
+                      <a:schemeClr val="bg2"/>
+                    </a:outerShdw>
+                  </a:effectLst>
+                </a14:hiddenEffects>
+              </a:ext>
+            </a:extLst>
+          </p:spPr>
+          <p:txBody>
+            <a:bodyPr/>
+            <a:lstStyle/>
+            <a:p>
+              <a:endParaRPr lang="en-US"/>
+            </a:p>
+          </p:txBody>
+        </p:sp>
+        <p:sp>
+          <p:nvSpPr>
+            <p:cNvPr id="35887" name="Line 47"/>
+            <p:cNvSpPr>
+              <a:spLocks noChangeShapeType="1"/>
+            </p:cNvSpPr>
+            <p:nvPr/>
+          </p:nvSpPr>
+          <p:spPr bwMode="auto">
+            <a:xfrm>
+              <a:off x="4406" y="3204"/>
+              <a:ext cx="0" cy="170"/>
+            </a:xfrm>
+            <a:prstGeom prst="line">
+              <a:avLst/>
+            </a:prstGeom>
+            <a:noFill/>
+            <a:ln w="9525">
+              <a:solidFill>
+                <a:schemeClr val="tx1"/>
+              </a:solidFill>
+              <a:round/>
+              <a:headEnd/>
+              <a:tailEnd/>
+            </a:ln>
+            <a:effectLst/>
+            <a:extLst>
+              <a:ext uri="{909E8E84-426E-40DD-AFC4-6F175D3DCCD1}">
+                <a14:hiddenFill xmlns:a14="http://schemas.microsoft.com/office/drawing/2010/main">
+                  <a:noFill/>
+                </a14:hiddenFill>
+              </a:ext>
+              <a:ext uri="{AF507438-7753-43E0-B8FC-AC1667EBCBE1}">
+                <a14:hiddenEffects xmlns:a14="http://schemas.microsoft.com/office/drawing/2010/main">
+                  <a:effectLst>
+                    <a:outerShdw dist="35921" dir="2700000" algn="ctr" rotWithShape="0">
+                      <a:schemeClr val="bg2"/>
+                    </a:outerShdw>
+                  </a:effectLst>
+                </a14:hiddenEffects>
+              </a:ext>
+            </a:extLst>
+          </p:spPr>
+          <p:txBody>
+            <a:bodyPr/>
+            <a:lstStyle/>
+            <a:p>
+              <a:endParaRPr lang="en-US"/>
+            </a:p>
+          </p:txBody>
+        </p:sp>
+        <p:graphicFrame>
+          <p:nvGraphicFramePr>
+            <p:cNvPr id="35890" name="Object 50"/>
+            <p:cNvGraphicFramePr>
+              <a:graphicFrameLocks noChangeAspect="1"/>
+            </p:cNvGraphicFramePr>
+            <p:nvPr/>
+          </p:nvGraphicFramePr>
+          <p:xfrm>
+            <a:off x="3175" y="3307"/>
+            <a:ext cx="215" cy="281"/>
+          </p:xfrm>
+          <a:graphic>
+            <a:graphicData uri="http://schemas.openxmlformats.org/presentationml/2006/ole">
+              <mc:AlternateContent xmlns:mc="http://schemas.openxmlformats.org/markup-compatibility/2006">
+                <mc:Choice xmlns:v="urn:schemas-microsoft-com:vml" Requires="v">
+                  <p:oleObj name="Equation" r:id="rId8" imgW="164880" imgH="215640" progId="Equation.3">
+                    <p:embed/>
+                  </p:oleObj>
+                </mc:Choice>
+                <mc:Fallback>
+                  <p:oleObj name="Equation" r:id="rId8" imgW="164880" imgH="215640" progId="Equation.3">
+                    <p:embed/>
+                    <p:pic>
+                      <p:nvPicPr>
+                        <p:cNvPr id="35890" name="Object 50"/>
+                        <p:cNvPicPr>
+                          <a:picLocks noChangeAspect="1" noChangeArrowheads="1"/>
+                        </p:cNvPicPr>
+                        <p:nvPr/>
+                      </p:nvPicPr>
+                      <p:blipFill>
+                        <a:blip r:embed="rId9">
+                          <a:extLst>
+                            <a:ext uri="{28A0092B-C50C-407E-A947-70E740481C1C}">
+                              <a14:useLocalDpi xmlns:a14="http://schemas.microsoft.com/office/drawing/2010/main" val="0"/>
+                            </a:ext>
+                          </a:extLst>
+                        </a:blip>
+                        <a:srcRect/>
+                        <a:stretch>
+                          <a:fillRect/>
+                        </a:stretch>
+                      </p:blipFill>
+                      <p:spPr bwMode="auto">
+                        <a:xfrm>
+                          <a:off x="3175" y="3307"/>
+                          <a:ext cx="215" cy="281"/>
+                        </a:xfrm>
+                        <a:prstGeom prst="rect">
+                          <a:avLst/>
+                        </a:prstGeom>
+                        <a:noFill/>
+                        <a:ln>
+                          <a:noFill/>
+                        </a:ln>
+                        <a:effectLst/>
+                        <a:extLst>
+                          <a:ext uri="{909E8E84-426E-40DD-AFC4-6F175D3DCCD1}">
+                            <a14:hiddenFill xmlns:a14="http://schemas.microsoft.com/office/drawing/2010/main">
+                              <a:solidFill>
+                                <a:srgbClr val="FFFFFF"/>
+                              </a:solidFill>
+                            </a14:hiddenFill>
+                          </a:ext>
+                          <a:ext uri="{91240B29-F687-4F45-9708-019B960494DF}">
+                            <a14:hiddenLine xmlns:a14="http://schemas.microsoft.com/office/drawing/2010/main" w="9525">
+                              <a:solidFill>
+                                <a:srgbClr val="000000"/>
+                              </a:solidFill>
+                              <a:miter lim="800000"/>
+                              <a:headEnd/>
+                              <a:tailEnd/>
+                            </a14:hiddenLine>
+                          </a:ext>
+                          <a:ext uri="{AF507438-7753-43E0-B8FC-AC1667EBCBE1}">
+                            <a14:hiddenEffects xmlns:a14="http://schemas.microsoft.com/office/drawing/2010/main">
+                              <a:effectLst>
+                                <a:outerShdw dist="35921" dir="2700000" algn="ctr" rotWithShape="0">
+                                  <a:srgbClr val="808080"/>
+                                </a:outerShdw>
+                              </a:effectLst>
+                            </a14:hiddenEffects>
+                          </a:ext>
+                        </a:extLst>
+                      </p:spPr>
+                    </p:pic>
+                  </p:oleObj>
+                </mc:Fallback>
+              </mc:AlternateContent>
+            </a:graphicData>
+          </a:graphic>
+        </p:graphicFrame>
+        <p:graphicFrame>
+          <p:nvGraphicFramePr>
+            <p:cNvPr id="35893" name="Object 53"/>
+            <p:cNvGraphicFramePr>
+              <a:graphicFrameLocks noChangeAspect="1"/>
+            </p:cNvGraphicFramePr>
+            <p:nvPr/>
+          </p:nvGraphicFramePr>
+          <p:xfrm>
+            <a:off x="4311" y="3294"/>
+            <a:ext cx="231" cy="282"/>
+          </p:xfrm>
+          <a:graphic>
+            <a:graphicData uri="http://schemas.openxmlformats.org/presentationml/2006/ole">
+              <mc:AlternateContent xmlns:mc="http://schemas.openxmlformats.org/markup-compatibility/2006">
+                <mc:Choice xmlns:v="urn:schemas-microsoft-com:vml" Requires="v">
+                  <p:oleObj name="Equation" r:id="rId10" imgW="177480" imgH="215640" progId="Equation.3">
+                    <p:embed/>
+                  </p:oleObj>
+                </mc:Choice>
+                <mc:Fallback>
+                  <p:oleObj name="Equation" r:id="rId10" imgW="177480" imgH="215640" progId="Equation.3">
+                    <p:embed/>
+                    <p:pic>
+                      <p:nvPicPr>
+                        <p:cNvPr id="35893" name="Object 53"/>
+                        <p:cNvPicPr>
+                          <a:picLocks noChangeAspect="1" noChangeArrowheads="1"/>
+                        </p:cNvPicPr>
+                        <p:nvPr/>
+                      </p:nvPicPr>
+                      <p:blipFill>
+                        <a:blip r:embed="rId11">
+                          <a:extLst>
+                            <a:ext uri="{28A0092B-C50C-407E-A947-70E740481C1C}">
+                              <a14:useLocalDpi xmlns:a14="http://schemas.microsoft.com/office/drawing/2010/main" val="0"/>
+                            </a:ext>
+                          </a:extLst>
+                        </a:blip>
+                        <a:srcRect/>
+                        <a:stretch>
+                          <a:fillRect/>
+                        </a:stretch>
+                      </p:blipFill>
+                      <p:spPr bwMode="auto">
+                        <a:xfrm>
+                          <a:off x="4311" y="3294"/>
+                          <a:ext cx="231" cy="282"/>
+                        </a:xfrm>
+                        <a:prstGeom prst="rect">
+                          <a:avLst/>
+                        </a:prstGeom>
+                        <a:noFill/>
+                        <a:ln>
+                          <a:noFill/>
+                        </a:ln>
+                        <a:effectLst/>
+                        <a:extLst>
+                          <a:ext uri="{909E8E84-426E-40DD-AFC4-6F175D3DCCD1}">
+                            <a14:hiddenFill xmlns:a14="http://schemas.microsoft.com/office/drawing/2010/main">
+                              <a:solidFill>
+                                <a:srgbClr val="FFFFFF"/>
+                              </a:solidFill>
+                            </a14:hiddenFill>
+                          </a:ext>
+                          <a:ext uri="{91240B29-F687-4F45-9708-019B960494DF}">
+                            <a14:hiddenLine xmlns:a14="http://schemas.microsoft.com/office/drawing/2010/main" w="9525">
+                              <a:solidFill>
+                                <a:srgbClr val="000000"/>
+                              </a:solidFill>
+                              <a:miter lim="800000"/>
+                              <a:headEnd/>
+                              <a:tailEnd/>
+                            </a14:hiddenLine>
+                          </a:ext>
+                          <a:ext uri="{AF507438-7753-43E0-B8FC-AC1667EBCBE1}">
+                            <a14:hiddenEffects xmlns:a14="http://schemas.microsoft.com/office/drawing/2010/main">
+                              <a:effectLst>
+                                <a:outerShdw dist="35921" dir="2700000" algn="ctr" rotWithShape="0">
+                                  <a:srgbClr val="808080"/>
+                                </a:outerShdw>
+                              </a:effectLst>
+                            </a14:hiddenEffects>
+                          </a:ext>
+                        </a:extLst>
+                      </p:spPr>
+                    </p:pic>
+                  </p:oleObj>
+                </mc:Fallback>
+              </mc:AlternateContent>
+            </a:graphicData>
+          </a:graphic>
+        </p:graphicFrame>
+        <p:graphicFrame>
+          <p:nvGraphicFramePr>
+            <p:cNvPr id="35896" name="Object 56"/>
+            <p:cNvGraphicFramePr>
+              <a:graphicFrameLocks noChangeAspect="1"/>
+            </p:cNvGraphicFramePr>
+            <p:nvPr/>
+          </p:nvGraphicFramePr>
+          <p:xfrm>
+            <a:off x="2874" y="2948"/>
+            <a:ext cx="199" cy="281"/>
+          </p:xfrm>
+          <a:graphic>
+            <a:graphicData uri="http://schemas.openxmlformats.org/presentationml/2006/ole">
+              <mc:AlternateContent xmlns:mc="http://schemas.openxmlformats.org/markup-compatibility/2006">
+                <mc:Choice xmlns:v="urn:schemas-microsoft-com:vml" Requires="v">
+                  <p:oleObj name="Equation" r:id="rId12" imgW="152280" imgH="215640" progId="Equation.3">
+                    <p:embed/>
+                  </p:oleObj>
+                </mc:Choice>
+                <mc:Fallback>
+                  <p:oleObj name="Equation" r:id="rId12" imgW="152280" imgH="215640" progId="Equation.3">
+                    <p:embed/>
+                    <p:pic>
+                      <p:nvPicPr>
+                        <p:cNvPr id="35896" name="Object 56"/>
+                        <p:cNvPicPr>
+                          <a:picLocks noChangeAspect="1" noChangeArrowheads="1"/>
+                        </p:cNvPicPr>
+                        <p:nvPr/>
+                      </p:nvPicPr>
+                      <p:blipFill>
+                        <a:blip r:embed="rId13">
+                          <a:extLst>
+                            <a:ext uri="{28A0092B-C50C-407E-A947-70E740481C1C}">
+                              <a14:useLocalDpi xmlns:a14="http://schemas.microsoft.com/office/drawing/2010/main" val="0"/>
+                            </a:ext>
+                          </a:extLst>
+                        </a:blip>
+                        <a:srcRect/>
+                        <a:stretch>
+                          <a:fillRect/>
+                        </a:stretch>
+                      </p:blipFill>
+                      <p:spPr bwMode="auto">
+                        <a:xfrm>
+                          <a:off x="2874" y="2948"/>
+                          <a:ext cx="199" cy="281"/>
+                        </a:xfrm>
+                        <a:prstGeom prst="rect">
+                          <a:avLst/>
+                        </a:prstGeom>
+                        <a:noFill/>
+                        <a:ln>
+                          <a:noFill/>
+                        </a:ln>
+                        <a:effectLst/>
+                        <a:extLst>
+                          <a:ext uri="{909E8E84-426E-40DD-AFC4-6F175D3DCCD1}">
+                            <a14:hiddenFill xmlns:a14="http://schemas.microsoft.com/office/drawing/2010/main">
+                              <a:solidFill>
+                                <a:srgbClr val="FFFFFF"/>
+                              </a:solidFill>
+                            </a14:hiddenFill>
+                          </a:ext>
+                          <a:ext uri="{91240B29-F687-4F45-9708-019B960494DF}">
+                            <a14:hiddenLine xmlns:a14="http://schemas.microsoft.com/office/drawing/2010/main" w="9525">
+                              <a:solidFill>
+                                <a:srgbClr val="000000"/>
+                              </a:solidFill>
+                              <a:miter lim="800000"/>
+                              <a:headEnd/>
+                              <a:tailEnd/>
+                            </a14:hiddenLine>
+                          </a:ext>
+                          <a:ext uri="{AF507438-7753-43E0-B8FC-AC1667EBCBE1}">
+                            <a14:hiddenEffects xmlns:a14="http://schemas.microsoft.com/office/drawing/2010/main">
+                              <a:effectLst>
+                                <a:outerShdw dist="35921" dir="2700000" algn="ctr" rotWithShape="0">
+                                  <a:srgbClr val="808080"/>
+                                </a:outerShdw>
+                              </a:effectLst>
+                            </a14:hiddenEffects>
+                          </a:ext>
+                        </a:extLst>
+                      </p:spPr>
+                    </p:pic>
+                  </p:oleObj>
+                </mc:Fallback>
+              </mc:AlternateContent>
+            </a:graphicData>
+          </a:graphic>
+        </p:graphicFrame>
+        <p:graphicFrame>
+          <p:nvGraphicFramePr>
+            <p:cNvPr id="35899" name="Object 59"/>
+            <p:cNvGraphicFramePr>
+              <a:graphicFrameLocks noChangeAspect="1"/>
+            </p:cNvGraphicFramePr>
+            <p:nvPr/>
+          </p:nvGraphicFramePr>
+          <p:xfrm>
+            <a:off x="2851" y="1822"/>
+            <a:ext cx="215" cy="281"/>
+          </p:xfrm>
+          <a:graphic>
+            <a:graphicData uri="http://schemas.openxmlformats.org/presentationml/2006/ole">
+              <mc:AlternateContent xmlns:mc="http://schemas.openxmlformats.org/markup-compatibility/2006">
+                <mc:Choice xmlns:v="urn:schemas-microsoft-com:vml" Requires="v">
+                  <p:oleObj name="Equation" r:id="rId14" imgW="164880" imgH="215640" progId="Equation.3">
+                    <p:embed/>
+                  </p:oleObj>
+                </mc:Choice>
+                <mc:Fallback>
+                  <p:oleObj name="Equation" r:id="rId14" imgW="164880" imgH="215640" progId="Equation.3">
+                    <p:embed/>
+                    <p:pic>
+                      <p:nvPicPr>
+                        <p:cNvPr id="35899" name="Object 59"/>
+                        <p:cNvPicPr>
+                          <a:picLocks noChangeAspect="1" noChangeArrowheads="1"/>
+                        </p:cNvPicPr>
+                        <p:nvPr/>
+                      </p:nvPicPr>
+                      <p:blipFill>
+                        <a:blip r:embed="rId15">
+                          <a:extLst>
+                            <a:ext uri="{28A0092B-C50C-407E-A947-70E740481C1C}">
+                              <a14:useLocalDpi xmlns:a14="http://schemas.microsoft.com/office/drawing/2010/main" val="0"/>
+                            </a:ext>
+                          </a:extLst>
+                        </a:blip>
+                        <a:srcRect/>
+                        <a:stretch>
+                          <a:fillRect/>
+                        </a:stretch>
+                      </p:blipFill>
+                      <p:spPr bwMode="auto">
+                        <a:xfrm>
+                          <a:off x="2851" y="1822"/>
+                          <a:ext cx="215" cy="281"/>
+                        </a:xfrm>
+                        <a:prstGeom prst="rect">
+                          <a:avLst/>
+                        </a:prstGeom>
+                        <a:noFill/>
+                        <a:ln>
+                          <a:noFill/>
+                        </a:ln>
+                        <a:effectLst/>
+                        <a:extLst>
+                          <a:ext uri="{909E8E84-426E-40DD-AFC4-6F175D3DCCD1}">
+                            <a14:hiddenFill xmlns:a14="http://schemas.microsoft.com/office/drawing/2010/main">
+                              <a:solidFill>
+                                <a:srgbClr val="FFFFFF"/>
+                              </a:solidFill>
+                            </a14:hiddenFill>
+                          </a:ext>
+                          <a:ext uri="{91240B29-F687-4F45-9708-019B960494DF}">
+                            <a14:hiddenLine xmlns:a14="http://schemas.microsoft.com/office/drawing/2010/main" w="9525">
+                              <a:solidFill>
+                                <a:srgbClr val="000000"/>
+                              </a:solidFill>
+                              <a:miter lim="800000"/>
+                              <a:headEnd/>
+                              <a:tailEnd/>
+                            </a14:hiddenLine>
+                          </a:ext>
+                          <a:ext uri="{AF507438-7753-43E0-B8FC-AC1667EBCBE1}">
+                            <a14:hiddenEffects xmlns:a14="http://schemas.microsoft.com/office/drawing/2010/main">
+                              <a:effectLst>
+                                <a:outerShdw dist="35921" dir="2700000" algn="ctr" rotWithShape="0">
+                                  <a:srgbClr val="808080"/>
+                                </a:outerShdw>
+                              </a:effectLst>
+                            </a14:hiddenEffects>
+                          </a:ext>
+                        </a:extLst>
+                      </p:spPr>
+                    </p:pic>
+                  </p:oleObj>
+                </mc:Fallback>
+              </mc:AlternateContent>
+            </a:graphicData>
+          </a:graphic>
+        </p:graphicFrame>
+        <p:graphicFrame>
+          <p:nvGraphicFramePr>
+            <p:cNvPr id="35902" name="Object 62"/>
+            <p:cNvGraphicFramePr>
+              <a:graphicFrameLocks noChangeAspect="1"/>
+            </p:cNvGraphicFramePr>
+            <p:nvPr/>
+          </p:nvGraphicFramePr>
+          <p:xfrm>
+            <a:off x="4621" y="2942"/>
+            <a:ext cx="215" cy="281"/>
+          </p:xfrm>
+          <a:graphic>
+            <a:graphicData uri="http://schemas.openxmlformats.org/presentationml/2006/ole">
+              <mc:AlternateContent xmlns:mc="http://schemas.openxmlformats.org/markup-compatibility/2006">
+                <mc:Choice xmlns:v="urn:schemas-microsoft-com:vml" Requires="v">
+                  <p:oleObj name="Equation" r:id="rId16" imgW="164880" imgH="215640" progId="Equation.3">
+                    <p:embed/>
+                  </p:oleObj>
+                </mc:Choice>
+                <mc:Fallback>
+                  <p:oleObj name="Equation" r:id="rId16" imgW="164880" imgH="215640" progId="Equation.3">
+                    <p:embed/>
+                    <p:pic>
+                      <p:nvPicPr>
+                        <p:cNvPr id="35902" name="Object 62"/>
+                        <p:cNvPicPr>
+                          <a:picLocks noChangeAspect="1" noChangeArrowheads="1"/>
+                        </p:cNvPicPr>
+                        <p:nvPr/>
+                      </p:nvPicPr>
+                      <p:blipFill>
+                        <a:blip r:embed="rId17">
+                          <a:extLst>
+                            <a:ext uri="{28A0092B-C50C-407E-A947-70E740481C1C}">
+                              <a14:useLocalDpi xmlns:a14="http://schemas.microsoft.com/office/drawing/2010/main" val="0"/>
+                            </a:ext>
+                          </a:extLst>
+                        </a:blip>
+                        <a:srcRect/>
+                        <a:stretch>
+                          <a:fillRect/>
+                        </a:stretch>
+                      </p:blipFill>
+                      <p:spPr bwMode="auto">
+                        <a:xfrm>
+                          <a:off x="4621" y="2942"/>
+                          <a:ext cx="215" cy="281"/>
+                        </a:xfrm>
+                        <a:prstGeom prst="rect">
+                          <a:avLst/>
+                        </a:prstGeom>
+                        <a:noFill/>
+                        <a:ln>
+                          <a:noFill/>
+                        </a:ln>
+                        <a:effectLst/>
+                        <a:extLst>
+                          <a:ext uri="{909E8E84-426E-40DD-AFC4-6F175D3DCCD1}">
+                            <a14:hiddenFill xmlns:a14="http://schemas.microsoft.com/office/drawing/2010/main">
+                              <a:solidFill>
+                                <a:srgbClr val="FFFFFF"/>
+                              </a:solidFill>
+                            </a14:hiddenFill>
+                          </a:ext>
+                          <a:ext uri="{91240B29-F687-4F45-9708-019B960494DF}">
+                            <a14:hiddenLine xmlns:a14="http://schemas.microsoft.com/office/drawing/2010/main" w="9525">
+                              <a:solidFill>
+                                <a:srgbClr val="000000"/>
+                              </a:solidFill>
+                              <a:miter lim="800000"/>
+                              <a:headEnd/>
+                              <a:tailEnd/>
+                            </a14:hiddenLine>
+                          </a:ext>
+                          <a:ext uri="{AF507438-7753-43E0-B8FC-AC1667EBCBE1}">
+                            <a14:hiddenEffects xmlns:a14="http://schemas.microsoft.com/office/drawing/2010/main">
+                              <a:effectLst>
+                                <a:outerShdw dist="35921" dir="2700000" algn="ctr" rotWithShape="0">
+                                  <a:srgbClr val="808080"/>
+                                </a:outerShdw>
+                              </a:effectLst>
+                            </a14:hiddenEffects>
+                          </a:ext>
+                        </a:extLst>
+                      </p:spPr>
+                    </p:pic>
+                  </p:oleObj>
+                </mc:Fallback>
+              </mc:AlternateContent>
+            </a:graphicData>
+          </a:graphic>
+        </p:graphicFrame>
+        <p:graphicFrame>
+          <p:nvGraphicFramePr>
+            <p:cNvPr id="35905" name="Object 65"/>
+            <p:cNvGraphicFramePr>
+              <a:graphicFrameLocks noChangeAspect="1"/>
+            </p:cNvGraphicFramePr>
+            <p:nvPr/>
+          </p:nvGraphicFramePr>
+          <p:xfrm>
+            <a:off x="4971" y="2557"/>
+            <a:ext cx="198" cy="281"/>
+          </p:xfrm>
+          <a:graphic>
+            <a:graphicData uri="http://schemas.openxmlformats.org/presentationml/2006/ole">
+              <mc:AlternateContent xmlns:mc="http://schemas.openxmlformats.org/markup-compatibility/2006">
+                <mc:Choice xmlns:v="urn:schemas-microsoft-com:vml" Requires="v">
+                  <p:oleObj name="Equation" r:id="rId18" imgW="152280" imgH="215640" progId="Equation.3">
+                    <p:embed/>
+                  </p:oleObj>
+                </mc:Choice>
+                <mc:Fallback>
+                  <p:oleObj name="Equation" r:id="rId18" imgW="152280" imgH="215640" progId="Equation.3">
+                    <p:embed/>
+                    <p:pic>
+                      <p:nvPicPr>
+                        <p:cNvPr id="35905" name="Object 65"/>
+                        <p:cNvPicPr>
+                          <a:picLocks noChangeAspect="1" noChangeArrowheads="1"/>
+                        </p:cNvPicPr>
+                        <p:nvPr/>
+                      </p:nvPicPr>
+                      <p:blipFill>
+                        <a:blip r:embed="rId19">
+                          <a:extLst>
+                            <a:ext uri="{28A0092B-C50C-407E-A947-70E740481C1C}">
+                              <a14:useLocalDpi xmlns:a14="http://schemas.microsoft.com/office/drawing/2010/main" val="0"/>
+                            </a:ext>
+                          </a:extLst>
+                        </a:blip>
+                        <a:srcRect/>
+                        <a:stretch>
+                          <a:fillRect/>
+                        </a:stretch>
+                      </p:blipFill>
+                      <p:spPr bwMode="auto">
+                        <a:xfrm>
+                          <a:off x="4971" y="2557"/>
+                          <a:ext cx="198" cy="281"/>
+                        </a:xfrm>
+                        <a:prstGeom prst="rect">
+                          <a:avLst/>
+                        </a:prstGeom>
+                        <a:noFill/>
+                        <a:ln>
+                          <a:noFill/>
+                        </a:ln>
+                        <a:effectLst/>
+                        <a:extLst>
+                          <a:ext uri="{909E8E84-426E-40DD-AFC4-6F175D3DCCD1}">
+                            <a14:hiddenFill xmlns:a14="http://schemas.microsoft.com/office/drawing/2010/main">
+                              <a:solidFill>
+                                <a:srgbClr val="FFFFFF"/>
+                              </a:solidFill>
+                            </a14:hiddenFill>
+                          </a:ext>
+                          <a:ext uri="{91240B29-F687-4F45-9708-019B960494DF}">
+                            <a14:hiddenLine xmlns:a14="http://schemas.microsoft.com/office/drawing/2010/main" w="9525">
+                              <a:solidFill>
+                                <a:srgbClr val="000000"/>
+                              </a:solidFill>
+                              <a:miter lim="800000"/>
+                              <a:headEnd/>
+                              <a:tailEnd/>
+                            </a14:hiddenLine>
+                          </a:ext>
+                          <a:ext uri="{AF507438-7753-43E0-B8FC-AC1667EBCBE1}">
+                            <a14:hiddenEffects xmlns:a14="http://schemas.microsoft.com/office/drawing/2010/main">
+                              <a:effectLst>
+                                <a:outerShdw dist="35921" dir="2700000" algn="ctr" rotWithShape="0">
+                                  <a:srgbClr val="808080"/>
+                                </a:outerShdw>
+                              </a:effectLst>
+                            </a14:hiddenEffects>
+                          </a:ext>
+                        </a:extLst>
+                      </p:spPr>
+                    </p:pic>
+                  </p:oleObj>
+                </mc:Fallback>
+              </mc:AlternateContent>
+            </a:graphicData>
+          </a:graphic>
+        </p:graphicFrame>
+        <p:sp>
+          <p:nvSpPr>
+            <p:cNvPr id="35906" name="Line 66"/>
+            <p:cNvSpPr>
+              <a:spLocks noChangeShapeType="1"/>
+            </p:cNvSpPr>
+            <p:nvPr/>
+          </p:nvSpPr>
+          <p:spPr bwMode="auto">
+            <a:xfrm>
+              <a:off x="4480" y="3093"/>
+              <a:ext cx="114" cy="0"/>
+            </a:xfrm>
+            <a:prstGeom prst="line">
+              <a:avLst/>
+            </a:prstGeom>
+            <a:noFill/>
+            <a:ln w="9525">
+              <a:solidFill>
+                <a:schemeClr val="tx1"/>
+              </a:solidFill>
+              <a:round/>
+              <a:headEnd/>
+              <a:tailEnd/>
+            </a:ln>
+            <a:effectLst/>
+            <a:extLst>
+              <a:ext uri="{909E8E84-426E-40DD-AFC4-6F175D3DCCD1}">
+                <a14:hiddenFill xmlns:a14="http://schemas.microsoft.com/office/drawing/2010/main">
+                  <a:noFill/>
+                </a14:hiddenFill>
+              </a:ext>
+              <a:ext uri="{AF507438-7753-43E0-B8FC-AC1667EBCBE1}">
+                <a14:hiddenEffects xmlns:a14="http://schemas.microsoft.com/office/drawing/2010/main">
+                  <a:effectLst>
+                    <a:outerShdw dist="35921" dir="2700000" algn="ctr" rotWithShape="0">
+                      <a:schemeClr val="bg2"/>
+                    </a:outerShdw>
+                  </a:effectLst>
+                </a14:hiddenEffects>
+              </a:ext>
+            </a:extLst>
+          </p:spPr>
+          <p:txBody>
+            <a:bodyPr/>
+            <a:lstStyle/>
+            <a:p>
+              <a:endParaRPr lang="en-US"/>
+            </a:p>
+          </p:txBody>
+        </p:sp>
+        <p:sp>
+          <p:nvSpPr>
+            <p:cNvPr id="35907" name="Line 67"/>
+            <p:cNvSpPr>
+              <a:spLocks noChangeShapeType="1"/>
+            </p:cNvSpPr>
+            <p:nvPr/>
+          </p:nvSpPr>
+          <p:spPr bwMode="auto">
+            <a:xfrm>
+              <a:off x="4846" y="2712"/>
+              <a:ext cx="114" cy="0"/>
+            </a:xfrm>
+            <a:prstGeom prst="line">
+              <a:avLst/>
+            </a:prstGeom>
+            <a:noFill/>
+            <a:ln w="9525">
+              <a:solidFill>
+                <a:schemeClr val="tx1"/>
+              </a:solidFill>
+              <a:round/>
+              <a:headEnd/>
+              <a:tailEnd/>
+            </a:ln>
+            <a:effectLst/>
+            <a:extLst>
+              <a:ext uri="{909E8E84-426E-40DD-AFC4-6F175D3DCCD1}">
+                <a14:hiddenFill xmlns:a14="http://schemas.microsoft.com/office/drawing/2010/main">
+                  <a:noFill/>
+                </a14:hiddenFill>
+              </a:ext>
+              <a:ext uri="{AF507438-7753-43E0-B8FC-AC1667EBCBE1}">
+                <a14:hiddenEffects xmlns:a14="http://schemas.microsoft.com/office/drawing/2010/main">
+                  <a:effectLst>
+                    <a:outerShdw dist="35921" dir="2700000" algn="ctr" rotWithShape="0">
+                      <a:schemeClr val="bg2"/>
+                    </a:outerShdw>
+                  </a:effectLst>
+                </a14:hiddenEffects>
+              </a:ext>
+            </a:extLst>
+          </p:spPr>
+          <p:txBody>
+            <a:bodyPr/>
+            <a:lstStyle/>
+            <a:p>
+              <a:endParaRPr lang="en-US"/>
+            </a:p>
+          </p:txBody>
+        </p:sp>
+        <p:sp>
+          <p:nvSpPr>
+            <p:cNvPr id="35908" name="Line 68"/>
+            <p:cNvSpPr>
+              <a:spLocks noChangeShapeType="1"/>
+            </p:cNvSpPr>
+            <p:nvPr/>
+          </p:nvSpPr>
+          <p:spPr bwMode="auto">
+            <a:xfrm flipV="1">
+              <a:off x="4779" y="2716"/>
+              <a:ext cx="113" cy="121"/>
+            </a:xfrm>
+            <a:prstGeom prst="line">
+              <a:avLst/>
+            </a:prstGeom>
+            <a:noFill/>
+            <a:ln w="9525">
+              <a:solidFill>
+                <a:schemeClr val="tx1"/>
+              </a:solidFill>
+              <a:round/>
+              <a:headEnd/>
+              <a:tailEnd type="triangle" w="med" len="med"/>
+            </a:ln>
+            <a:effectLst/>
+            <a:extLst>
+              <a:ext uri="{909E8E84-426E-40DD-AFC4-6F175D3DCCD1}">
+                <a14:hiddenFill xmlns:a14="http://schemas.microsoft.com/office/drawing/2010/main">
+                  <a:noFill/>
+                </a14:hiddenFill>
+              </a:ext>
+              <a:ext uri="{AF507438-7753-43E0-B8FC-AC1667EBCBE1}">
+                <a14:hiddenEffects xmlns:a14="http://schemas.microsoft.com/office/drawing/2010/main">
+                  <a:effectLst>
+                    <a:outerShdw dist="35921" dir="2700000" algn="ctr" rotWithShape="0">
+                      <a:schemeClr val="bg2"/>
+                    </a:outerShdw>
+                  </a:effectLst>
+                </a14:hiddenEffects>
+              </a:ext>
+            </a:extLst>
+          </p:spPr>
+          <p:txBody>
+            <a:bodyPr/>
+            <a:lstStyle/>
+            <a:p>
+              <a:endParaRPr lang="en-US"/>
+            </a:p>
+          </p:txBody>
+        </p:sp>
+        <p:sp>
+          <p:nvSpPr>
+            <p:cNvPr id="35909" name="Line 69"/>
+            <p:cNvSpPr>
+              <a:spLocks noChangeShapeType="1"/>
+            </p:cNvSpPr>
+            <p:nvPr/>
+          </p:nvSpPr>
+          <p:spPr bwMode="auto">
+            <a:xfrm flipH="1">
+              <a:off x="4544" y="2965"/>
+              <a:ext cx="114" cy="114"/>
+            </a:xfrm>
+            <a:prstGeom prst="line">
+              <a:avLst/>
+            </a:prstGeom>
+            <a:noFill/>
+            <a:ln w="9525">
+              <a:solidFill>
+                <a:schemeClr val="tx1"/>
+              </a:solidFill>
+              <a:round/>
+              <a:headEnd/>
+              <a:tailEnd type="triangle" w="med" len="med"/>
+            </a:ln>
+            <a:effectLst/>
+            <a:extLst>
+              <a:ext uri="{909E8E84-426E-40DD-AFC4-6F175D3DCCD1}">
+                <a14:hiddenFill xmlns:a14="http://schemas.microsoft.com/office/drawing/2010/main">
+                  <a:noFill/>
+                </a14:hiddenFill>
+              </a:ext>
+              <a:ext uri="{AF507438-7753-43E0-B8FC-AC1667EBCBE1}">
+                <a14:hiddenEffects xmlns:a14="http://schemas.microsoft.com/office/drawing/2010/main">
+                  <a:effectLst>
+                    <a:outerShdw dist="35921" dir="2700000" algn="ctr" rotWithShape="0">
+                      <a:schemeClr val="bg2"/>
+                    </a:outerShdw>
+                  </a:effectLst>
+                </a14:hiddenEffects>
+              </a:ext>
+            </a:extLst>
+          </p:spPr>
+          <p:txBody>
+            <a:bodyPr/>
+            <a:lstStyle/>
+            <a:p>
+              <a:endParaRPr lang="en-US"/>
+            </a:p>
+          </p:txBody>
+        </p:sp>
+        <p:sp>
+          <p:nvSpPr>
+            <p:cNvPr id="35910" name="Line 70"/>
+            <p:cNvSpPr>
+              <a:spLocks noChangeShapeType="1"/>
+            </p:cNvSpPr>
+            <p:nvPr/>
+          </p:nvSpPr>
+          <p:spPr bwMode="auto">
+            <a:xfrm flipH="1">
+              <a:off x="3051" y="3093"/>
+              <a:ext cx="121" cy="0"/>
+            </a:xfrm>
+            <a:prstGeom prst="line">
+              <a:avLst/>
+            </a:prstGeom>
+            <a:noFill/>
+            <a:ln w="9525">
+              <a:solidFill>
+                <a:schemeClr val="tx1"/>
+              </a:solidFill>
+              <a:round/>
+              <a:headEnd/>
+              <a:tailEnd/>
+            </a:ln>
+            <a:effectLst/>
+            <a:extLst>
+              <a:ext uri="{909E8E84-426E-40DD-AFC4-6F175D3DCCD1}">
+                <a14:hiddenFill xmlns:a14="http://schemas.microsoft.com/office/drawing/2010/main">
+                  <a:noFill/>
+                </a14:hiddenFill>
+              </a:ext>
+              <a:ext uri="{AF507438-7753-43E0-B8FC-AC1667EBCBE1}">
+                <a14:hiddenEffects xmlns:a14="http://schemas.microsoft.com/office/drawing/2010/main">
+                  <a:effectLst>
+                    <a:outerShdw dist="35921" dir="2700000" algn="ctr" rotWithShape="0">
+                      <a:schemeClr val="bg2"/>
+                    </a:outerShdw>
+                  </a:effectLst>
+                </a14:hiddenEffects>
+              </a:ext>
+            </a:extLst>
+          </p:spPr>
+          <p:txBody>
+            <a:bodyPr/>
+            <a:lstStyle/>
+            <a:p>
+              <a:endParaRPr lang="en-US"/>
+            </a:p>
+          </p:txBody>
+        </p:sp>
+        <p:sp>
+          <p:nvSpPr>
+            <p:cNvPr id="35911" name="Line 71"/>
+            <p:cNvSpPr>
+              <a:spLocks noChangeShapeType="1"/>
+            </p:cNvSpPr>
+            <p:nvPr/>
+          </p:nvSpPr>
+          <p:spPr bwMode="auto">
+            <a:xfrm flipH="1">
+              <a:off x="3038" y="1973"/>
+              <a:ext cx="121" cy="0"/>
+            </a:xfrm>
+            <a:prstGeom prst="line">
+              <a:avLst/>
+            </a:prstGeom>
+            <a:noFill/>
+            <a:ln w="9525">
+              <a:solidFill>
+                <a:schemeClr val="tx1"/>
+              </a:solidFill>
+              <a:round/>
+              <a:headEnd/>
+              <a:tailEnd/>
+            </a:ln>
+            <a:effectLst/>
+            <a:extLst>
+              <a:ext uri="{909E8E84-426E-40DD-AFC4-6F175D3DCCD1}">
+                <a14:hiddenFill xmlns:a14="http://schemas.microsoft.com/office/drawing/2010/main">
+                  <a:noFill/>
+                </a14:hiddenFill>
+              </a:ext>
+              <a:ext uri="{AF507438-7753-43E0-B8FC-AC1667EBCBE1}">
+                <a14:hiddenEffects xmlns:a14="http://schemas.microsoft.com/office/drawing/2010/main">
+                  <a:effectLst>
+                    <a:outerShdw dist="35921" dir="2700000" algn="ctr" rotWithShape="0">
+                      <a:schemeClr val="bg2"/>
+                    </a:outerShdw>
+                  </a:effectLst>
+                </a14:hiddenEffects>
+              </a:ext>
+            </a:extLst>
+          </p:spPr>
+          <p:txBody>
+            <a:bodyPr/>
+            <a:lstStyle/>
+            <a:p>
+              <a:endParaRPr lang="en-US"/>
+            </a:p>
+          </p:txBody>
+        </p:sp>
+        <p:sp>
+          <p:nvSpPr>
+            <p:cNvPr id="35914" name="Line 74"/>
+            <p:cNvSpPr>
+              <a:spLocks noChangeShapeType="1"/>
+            </p:cNvSpPr>
+            <p:nvPr/>
+          </p:nvSpPr>
+          <p:spPr bwMode="auto">
+            <a:xfrm flipV="1">
+              <a:off x="3108" y="1977"/>
+              <a:ext cx="0" cy="427"/>
+            </a:xfrm>
+            <a:prstGeom prst="line">
+              <a:avLst/>
+            </a:prstGeom>
+            <a:noFill/>
+            <a:ln w="9525">
+              <a:solidFill>
+                <a:schemeClr val="tx1"/>
+              </a:solidFill>
+              <a:round/>
+              <a:headEnd/>
+              <a:tailEnd type="triangle" w="med" len="med"/>
+            </a:ln>
+            <a:effectLst/>
+            <a:extLst>
+              <a:ext uri="{909E8E84-426E-40DD-AFC4-6F175D3DCCD1}">
+                <a14:hiddenFill xmlns:a14="http://schemas.microsoft.com/office/drawing/2010/main">
+                  <a:noFill/>
+                </a14:hiddenFill>
+              </a:ext>
+              <a:ext uri="{AF507438-7753-43E0-B8FC-AC1667EBCBE1}">
+                <a14:hiddenEffects xmlns:a14="http://schemas.microsoft.com/office/drawing/2010/main">
+                  <a:effectLst>
+                    <a:outerShdw dist="35921" dir="2700000" algn="ctr" rotWithShape="0">
+                      <a:schemeClr val="bg2"/>
+                    </a:outerShdw>
+                  </a:effectLst>
+                </a14:hiddenEffects>
+              </a:ext>
+            </a:extLst>
+          </p:spPr>
+          <p:txBody>
+            <a:bodyPr/>
+            <a:lstStyle/>
+            <a:p>
+              <a:endParaRPr lang="en-US"/>
+            </a:p>
+          </p:txBody>
+        </p:sp>
+        <p:sp>
+          <p:nvSpPr>
+            <p:cNvPr id="35915" name="Line 75"/>
+            <p:cNvSpPr>
+              <a:spLocks noChangeShapeType="1"/>
+            </p:cNvSpPr>
+            <p:nvPr/>
+          </p:nvSpPr>
+          <p:spPr bwMode="auto">
+            <a:xfrm>
+              <a:off x="3108" y="2645"/>
+              <a:ext cx="0" cy="427"/>
+            </a:xfrm>
+            <a:prstGeom prst="line">
+              <a:avLst/>
+            </a:prstGeom>
+            <a:noFill/>
+            <a:ln w="9525">
+              <a:solidFill>
+                <a:schemeClr val="tx1"/>
+              </a:solidFill>
+              <a:round/>
+              <a:headEnd/>
+              <a:tailEnd type="triangle" w="med" len="med"/>
+            </a:ln>
+            <a:effectLst/>
+            <a:extLst>
+              <a:ext uri="{909E8E84-426E-40DD-AFC4-6F175D3DCCD1}">
+                <a14:hiddenFill xmlns:a14="http://schemas.microsoft.com/office/drawing/2010/main">
+                  <a:noFill/>
+                </a14:hiddenFill>
+              </a:ext>
+              <a:ext uri="{AF507438-7753-43E0-B8FC-AC1667EBCBE1}">
+                <a14:hiddenEffects xmlns:a14="http://schemas.microsoft.com/office/drawing/2010/main">
+                  <a:effectLst>
+                    <a:outerShdw dist="35921" dir="2700000" algn="ctr" rotWithShape="0">
+                      <a:schemeClr val="bg2"/>
+                    </a:outerShdw>
+                  </a:effectLst>
+                </a14:hiddenEffects>
+              </a:ext>
+            </a:extLst>
+          </p:spPr>
+          <p:txBody>
+            <a:bodyPr/>
+            <a:lstStyle/>
+            <a:p>
+              <a:endParaRPr lang="en-US"/>
+            </a:p>
+          </p:txBody>
+        </p:sp>
+      </p:grpSp>
+    </p:spTree>
+  </p:cSld>
+  <p:clrMapOvr>
+    <a:masterClrMapping/>
+  </p:clrMapOvr>
+</p:sld>
+</file>
+
+<file path=ppt/slides/slide11.xml><?xml version="1.0" encoding="utf-8"?>
+<p:sld xmlns:a="http://schemas.openxmlformats.org/drawingml/2006/main" xmlns:r="http://schemas.openxmlformats.org/officeDocument/2006/relationships" xmlns:p="http://schemas.openxmlformats.org/presentationml/2006/main">
+  <p:cSld>
+    <p:spTree>
+      <p:nvGrpSpPr>
+        <p:cNvPr id="1" name=""/>
+        <p:cNvGrpSpPr/>
+        <p:nvPr/>
+      </p:nvGrpSpPr>
+      <p:grpSpPr>
+        <a:xfrm>
+          <a:off x="0" y="0"/>
+          <a:ext cx="0" cy="0"/>
+          <a:chOff x="0" y="0"/>
+          <a:chExt cx="0" cy="0"/>
+        </a:xfrm>
+      </p:grpSpPr>
+      <p:sp>
+        <p:nvSpPr>
           <p:cNvPr id="39938" name="Rectangle 2"/>
           <p:cNvSpPr>
             <a:spLocks noGrp="1" noChangeArrowheads="1"/>
@@ -5645,12 +8136,12 @@
           <a:graphicData uri="http://schemas.openxmlformats.org/presentationml/2006/ole">
             <mc:AlternateContent xmlns:mc="http://schemas.openxmlformats.org/markup-compatibility/2006">
               <mc:Choice xmlns:v="urn:schemas-microsoft-com:vml" Requires="v">
-                <p:oleObj spid="_x0000_s25657" name="Equation" r:id="rId4" imgW="647640" imgH="241200" progId="Equation.3">
+                <p:oleObj name="Equation" r:id="rId3" imgW="647640" imgH="241200" progId="Equation.3">
                   <p:embed/>
                 </p:oleObj>
               </mc:Choice>
               <mc:Fallback>
-                <p:oleObj name="Equation" r:id="rId4" imgW="647640" imgH="241200" progId="Equation.3">
+                <p:oleObj name="Equation" r:id="rId3" imgW="647640" imgH="241200" progId="Equation.3">
                   <p:embed/>
                   <p:pic>
                     <p:nvPicPr>
@@ -5661,7 +8152,7 @@
                       <p:nvPr/>
                     </p:nvPicPr>
                     <p:blipFill>
-                      <a:blip r:embed="rId5">
+                      <a:blip r:embed="rId4">
                         <a:extLst>
                           <a:ext uri="{28A0092B-C50C-407E-A947-70E740481C1C}">
                             <a14:useLocalDpi xmlns:a14="http://schemas.microsoft.com/office/drawing/2010/main" val="0"/>
@@ -6182,12 +8673,12 @@
             <a:graphicData uri="http://schemas.openxmlformats.org/presentationml/2006/ole">
               <mc:AlternateContent xmlns:mc="http://schemas.openxmlformats.org/markup-compatibility/2006">
                 <mc:Choice xmlns:v="urn:schemas-microsoft-com:vml" Requires="v">
-                  <p:oleObj spid="_x0000_s25658" name="Equation" r:id="rId6" imgW="647640" imgH="241200" progId="Equation.3">
+                  <p:oleObj name="Equation" r:id="rId5" imgW="647640" imgH="241200" progId="Equation.3">
                     <p:embed/>
                   </p:oleObj>
                 </mc:Choice>
                 <mc:Fallback>
-                  <p:oleObj name="Equation" r:id="rId6" imgW="647640" imgH="241200" progId="Equation.3">
+                  <p:oleObj name="Equation" r:id="rId5" imgW="647640" imgH="241200" progId="Equation.3">
                     <p:embed/>
                     <p:pic>
                       <p:nvPicPr>
@@ -6198,7 +8689,7 @@
                         <p:nvPr/>
                       </p:nvPicPr>
                       <p:blipFill>
-                        <a:blip r:embed="rId7">
+                        <a:blip r:embed="rId6">
                           <a:extLst>
                             <a:ext uri="{28A0092B-C50C-407E-A947-70E740481C1C}">
                               <a14:useLocalDpi xmlns:a14="http://schemas.microsoft.com/office/drawing/2010/main" val="0"/>
@@ -6275,12 +8766,12 @@
             <a:graphicData uri="http://schemas.openxmlformats.org/presentationml/2006/ole">
               <mc:AlternateContent xmlns:mc="http://schemas.openxmlformats.org/markup-compatibility/2006">
                 <mc:Choice xmlns:v="urn:schemas-microsoft-com:vml" Requires="v">
-                  <p:oleObj spid="_x0000_s25659" name="Equation" r:id="rId8" imgW="647640" imgH="241200" progId="Equation.3">
+                  <p:oleObj name="Equation" r:id="rId7" imgW="647640" imgH="241200" progId="Equation.3">
                     <p:embed/>
                   </p:oleObj>
                 </mc:Choice>
                 <mc:Fallback>
-                  <p:oleObj name="Equation" r:id="rId8" imgW="647640" imgH="241200" progId="Equation.3">
+                  <p:oleObj name="Equation" r:id="rId7" imgW="647640" imgH="241200" progId="Equation.3">
                     <p:embed/>
                     <p:pic>
                       <p:nvPicPr>
@@ -6291,7 +8782,7 @@
                         <p:nvPr/>
                       </p:nvPicPr>
                       <p:blipFill>
-                        <a:blip r:embed="rId9">
+                        <a:blip r:embed="rId8">
                           <a:extLst>
                             <a:ext uri="{28A0092B-C50C-407E-A947-70E740481C1C}">
                               <a14:useLocalDpi xmlns:a14="http://schemas.microsoft.com/office/drawing/2010/main" val="0"/>
@@ -7123,12 +9614,12 @@
             <a:graphicData uri="http://schemas.openxmlformats.org/presentationml/2006/ole">
               <mc:AlternateContent xmlns:mc="http://schemas.openxmlformats.org/markup-compatibility/2006">
                 <mc:Choice xmlns:v="urn:schemas-microsoft-com:vml" Requires="v">
-                  <p:oleObj spid="_x0000_s25660" name="Equation" r:id="rId10" imgW="660240" imgH="241200" progId="Equation.3">
+                  <p:oleObj name="Equation" r:id="rId9" imgW="660240" imgH="241200" progId="Equation.3">
                     <p:embed/>
                   </p:oleObj>
                 </mc:Choice>
                 <mc:Fallback>
-                  <p:oleObj name="Equation" r:id="rId10" imgW="660240" imgH="241200" progId="Equation.3">
+                  <p:oleObj name="Equation" r:id="rId9" imgW="660240" imgH="241200" progId="Equation.3">
                     <p:embed/>
                     <p:pic>
                       <p:nvPicPr>
@@ -7139,7 +9630,7 @@
                         <p:nvPr/>
                       </p:nvPicPr>
                       <p:blipFill>
-                        <a:blip r:embed="rId11">
+                        <a:blip r:embed="rId10">
                           <a:extLst>
                             <a:ext uri="{28A0092B-C50C-407E-A947-70E740481C1C}">
                               <a14:useLocalDpi xmlns:a14="http://schemas.microsoft.com/office/drawing/2010/main" val="0"/>
@@ -7216,12 +9707,12 @@
             <a:graphicData uri="http://schemas.openxmlformats.org/presentationml/2006/ole">
               <mc:AlternateContent xmlns:mc="http://schemas.openxmlformats.org/markup-compatibility/2006">
                 <mc:Choice xmlns:v="urn:schemas-microsoft-com:vml" Requires="v">
-                  <p:oleObj spid="_x0000_s25661" name="Equation" r:id="rId12" imgW="634680" imgH="241200" progId="Equation.3">
+                  <p:oleObj name="Equation" r:id="rId11" imgW="634680" imgH="241200" progId="Equation.3">
                     <p:embed/>
                   </p:oleObj>
                 </mc:Choice>
                 <mc:Fallback>
-                  <p:oleObj name="Equation" r:id="rId12" imgW="634680" imgH="241200" progId="Equation.3">
+                  <p:oleObj name="Equation" r:id="rId11" imgW="634680" imgH="241200" progId="Equation.3">
                     <p:embed/>
                     <p:pic>
                       <p:nvPicPr>
@@ -7232,7 +9723,7 @@
                         <p:nvPr/>
                       </p:nvPicPr>
                       <p:blipFill>
-                        <a:blip r:embed="rId13">
+                        <a:blip r:embed="rId12">
                           <a:extLst>
                             <a:ext uri="{28A0092B-C50C-407E-A947-70E740481C1C}">
                               <a14:useLocalDpi xmlns:a14="http://schemas.microsoft.com/office/drawing/2010/main" val="0"/>
@@ -7309,12 +9800,12 @@
             <a:graphicData uri="http://schemas.openxmlformats.org/presentationml/2006/ole">
               <mc:AlternateContent xmlns:mc="http://schemas.openxmlformats.org/markup-compatibility/2006">
                 <mc:Choice xmlns:v="urn:schemas-microsoft-com:vml" Requires="v">
-                  <p:oleObj spid="_x0000_s25662" name="Equation" r:id="rId14" imgW="660240" imgH="241200" progId="Equation.3">
+                  <p:oleObj name="Equation" r:id="rId13" imgW="660240" imgH="241200" progId="Equation.3">
                     <p:embed/>
                   </p:oleObj>
                 </mc:Choice>
                 <mc:Fallback>
-                  <p:oleObj name="Equation" r:id="rId14" imgW="660240" imgH="241200" progId="Equation.3">
+                  <p:oleObj name="Equation" r:id="rId13" imgW="660240" imgH="241200" progId="Equation.3">
                     <p:embed/>
                     <p:pic>
                       <p:nvPicPr>
@@ -7325,7 +9816,7 @@
                         <p:nvPr/>
                       </p:nvPicPr>
                       <p:blipFill>
-                        <a:blip r:embed="rId15">
+                        <a:blip r:embed="rId14">
                           <a:extLst>
                             <a:ext uri="{28A0092B-C50C-407E-A947-70E740481C1C}">
                               <a14:useLocalDpi xmlns:a14="http://schemas.microsoft.com/office/drawing/2010/main" val="0"/>
@@ -7402,12 +9893,12 @@
             <a:graphicData uri="http://schemas.openxmlformats.org/presentationml/2006/ole">
               <mc:AlternateContent xmlns:mc="http://schemas.openxmlformats.org/markup-compatibility/2006">
                 <mc:Choice xmlns:v="urn:schemas-microsoft-com:vml" Requires="v">
-                  <p:oleObj spid="_x0000_s25663" name="Equation" r:id="rId16" imgW="114120" imgH="215640" progId="Equation.3">
+                  <p:oleObj name="Equation" r:id="rId15" imgW="114120" imgH="215640" progId="Equation.3">
                     <p:embed/>
                   </p:oleObj>
                 </mc:Choice>
                 <mc:Fallback>
-                  <p:oleObj name="Equation" r:id="rId16" imgW="114120" imgH="215640" progId="Equation.3">
+                  <p:oleObj name="Equation" r:id="rId15" imgW="114120" imgH="215640" progId="Equation.3">
                     <p:embed/>
                     <p:pic>
                       <p:nvPicPr>
@@ -7418,7 +9909,7 @@
                         <p:nvPr/>
                       </p:nvPicPr>
                       <p:blipFill>
-                        <a:blip r:embed="rId17">
+                        <a:blip r:embed="rId16">
                           <a:extLst>
                             <a:ext uri="{28A0092B-C50C-407E-A947-70E740481C1C}">
                               <a14:useLocalDpi xmlns:a14="http://schemas.microsoft.com/office/drawing/2010/main" val="0"/>
@@ -7496,12 +9987,12 @@
           <a:graphicData uri="http://schemas.openxmlformats.org/presentationml/2006/ole">
             <mc:AlternateContent xmlns:mc="http://schemas.openxmlformats.org/markup-compatibility/2006">
               <mc:Choice xmlns:v="urn:schemas-microsoft-com:vml" Requires="v">
-                <p:oleObj spid="_x0000_s25664" name="Equation" r:id="rId18" imgW="1079280" imgH="203040" progId="Equation.3">
+                <p:oleObj name="Equation" r:id="rId17" imgW="1079280" imgH="203040" progId="Equation.3">
                   <p:embed/>
                 </p:oleObj>
               </mc:Choice>
               <mc:Fallback>
-                <p:oleObj name="Equation" r:id="rId18" imgW="1079280" imgH="203040" progId="Equation.3">
+                <p:oleObj name="Equation" r:id="rId17" imgW="1079280" imgH="203040" progId="Equation.3">
                   <p:embed/>
                   <p:pic>
                     <p:nvPicPr>
@@ -7512,7 +10003,7 @@
                       <p:nvPr/>
                     </p:nvPicPr>
                     <p:blipFill>
-                      <a:blip r:embed="rId19">
+                      <a:blip r:embed="rId18">
                         <a:extLst>
                           <a:ext uri="{28A0092B-C50C-407E-A947-70E740481C1C}">
                             <a14:useLocalDpi xmlns:a14="http://schemas.microsoft.com/office/drawing/2010/main" val="0"/>
@@ -7581,7 +10072,7 @@
 </p:sld>
 </file>
 
-<file path=ppt/slides/slide11.xml><?xml version="1.0" encoding="utf-8"?>
+<file path=ppt/slides/slide12.xml><?xml version="1.0" encoding="utf-8"?>
 <p:sld xmlns:a="http://schemas.openxmlformats.org/drawingml/2006/main" xmlns:r="http://schemas.openxmlformats.org/officeDocument/2006/relationships" xmlns:p="http://schemas.openxmlformats.org/presentationml/2006/main">
   <p:cSld>
     <p:spTree>
@@ -7662,12 +10153,12 @@
           <a:graphicData uri="http://schemas.openxmlformats.org/presentationml/2006/ole">
             <mc:AlternateContent xmlns:mc="http://schemas.openxmlformats.org/markup-compatibility/2006">
               <mc:Choice xmlns:v="urn:schemas-microsoft-com:vml" Requires="v">
-                <p:oleObj spid="_x0000_s26646" name="Equation" r:id="rId4" imgW="5181480" imgH="241200" progId="Equation.3">
+                <p:oleObj name="Equation" r:id="rId3" imgW="5181480" imgH="241200" progId="Equation.3">
                   <p:embed/>
                 </p:oleObj>
               </mc:Choice>
               <mc:Fallback>
-                <p:oleObj name="Equation" r:id="rId4" imgW="5181480" imgH="241200" progId="Equation.3">
+                <p:oleObj name="Equation" r:id="rId3" imgW="5181480" imgH="241200" progId="Equation.3">
                   <p:embed/>
                   <p:pic>
                     <p:nvPicPr>
@@ -7678,7 +10169,7 @@
                       <p:nvPr/>
                     </p:nvPicPr>
                     <p:blipFill>
-                      <a:blip r:embed="rId5">
+                      <a:blip r:embed="rId4">
                         <a:extLst>
                           <a:ext uri="{28A0092B-C50C-407E-A947-70E740481C1C}">
                             <a14:useLocalDpi xmlns:a14="http://schemas.microsoft.com/office/drawing/2010/main" val="0"/>
@@ -7757,12 +10248,12 @@
           <a:graphicData uri="http://schemas.openxmlformats.org/presentationml/2006/ole">
             <mc:AlternateContent xmlns:mc="http://schemas.openxmlformats.org/markup-compatibility/2006">
               <mc:Choice xmlns:v="urn:schemas-microsoft-com:vml" Requires="v">
-                <p:oleObj spid="_x0000_s26647" name="Equation" r:id="rId6" imgW="2361960" imgH="444240" progId="Equation.3">
+                <p:oleObj name="Equation" r:id="rId5" imgW="2361960" imgH="444240" progId="Equation.3">
                   <p:embed/>
                 </p:oleObj>
               </mc:Choice>
               <mc:Fallback>
-                <p:oleObj name="Equation" r:id="rId6" imgW="2361960" imgH="444240" progId="Equation.3">
+                <p:oleObj name="Equation" r:id="rId5" imgW="2361960" imgH="444240" progId="Equation.3">
                   <p:embed/>
                   <p:pic>
                     <p:nvPicPr>
@@ -7773,7 +10264,7 @@
                       <p:nvPr/>
                     </p:nvPicPr>
                     <p:blipFill>
-                      <a:blip r:embed="rId7">
+                      <a:blip r:embed="rId6">
                         <a:extLst>
                           <a:ext uri="{28A0092B-C50C-407E-A947-70E740481C1C}">
                             <a14:useLocalDpi xmlns:a14="http://schemas.microsoft.com/office/drawing/2010/main" val="0"/>
@@ -8041,12 +10532,12 @@
           <a:graphicData uri="http://schemas.openxmlformats.org/presentationml/2006/ole">
             <mc:AlternateContent xmlns:mc="http://schemas.openxmlformats.org/markup-compatibility/2006">
               <mc:Choice xmlns:v="urn:schemas-microsoft-com:vml" Requires="v">
-                <p:oleObj spid="_x0000_s26648" name="Equation" r:id="rId8" imgW="2590560" imgH="419040" progId="Equation.3">
+                <p:oleObj name="Equation" r:id="rId7" imgW="2590560" imgH="419040" progId="Equation.3">
                   <p:embed/>
                 </p:oleObj>
               </mc:Choice>
               <mc:Fallback>
-                <p:oleObj name="Equation" r:id="rId8" imgW="2590560" imgH="419040" progId="Equation.3">
+                <p:oleObj name="Equation" r:id="rId7" imgW="2590560" imgH="419040" progId="Equation.3">
                   <p:embed/>
                   <p:pic>
                     <p:nvPicPr>
@@ -8057,7 +10548,7 @@
                       <p:nvPr/>
                     </p:nvPicPr>
                     <p:blipFill>
-                      <a:blip r:embed="rId9">
+                      <a:blip r:embed="rId8">
                         <a:extLst>
                           <a:ext uri="{28A0092B-C50C-407E-A947-70E740481C1C}">
                             <a14:useLocalDpi xmlns:a14="http://schemas.microsoft.com/office/drawing/2010/main" val="0"/>
@@ -8126,7 +10617,7 @@
 </p:sld>
 </file>
 
-<file path=ppt/slides/slide12.xml><?xml version="1.0" encoding="utf-8"?>
+<file path=ppt/slides/slide13.xml><?xml version="1.0" encoding="utf-8"?>
 <p:sld xmlns:a="http://schemas.openxmlformats.org/drawingml/2006/main" xmlns:r="http://schemas.openxmlformats.org/officeDocument/2006/relationships" xmlns:p="http://schemas.openxmlformats.org/presentationml/2006/main">
   <p:cSld>
     <p:spTree>
@@ -8202,12 +10693,12 @@
           <a:graphicData uri="http://schemas.openxmlformats.org/presentationml/2006/ole">
             <mc:AlternateContent xmlns:mc="http://schemas.openxmlformats.org/markup-compatibility/2006">
               <mc:Choice xmlns:v="urn:schemas-microsoft-com:vml" Requires="v">
-                <p:oleObj spid="_x0000_s27677" name="Equation" r:id="rId4" imgW="850680" imgH="393480" progId="Equation.3">
+                <p:oleObj name="Equation" r:id="rId3" imgW="850680" imgH="393480" progId="Equation.3">
                   <p:embed/>
                 </p:oleObj>
               </mc:Choice>
               <mc:Fallback>
-                <p:oleObj name="Equation" r:id="rId4" imgW="850680" imgH="393480" progId="Equation.3">
+                <p:oleObj name="Equation" r:id="rId3" imgW="850680" imgH="393480" progId="Equation.3">
                   <p:embed/>
                   <p:pic>
                     <p:nvPicPr>
@@ -8218,7 +10709,7 @@
                       <p:nvPr/>
                     </p:nvPicPr>
                     <p:blipFill>
-                      <a:blip r:embed="rId5">
+                      <a:blip r:embed="rId4">
                         <a:extLst>
                           <a:ext uri="{28A0092B-C50C-407E-A947-70E740481C1C}">
                             <a14:useLocalDpi xmlns:a14="http://schemas.microsoft.com/office/drawing/2010/main" val="0"/>
@@ -8297,12 +10788,12 @@
           <a:graphicData uri="http://schemas.openxmlformats.org/presentationml/2006/ole">
             <mc:AlternateContent xmlns:mc="http://schemas.openxmlformats.org/markup-compatibility/2006">
               <mc:Choice xmlns:v="urn:schemas-microsoft-com:vml" Requires="v">
-                <p:oleObj spid="_x0000_s27678" name="Equation" r:id="rId6" imgW="863280" imgH="419040" progId="Equation.3">
+                <p:oleObj name="Equation" r:id="rId5" imgW="863280" imgH="419040" progId="Equation.3">
                   <p:embed/>
                 </p:oleObj>
               </mc:Choice>
               <mc:Fallback>
-                <p:oleObj name="Equation" r:id="rId6" imgW="863280" imgH="419040" progId="Equation.3">
+                <p:oleObj name="Equation" r:id="rId5" imgW="863280" imgH="419040" progId="Equation.3">
                   <p:embed/>
                   <p:pic>
                     <p:nvPicPr>
@@ -8313,7 +10804,7 @@
                       <p:nvPr/>
                     </p:nvPicPr>
                     <p:blipFill>
-                      <a:blip r:embed="rId7">
+                      <a:blip r:embed="rId6">
                         <a:extLst>
                           <a:ext uri="{28A0092B-C50C-407E-A947-70E740481C1C}">
                             <a14:useLocalDpi xmlns:a14="http://schemas.microsoft.com/office/drawing/2010/main" val="0"/>
@@ -8392,12 +10883,12 @@
           <a:graphicData uri="http://schemas.openxmlformats.org/presentationml/2006/ole">
             <mc:AlternateContent xmlns:mc="http://schemas.openxmlformats.org/markup-compatibility/2006">
               <mc:Choice xmlns:v="urn:schemas-microsoft-com:vml" Requires="v">
-                <p:oleObj spid="_x0000_s27679" name="Equation" r:id="rId8" imgW="838080" imgH="393480" progId="Equation.3">
+                <p:oleObj name="Equation" r:id="rId7" imgW="838080" imgH="393480" progId="Equation.3">
                   <p:embed/>
                 </p:oleObj>
               </mc:Choice>
               <mc:Fallback>
-                <p:oleObj name="Equation" r:id="rId8" imgW="838080" imgH="393480" progId="Equation.3">
+                <p:oleObj name="Equation" r:id="rId7" imgW="838080" imgH="393480" progId="Equation.3">
                   <p:embed/>
                   <p:pic>
                     <p:nvPicPr>
@@ -8408,7 +10899,7 @@
                       <p:nvPr/>
                     </p:nvPicPr>
                     <p:blipFill>
-                      <a:blip r:embed="rId9">
+                      <a:blip r:embed="rId8">
                         <a:extLst>
                           <a:ext uri="{28A0092B-C50C-407E-A947-70E740481C1C}">
                             <a14:useLocalDpi xmlns:a14="http://schemas.microsoft.com/office/drawing/2010/main" val="0"/>
@@ -8613,12 +11104,12 @@
           <a:graphicData uri="http://schemas.openxmlformats.org/presentationml/2006/ole">
             <mc:AlternateContent xmlns:mc="http://schemas.openxmlformats.org/markup-compatibility/2006">
               <mc:Choice xmlns:v="urn:schemas-microsoft-com:vml" Requires="v">
-                <p:oleObj spid="_x0000_s27680" name="Equation" r:id="rId10" imgW="1117440" imgH="393480" progId="Equation.3">
+                <p:oleObj name="Equation" r:id="rId9" imgW="1117440" imgH="393480" progId="Equation.3">
                   <p:embed/>
                 </p:oleObj>
               </mc:Choice>
               <mc:Fallback>
-                <p:oleObj name="Equation" r:id="rId10" imgW="1117440" imgH="393480" progId="Equation.3">
+                <p:oleObj name="Equation" r:id="rId9" imgW="1117440" imgH="393480" progId="Equation.3">
                   <p:embed/>
                   <p:pic>
                     <p:nvPicPr>
@@ -8629,7 +11120,7 @@
                       <p:nvPr/>
                     </p:nvPicPr>
                     <p:blipFill>
-                      <a:blip r:embed="rId11">
+                      <a:blip r:embed="rId10">
                         <a:extLst>
                           <a:ext uri="{28A0092B-C50C-407E-A947-70E740481C1C}">
                             <a14:useLocalDpi xmlns:a14="http://schemas.microsoft.com/office/drawing/2010/main" val="0"/>
@@ -9991,142 +12482,6 @@
 </p:sld>
 </file>
 
-<file path=ppt/slides/slide13.xml><?xml version="1.0" encoding="utf-8"?>
-<p:sld xmlns:a="http://schemas.openxmlformats.org/drawingml/2006/main" xmlns:r="http://schemas.openxmlformats.org/officeDocument/2006/relationships" xmlns:p="http://schemas.openxmlformats.org/presentationml/2006/main">
-  <p:cSld>
-    <p:spTree>
-      <p:nvGrpSpPr>
-        <p:cNvPr id="1" name=""/>
-        <p:cNvGrpSpPr/>
-        <p:nvPr/>
-      </p:nvGrpSpPr>
-      <p:grpSpPr>
-        <a:xfrm>
-          <a:off x="0" y="0"/>
-          <a:ext cx="0" cy="0"/>
-          <a:chOff x="0" y="0"/>
-          <a:chExt cx="0" cy="0"/>
-        </a:xfrm>
-      </p:grpSpPr>
-      <p:sp>
-        <p:nvSpPr>
-          <p:cNvPr id="76802" name="Rectangle 2"/>
-          <p:cNvSpPr>
-            <a:spLocks noGrp="1" noChangeArrowheads="1"/>
-          </p:cNvSpPr>
-          <p:nvPr>
-            <p:ph type="title"/>
-          </p:nvPr>
-        </p:nvSpPr>
-        <p:spPr/>
-        <p:txBody>
-          <a:bodyPr/>
-          <a:lstStyle/>
-          <a:p>
-            <a:r>
-              <a:rPr lang="en-US" altLang="en-US" sz="4000" dirty="0">
-                <a:solidFill>
-                  <a:schemeClr val="accent2"/>
-                </a:solidFill>
-              </a:rPr>
-              <a:t>Boundary and Initial Conditions</a:t>
-            </a:r>
-          </a:p>
-        </p:txBody>
-      </p:sp>
-      <p:sp>
-        <p:nvSpPr>
-          <p:cNvPr id="76803" name="Rectangle 3"/>
-          <p:cNvSpPr>
-            <a:spLocks noGrp="1" noChangeArrowheads="1"/>
-          </p:cNvSpPr>
-          <p:nvPr>
-            <p:ph type="body" idx="1"/>
-          </p:nvPr>
-        </p:nvSpPr>
-        <p:spPr/>
-        <p:txBody>
-          <a:bodyPr/>
-          <a:lstStyle/>
-          <a:p>
-            <a:pPr>
-              <a:lnSpc>
-                <a:spcPct val="80000"/>
-              </a:lnSpc>
-            </a:pPr>
-            <a:r>
-              <a:rPr lang="en-US" altLang="en-US" sz="2800" dirty="0"/>
-              <a:t>Differential equation </a:t>
-            </a:r>
-            <a:r>
-              <a:rPr lang="en-US" altLang="en-US" sz="2800" dirty="0">
-                <a:sym typeface="Wingdings" panose="05000000000000000000" pitchFamily="2" charset="2"/>
-              </a:rPr>
-              <a:t> </a:t>
-            </a:r>
-            <a:r>
-              <a:rPr lang="en-US" altLang="en-US" sz="2800" dirty="0"/>
-              <a:t>head and flow in the </a:t>
-            </a:r>
-            <a:r>
-              <a:rPr lang="en-US" altLang="en-US" sz="2800" i="1" dirty="0"/>
-              <a:t>interior</a:t>
-            </a:r>
-            <a:r>
-              <a:rPr lang="en-US" altLang="en-US" sz="2800" dirty="0"/>
-              <a:t> of the groundwater system.</a:t>
-            </a:r>
-          </a:p>
-          <a:p>
-            <a:pPr marL="0" indent="0">
-              <a:lnSpc>
-                <a:spcPct val="80000"/>
-              </a:lnSpc>
-              <a:buNone/>
-            </a:pPr>
-            <a:endParaRPr lang="en-US" altLang="en-US" sz="2800" dirty="0"/>
-          </a:p>
-          <a:p>
-            <a:pPr>
-              <a:lnSpc>
-                <a:spcPct val="80000"/>
-              </a:lnSpc>
-            </a:pPr>
-            <a:r>
-              <a:rPr lang="en-US" altLang="en-US" sz="2800" dirty="0"/>
-              <a:t>A combination of head and flow rate must be specified along all the boundaries of the groundwater system.</a:t>
-            </a:r>
-          </a:p>
-          <a:p>
-            <a:pPr marL="0" indent="0">
-              <a:lnSpc>
-                <a:spcPct val="80000"/>
-              </a:lnSpc>
-              <a:buNone/>
-            </a:pPr>
-            <a:endParaRPr lang="en-US" altLang="en-US" sz="2800" dirty="0"/>
-          </a:p>
-          <a:p>
-            <a:pPr>
-              <a:lnSpc>
-                <a:spcPct val="80000"/>
-              </a:lnSpc>
-            </a:pPr>
-            <a:r>
-              <a:rPr lang="en-US" altLang="en-US" sz="2800" dirty="0"/>
-              <a:t>Transient flow problems also require the starting head to be specified everywhere in the system.</a:t>
-            </a:r>
-          </a:p>
-        </p:txBody>
-      </p:sp>
-    </p:spTree>
-  </p:cSld>
-  <p:clrMapOvr>
-    <a:masterClrMapping/>
-  </p:clrMapOvr>
-</p:sld>
-</file>
-
 <file path=ppt/slides/slide14.xml><?xml version="1.0" encoding="utf-8"?>
 <p:sld xmlns:a="http://schemas.openxmlformats.org/drawingml/2006/main" xmlns:r="http://schemas.openxmlformats.org/officeDocument/2006/relationships" xmlns:p="http://schemas.openxmlformats.org/presentationml/2006/main">
   <p:cSld>
@@ -10160,12 +12515,12 @@
           <a:lstStyle/>
           <a:p>
             <a:r>
-              <a:rPr lang="en-US" altLang="en-US" sz="4000">
+              <a:rPr lang="en-US" altLang="en-US" sz="4000" dirty="0">
                 <a:solidFill>
                   <a:schemeClr val="accent2"/>
                 </a:solidFill>
               </a:rPr>
-              <a:t>Boundary Conditions</a:t>
+              <a:t>Boundary and Initial Conditions</a:t>
             </a:r>
           </a:p>
         </p:txBody>
@@ -10180,12 +12535,7 @@
             <p:ph type="body" idx="1"/>
           </p:nvPr>
         </p:nvSpPr>
-        <p:spPr>
-          <a:xfrm>
-            <a:off x="457200" y="1417638"/>
-            <a:ext cx="8229600" cy="4708525"/>
-          </a:xfrm>
-        </p:spPr>
+        <p:spPr/>
         <p:txBody>
           <a:bodyPr/>
           <a:lstStyle/>
@@ -10197,63 +12547,35 @@
             </a:pPr>
             <a:r>
               <a:rPr lang="en-US" altLang="en-US" sz="2800" dirty="0"/>
-              <a:t>Specified-head boundary </a:t>
+              <a:t>Differential equation </a:t>
             </a:r>
-          </a:p>
-          <a:p>
-            <a:pPr marL="457200" lvl="1" indent="0">
+            <a:r>
+              <a:rPr lang="en-US" altLang="en-US" sz="2800" dirty="0">
+                <a:sym typeface="Wingdings" panose="05000000000000000000" pitchFamily="2" charset="2"/>
+              </a:rPr>
+              <a:t> </a:t>
+            </a:r>
+            <a:r>
+              <a:rPr lang="en-US" altLang="en-US" sz="2800" dirty="0"/>
+              <a:t>head and flow in the </a:t>
+            </a:r>
+            <a:r>
+              <a:rPr lang="en-US" altLang="en-US" sz="2800" i="1" dirty="0"/>
+              <a:t>interior</a:t>
+            </a:r>
+            <a:r>
+              <a:rPr lang="en-US" altLang="en-US" sz="2800" dirty="0"/>
+              <a:t> of the groundwater system.</a:t>
+            </a:r>
+          </a:p>
+          <a:p>
+            <a:pPr marL="0" indent="0">
               <a:lnSpc>
                 <a:spcPct val="80000"/>
               </a:lnSpc>
               <a:buNone/>
             </a:pPr>
-            <a:r>
-              <a:rPr lang="en-US" altLang="en-US" sz="2400" dirty="0"/>
-              <a:t>	</a:t>
-            </a:r>
-          </a:p>
-          <a:p>
-            <a:pPr marL="457200" lvl="1" indent="0">
-              <a:lnSpc>
-                <a:spcPct val="80000"/>
-              </a:lnSpc>
-              <a:buNone/>
-            </a:pPr>
-            <a:r>
-              <a:rPr lang="en-US" altLang="en-US" sz="2400" dirty="0"/>
-              <a:t>	h=constant</a:t>
-            </a:r>
-          </a:p>
-          <a:p>
-            <a:pPr marL="457200" lvl="1" indent="0">
-              <a:lnSpc>
-                <a:spcPct val="80000"/>
-              </a:lnSpc>
-              <a:buNone/>
-            </a:pPr>
-            <a:endParaRPr lang="en-US" altLang="en-US" sz="2400" dirty="0"/>
-          </a:p>
-          <a:p>
-            <a:pPr lvl="1">
-              <a:lnSpc>
-                <a:spcPct val="80000"/>
-              </a:lnSpc>
-              <a:buFont typeface="Courier New" panose="02070309020205020404" pitchFamily="49" charset="0"/>
-              <a:buChar char="o"/>
-            </a:pPr>
-            <a:r>
-              <a:rPr lang="en-US" altLang="en-US" sz="2400" dirty="0"/>
-              <a:t>Constant-head boundary</a:t>
-            </a:r>
-          </a:p>
-          <a:p>
-            <a:pPr marL="457200" lvl="1" indent="0">
-              <a:lnSpc>
-                <a:spcPct val="80000"/>
-              </a:lnSpc>
-              <a:buNone/>
-            </a:pPr>
-            <a:endParaRPr lang="en-US" altLang="en-US" sz="2400" dirty="0"/>
+            <a:endParaRPr lang="en-US" altLang="en-US" sz="2800" dirty="0"/>
           </a:p>
           <a:p>
             <a:pPr>
@@ -10263,70 +12585,17 @@
             </a:pPr>
             <a:r>
               <a:rPr lang="en-US" altLang="en-US" sz="2800" dirty="0"/>
-              <a:t>Specified-flux boundary</a:t>
+              <a:t>A combination of head and flow rate must be specified along all the boundaries of the groundwater system.</a:t>
             </a:r>
           </a:p>
           <a:p>
-            <a:pPr marL="457200" lvl="1" indent="0">
+            <a:pPr marL="0" indent="0">
               <a:lnSpc>
                 <a:spcPct val="80000"/>
               </a:lnSpc>
               <a:buNone/>
             </a:pPr>
-            <a:r>
-              <a:rPr lang="en-US" altLang="en-US" sz="2400" dirty="0"/>
-              <a:t> 	</a:t>
-            </a:r>
-          </a:p>
-          <a:p>
-            <a:pPr marL="457200" lvl="1" indent="0">
-              <a:lnSpc>
-                <a:spcPct val="80000"/>
-              </a:lnSpc>
-              <a:buNone/>
-            </a:pPr>
-            <a:r>
-              <a:rPr lang="en-US" altLang="en-US" sz="2400" dirty="0"/>
-              <a:t>	dh/</a:t>
-            </a:r>
-            <a:r>
-              <a:rPr lang="en-US" altLang="en-US" sz="2400" dirty="0" err="1"/>
-              <a:t>dn</a:t>
-            </a:r>
-            <a:r>
-              <a:rPr lang="en-US" altLang="en-US" sz="2400" dirty="0"/>
-              <a:t> = constant</a:t>
-            </a:r>
-          </a:p>
-          <a:p>
-            <a:pPr marL="457200" lvl="1" indent="0">
-              <a:lnSpc>
-                <a:spcPct val="80000"/>
-              </a:lnSpc>
-              <a:buNone/>
-            </a:pPr>
-            <a:endParaRPr lang="en-US" altLang="en-US" sz="2400" dirty="0"/>
-          </a:p>
-          <a:p>
-            <a:pPr lvl="1">
-              <a:lnSpc>
-                <a:spcPct val="80000"/>
-              </a:lnSpc>
-              <a:buFont typeface="Courier New" panose="02070309020205020404" pitchFamily="49" charset="0"/>
-              <a:buChar char="o"/>
-            </a:pPr>
-            <a:r>
-              <a:rPr lang="en-US" altLang="en-US" sz="2400" dirty="0"/>
-              <a:t>No-flow boundary</a:t>
-            </a:r>
-          </a:p>
-          <a:p>
-            <a:pPr lvl="1">
-              <a:lnSpc>
-                <a:spcPct val="80000"/>
-              </a:lnSpc>
-            </a:pPr>
-            <a:endParaRPr lang="en-US" altLang="en-US" sz="2400" dirty="0"/>
+            <a:endParaRPr lang="en-US" altLang="en-US" sz="2800" dirty="0"/>
           </a:p>
           <a:p>
             <a:pPr>
@@ -10334,16 +12603,14 @@
                 <a:spcPct val="80000"/>
               </a:lnSpc>
             </a:pPr>
-            <a:endParaRPr lang="en-US" altLang="en-US" sz="2800" dirty="0"/>
+            <a:r>
+              <a:rPr lang="en-US" altLang="en-US" sz="2800" dirty="0"/>
+              <a:t>Transient flow problems also require the starting head to be specified everywhere in the system.</a:t>
+            </a:r>
           </a:p>
         </p:txBody>
       </p:sp>
     </p:spTree>
-    <p:extLst>
-      <p:ext uri="{BB962C8B-B14F-4D97-AF65-F5344CB8AC3E}">
-        <p14:creationId xmlns:p14="http://schemas.microsoft.com/office/powerpoint/2010/main" val="4239427982"/>
-      </p:ext>
-    </p:extLst>
   </p:cSld>
   <p:clrMapOvr>
     <a:masterClrMapping/>
@@ -10414,14 +12681,6 @@
           <a:bodyPr/>
           <a:lstStyle/>
           <a:p>
-            <a:pPr lvl="1">
-              <a:lnSpc>
-                <a:spcPct val="80000"/>
-              </a:lnSpc>
-            </a:pPr>
-            <a:endParaRPr lang="en-US" altLang="en-US" sz="2400" dirty="0"/>
-          </a:p>
-          <a:p>
             <a:pPr>
               <a:lnSpc>
                 <a:spcPct val="80000"/>
@@ -10429,7 +12688,31 @@
             </a:pPr>
             <a:r>
               <a:rPr lang="en-US" altLang="en-US" sz="2800" dirty="0"/>
-              <a:t>Mixed boundary</a:t>
+              <a:t>Specified-head boundary </a:t>
+            </a:r>
+          </a:p>
+          <a:p>
+            <a:pPr marL="457200" lvl="1" indent="0">
+              <a:lnSpc>
+                <a:spcPct val="80000"/>
+              </a:lnSpc>
+              <a:buNone/>
+            </a:pPr>
+            <a:r>
+              <a:rPr lang="en-US" altLang="en-US" sz="2400" dirty="0"/>
+              <a:t>	</a:t>
+            </a:r>
+          </a:p>
+          <a:p>
+            <a:pPr marL="457200" lvl="1" indent="0">
+              <a:lnSpc>
+                <a:spcPct val="80000"/>
+              </a:lnSpc>
+              <a:buNone/>
+            </a:pPr>
+            <a:r>
+              <a:rPr lang="en-US" altLang="en-US" sz="2400" dirty="0"/>
+              <a:t>	h=constant</a:t>
             </a:r>
           </a:p>
           <a:p>
@@ -10440,6 +12723,51 @@
               <a:buNone/>
             </a:pPr>
             <a:endParaRPr lang="en-US" altLang="en-US" sz="2400" dirty="0"/>
+          </a:p>
+          <a:p>
+            <a:pPr lvl="1">
+              <a:lnSpc>
+                <a:spcPct val="80000"/>
+              </a:lnSpc>
+              <a:buFont typeface="Courier New" panose="02070309020205020404" pitchFamily="49" charset="0"/>
+              <a:buChar char="o"/>
+            </a:pPr>
+            <a:r>
+              <a:rPr lang="en-US" altLang="en-US" sz="2400" dirty="0"/>
+              <a:t>Constant-head boundary</a:t>
+            </a:r>
+          </a:p>
+          <a:p>
+            <a:pPr marL="457200" lvl="1" indent="0">
+              <a:lnSpc>
+                <a:spcPct val="80000"/>
+              </a:lnSpc>
+              <a:buNone/>
+            </a:pPr>
+            <a:endParaRPr lang="en-US" altLang="en-US" sz="2400" dirty="0"/>
+          </a:p>
+          <a:p>
+            <a:pPr>
+              <a:lnSpc>
+                <a:spcPct val="80000"/>
+              </a:lnSpc>
+            </a:pPr>
+            <a:r>
+              <a:rPr lang="en-US" altLang="en-US" sz="2800" dirty="0"/>
+              <a:t>Specified-flux boundary</a:t>
+            </a:r>
+          </a:p>
+          <a:p>
+            <a:pPr marL="457200" lvl="1" indent="0">
+              <a:lnSpc>
+                <a:spcPct val="80000"/>
+              </a:lnSpc>
+              <a:buNone/>
+            </a:pPr>
+            <a:r>
+              <a:rPr lang="en-US" altLang="en-US" sz="2400" dirty="0"/>
+              <a:t> 	</a:t>
+            </a:r>
           </a:p>
           <a:p>
             <a:pPr marL="457200" lvl="1" indent="0">
@@ -10458,22 +12786,15 @@
             </a:r>
             <a:r>
               <a:rPr lang="en-US" altLang="en-US" sz="2400" dirty="0"/>
-              <a:t> + </a:t>
-            </a:r>
-            <a:r>
-              <a:rPr lang="en-US" altLang="en-US" sz="2400" dirty="0" err="1"/>
-              <a:t>ch</a:t>
-            </a:r>
-            <a:r>
-              <a:rPr lang="en-US" altLang="en-US" sz="2400" dirty="0"/>
               <a:t> = constant</a:t>
             </a:r>
           </a:p>
           <a:p>
-            <a:pPr lvl="1">
+            <a:pPr marL="457200" lvl="1" indent="0">
               <a:lnSpc>
                 <a:spcPct val="80000"/>
               </a:lnSpc>
+              <a:buNone/>
             </a:pPr>
             <a:endParaRPr lang="en-US" altLang="en-US" sz="2400" dirty="0"/>
           </a:p>
@@ -10487,8 +12808,16 @@
             </a:pPr>
             <a:r>
               <a:rPr lang="en-US" altLang="en-US" sz="2400" dirty="0"/>
-              <a:t>Head-dependent flux boundary</a:t>
+              <a:t>No-flow boundary</a:t>
             </a:r>
+          </a:p>
+          <a:p>
+            <a:pPr lvl="1">
+              <a:lnSpc>
+                <a:spcPct val="80000"/>
+              </a:lnSpc>
+            </a:pPr>
+            <a:endParaRPr lang="en-US" altLang="en-US" sz="2400" dirty="0"/>
           </a:p>
           <a:p>
             <a:pPr>
@@ -10498,52 +12827,12 @@
             </a:pPr>
             <a:endParaRPr lang="en-US" altLang="en-US" sz="2800" dirty="0"/>
           </a:p>
-          <a:p>
-            <a:pPr>
-              <a:lnSpc>
-                <a:spcPct val="80000"/>
-              </a:lnSpc>
-            </a:pPr>
-            <a:r>
-              <a:rPr lang="en-US" altLang="en-US" sz="2800" dirty="0"/>
-              <a:t>Free surface boundary</a:t>
-            </a:r>
-          </a:p>
-          <a:p>
-            <a:pPr marL="457200" lvl="1" indent="0">
-              <a:lnSpc>
-                <a:spcPct val="80000"/>
-              </a:lnSpc>
-              <a:buNone/>
-            </a:pPr>
-            <a:endParaRPr lang="en-US" altLang="en-US" sz="2400" dirty="0"/>
-          </a:p>
-          <a:p>
-            <a:pPr marL="457200" lvl="1" indent="0">
-              <a:lnSpc>
-                <a:spcPct val="80000"/>
-              </a:lnSpc>
-              <a:buNone/>
-            </a:pPr>
-            <a:r>
-              <a:rPr lang="en-US" altLang="en-US" sz="2400" dirty="0"/>
-              <a:t>	h=f(z)</a:t>
-            </a:r>
-          </a:p>
-          <a:p>
-            <a:pPr>
-              <a:lnSpc>
-                <a:spcPct val="80000"/>
-              </a:lnSpc>
-            </a:pPr>
-            <a:endParaRPr lang="en-US" altLang="en-US" sz="2800" dirty="0"/>
-          </a:p>
         </p:txBody>
       </p:sp>
     </p:spTree>
     <p:extLst>
       <p:ext uri="{BB962C8B-B14F-4D97-AF65-F5344CB8AC3E}">
-        <p14:creationId xmlns:p14="http://schemas.microsoft.com/office/powerpoint/2010/main" val="1741027657"/>
+        <p14:creationId xmlns:p14="http://schemas.microsoft.com/office/powerpoint/2010/main" val="4239427982"/>
       </p:ext>
     </p:extLst>
   </p:cSld>
@@ -10586,6 +12875,208 @@
           <a:lstStyle/>
           <a:p>
             <a:r>
+              <a:rPr lang="en-US" altLang="en-US" sz="4000">
+                <a:solidFill>
+                  <a:schemeClr val="accent2"/>
+                </a:solidFill>
+              </a:rPr>
+              <a:t>Boundary Conditions</a:t>
+            </a:r>
+          </a:p>
+        </p:txBody>
+      </p:sp>
+      <p:sp>
+        <p:nvSpPr>
+          <p:cNvPr id="76803" name="Rectangle 3"/>
+          <p:cNvSpPr>
+            <a:spLocks noGrp="1" noChangeArrowheads="1"/>
+          </p:cNvSpPr>
+          <p:nvPr>
+            <p:ph type="body" idx="1"/>
+          </p:nvPr>
+        </p:nvSpPr>
+        <p:spPr>
+          <a:xfrm>
+            <a:off x="457200" y="1417638"/>
+            <a:ext cx="8229600" cy="4708525"/>
+          </a:xfrm>
+        </p:spPr>
+        <p:txBody>
+          <a:bodyPr/>
+          <a:lstStyle/>
+          <a:p>
+            <a:pPr lvl="1">
+              <a:lnSpc>
+                <a:spcPct val="80000"/>
+              </a:lnSpc>
+            </a:pPr>
+            <a:endParaRPr lang="en-US" altLang="en-US" sz="2400" dirty="0"/>
+          </a:p>
+          <a:p>
+            <a:pPr>
+              <a:lnSpc>
+                <a:spcPct val="80000"/>
+              </a:lnSpc>
+            </a:pPr>
+            <a:r>
+              <a:rPr lang="en-US" altLang="en-US" sz="2800" dirty="0"/>
+              <a:t>Mixed boundary</a:t>
+            </a:r>
+          </a:p>
+          <a:p>
+            <a:pPr marL="457200" lvl="1" indent="0">
+              <a:lnSpc>
+                <a:spcPct val="80000"/>
+              </a:lnSpc>
+              <a:buNone/>
+            </a:pPr>
+            <a:endParaRPr lang="en-US" altLang="en-US" sz="2400" dirty="0"/>
+          </a:p>
+          <a:p>
+            <a:pPr marL="457200" lvl="1" indent="0">
+              <a:lnSpc>
+                <a:spcPct val="80000"/>
+              </a:lnSpc>
+              <a:buNone/>
+            </a:pPr>
+            <a:r>
+              <a:rPr lang="en-US" altLang="en-US" sz="2400" dirty="0"/>
+              <a:t>	dh/</a:t>
+            </a:r>
+            <a:r>
+              <a:rPr lang="en-US" altLang="en-US" sz="2400" dirty="0" err="1"/>
+              <a:t>dn</a:t>
+            </a:r>
+            <a:r>
+              <a:rPr lang="en-US" altLang="en-US" sz="2400" dirty="0"/>
+              <a:t> + </a:t>
+            </a:r>
+            <a:r>
+              <a:rPr lang="en-US" altLang="en-US" sz="2400" dirty="0" err="1"/>
+              <a:t>ch</a:t>
+            </a:r>
+            <a:r>
+              <a:rPr lang="en-US" altLang="en-US" sz="2400" dirty="0"/>
+              <a:t> = constant</a:t>
+            </a:r>
+          </a:p>
+          <a:p>
+            <a:pPr lvl="1">
+              <a:lnSpc>
+                <a:spcPct val="80000"/>
+              </a:lnSpc>
+            </a:pPr>
+            <a:endParaRPr lang="en-US" altLang="en-US" sz="2400" dirty="0"/>
+          </a:p>
+          <a:p>
+            <a:pPr lvl="1">
+              <a:lnSpc>
+                <a:spcPct val="80000"/>
+              </a:lnSpc>
+              <a:buFont typeface="Courier New" panose="02070309020205020404" pitchFamily="49" charset="0"/>
+              <a:buChar char="o"/>
+            </a:pPr>
+            <a:r>
+              <a:rPr lang="en-US" altLang="en-US" sz="2400" dirty="0"/>
+              <a:t>Head-dependent flux boundary</a:t>
+            </a:r>
+          </a:p>
+          <a:p>
+            <a:pPr>
+              <a:lnSpc>
+                <a:spcPct val="80000"/>
+              </a:lnSpc>
+            </a:pPr>
+            <a:endParaRPr lang="en-US" altLang="en-US" sz="2800" dirty="0"/>
+          </a:p>
+          <a:p>
+            <a:pPr>
+              <a:lnSpc>
+                <a:spcPct val="80000"/>
+              </a:lnSpc>
+            </a:pPr>
+            <a:r>
+              <a:rPr lang="en-US" altLang="en-US" sz="2800" dirty="0"/>
+              <a:t>Free surface boundary</a:t>
+            </a:r>
+          </a:p>
+          <a:p>
+            <a:pPr marL="457200" lvl="1" indent="0">
+              <a:lnSpc>
+                <a:spcPct val="80000"/>
+              </a:lnSpc>
+              <a:buNone/>
+            </a:pPr>
+            <a:endParaRPr lang="en-US" altLang="en-US" sz="2400" dirty="0"/>
+          </a:p>
+          <a:p>
+            <a:pPr marL="457200" lvl="1" indent="0">
+              <a:lnSpc>
+                <a:spcPct val="80000"/>
+              </a:lnSpc>
+              <a:buNone/>
+            </a:pPr>
+            <a:r>
+              <a:rPr lang="en-US" altLang="en-US" sz="2400" dirty="0"/>
+              <a:t>	h=f(z)</a:t>
+            </a:r>
+          </a:p>
+          <a:p>
+            <a:pPr>
+              <a:lnSpc>
+                <a:spcPct val="80000"/>
+              </a:lnSpc>
+            </a:pPr>
+            <a:endParaRPr lang="en-US" altLang="en-US" sz="2800" dirty="0"/>
+          </a:p>
+        </p:txBody>
+      </p:sp>
+    </p:spTree>
+    <p:extLst>
+      <p:ext uri="{BB962C8B-B14F-4D97-AF65-F5344CB8AC3E}">
+        <p14:creationId xmlns:p14="http://schemas.microsoft.com/office/powerpoint/2010/main" val="1741027657"/>
+      </p:ext>
+    </p:extLst>
+  </p:cSld>
+  <p:clrMapOvr>
+    <a:masterClrMapping/>
+  </p:clrMapOvr>
+</p:sld>
+</file>
+
+<file path=ppt/slides/slide17.xml><?xml version="1.0" encoding="utf-8"?>
+<p:sld xmlns:a="http://schemas.openxmlformats.org/drawingml/2006/main" xmlns:r="http://schemas.openxmlformats.org/officeDocument/2006/relationships" xmlns:p="http://schemas.openxmlformats.org/presentationml/2006/main">
+  <p:cSld>
+    <p:spTree>
+      <p:nvGrpSpPr>
+        <p:cNvPr id="1" name=""/>
+        <p:cNvGrpSpPr/>
+        <p:nvPr/>
+      </p:nvGrpSpPr>
+      <p:grpSpPr>
+        <a:xfrm>
+          <a:off x="0" y="0"/>
+          <a:ext cx="0" cy="0"/>
+          <a:chOff x="0" y="0"/>
+          <a:chExt cx="0" cy="0"/>
+        </a:xfrm>
+      </p:grpSpPr>
+      <p:sp>
+        <p:nvSpPr>
+          <p:cNvPr id="76802" name="Rectangle 2"/>
+          <p:cNvSpPr>
+            <a:spLocks noGrp="1" noChangeArrowheads="1"/>
+          </p:cNvSpPr>
+          <p:nvPr>
+            <p:ph type="title"/>
+          </p:nvPr>
+        </p:nvSpPr>
+        <p:spPr/>
+        <p:txBody>
+          <a:bodyPr/>
+          <a:lstStyle/>
+          <a:p>
+            <a:r>
               <a:rPr lang="en-US" altLang="en-US" sz="4000" dirty="0">
                 <a:solidFill>
                   <a:schemeClr val="accent2"/>
@@ -10681,7 +13172,7 @@
 </p:sld>
 </file>
 
-<file path=ppt/slides/slide17.xml><?xml version="1.0" encoding="utf-8"?>
+<file path=ppt/slides/slide18.xml><?xml version="1.0" encoding="utf-8"?>
 <p:sld xmlns:a="http://schemas.openxmlformats.org/drawingml/2006/main" xmlns:r="http://schemas.openxmlformats.org/officeDocument/2006/relationships" xmlns:p="http://schemas.openxmlformats.org/presentationml/2006/main">
   <p:cSld>
     <p:spTree>
@@ -10747,12 +13238,12 @@
           <a:graphicData uri="http://schemas.openxmlformats.org/presentationml/2006/ole">
             <mc:AlternateContent xmlns:mc="http://schemas.openxmlformats.org/markup-compatibility/2006">
               <mc:Choice xmlns:v="urn:schemas-microsoft-com:vml" Requires="v">
-                <p:oleObj spid="_x0000_s32825" name="Equation" r:id="rId3" imgW="3238200" imgH="457200" progId="Equation.3">
+                <p:oleObj name="Equation" r:id="rId2" imgW="3238200" imgH="457200" progId="Equation.3">
                   <p:embed/>
                 </p:oleObj>
               </mc:Choice>
               <mc:Fallback>
-                <p:oleObj name="Equation" r:id="rId3" imgW="3238200" imgH="457200" progId="Equation.3">
+                <p:oleObj name="Equation" r:id="rId2" imgW="3238200" imgH="457200" progId="Equation.3">
                   <p:embed/>
                   <p:pic>
                     <p:nvPicPr>
@@ -10763,7 +13254,7 @@
                       <p:nvPr/>
                     </p:nvPicPr>
                     <p:blipFill>
-                      <a:blip r:embed="rId4">
+                      <a:blip r:embed="rId3">
                         <a:extLst>
                           <a:ext uri="{28A0092B-C50C-407E-A947-70E740481C1C}">
                             <a14:useLocalDpi xmlns:a14="http://schemas.microsoft.com/office/drawing/2010/main" val="0"/>
@@ -10840,12 +13331,12 @@
           <a:graphicData uri="http://schemas.openxmlformats.org/presentationml/2006/ole">
             <mc:AlternateContent xmlns:mc="http://schemas.openxmlformats.org/markup-compatibility/2006">
               <mc:Choice xmlns:v="urn:schemas-microsoft-com:vml" Requires="v">
-                <p:oleObj spid="_x0000_s32826" name="Equation" r:id="rId5" imgW="2819160" imgH="457200" progId="Equation.3">
+                <p:oleObj name="Equation" r:id="rId4" imgW="2819160" imgH="457200" progId="Equation.3">
                   <p:embed/>
                 </p:oleObj>
               </mc:Choice>
               <mc:Fallback>
-                <p:oleObj name="Equation" r:id="rId5" imgW="2819160" imgH="457200" progId="Equation.3">
+                <p:oleObj name="Equation" r:id="rId4" imgW="2819160" imgH="457200" progId="Equation.3">
                   <p:embed/>
                   <p:pic>
                     <p:nvPicPr>
@@ -10856,7 +13347,7 @@
                       <p:nvPr/>
                     </p:nvPicPr>
                     <p:blipFill>
-                      <a:blip r:embed="rId6">
+                      <a:blip r:embed="rId5">
                         <a:extLst>
                           <a:ext uri="{28A0092B-C50C-407E-A947-70E740481C1C}">
                             <a14:useLocalDpi xmlns:a14="http://schemas.microsoft.com/office/drawing/2010/main" val="0"/>
@@ -10949,12 +13440,12 @@
             <a:graphicData uri="http://schemas.openxmlformats.org/presentationml/2006/ole">
               <mc:AlternateContent xmlns:mc="http://schemas.openxmlformats.org/markup-compatibility/2006">
                 <mc:Choice xmlns:v="urn:schemas-microsoft-com:vml" Requires="v">
-                  <p:oleObj spid="_x0000_s32827" name="Equation" r:id="rId7" imgW="215640" imgH="177480" progId="Equation.3">
+                  <p:oleObj name="Equation" r:id="rId6" imgW="215640" imgH="177480" progId="Equation.3">
                     <p:embed/>
                   </p:oleObj>
                 </mc:Choice>
                 <mc:Fallback>
-                  <p:oleObj name="Equation" r:id="rId7" imgW="215640" imgH="177480" progId="Equation.3">
+                  <p:oleObj name="Equation" r:id="rId6" imgW="215640" imgH="177480" progId="Equation.3">
                     <p:embed/>
                     <p:pic>
                       <p:nvPicPr>
@@ -10965,7 +13456,7 @@
                         <p:nvPr/>
                       </p:nvPicPr>
                       <p:blipFill>
-                        <a:blip r:embed="rId8">
+                        <a:blip r:embed="rId7">
                           <a:extLst>
                             <a:ext uri="{28A0092B-C50C-407E-A947-70E740481C1C}">
                               <a14:useLocalDpi xmlns:a14="http://schemas.microsoft.com/office/drawing/2010/main" val="0"/>
@@ -11042,12 +13533,12 @@
             <a:graphicData uri="http://schemas.openxmlformats.org/presentationml/2006/ole">
               <mc:AlternateContent xmlns:mc="http://schemas.openxmlformats.org/markup-compatibility/2006">
                 <mc:Choice xmlns:v="urn:schemas-microsoft-com:vml" Requires="v">
-                  <p:oleObj spid="_x0000_s32828" name="Equation" r:id="rId9" imgW="215640" imgH="203040" progId="Equation.3">
+                  <p:oleObj name="Equation" r:id="rId8" imgW="215640" imgH="203040" progId="Equation.3">
                     <p:embed/>
                   </p:oleObj>
                 </mc:Choice>
                 <mc:Fallback>
-                  <p:oleObj name="Equation" r:id="rId9" imgW="215640" imgH="203040" progId="Equation.3">
+                  <p:oleObj name="Equation" r:id="rId8" imgW="215640" imgH="203040" progId="Equation.3">
                     <p:embed/>
                     <p:pic>
                       <p:nvPicPr>
@@ -11058,7 +13549,7 @@
                         <p:nvPr/>
                       </p:nvPicPr>
                       <p:blipFill>
-                        <a:blip r:embed="rId10">
+                        <a:blip r:embed="rId9">
                           <a:extLst>
                             <a:ext uri="{28A0092B-C50C-407E-A947-70E740481C1C}">
                               <a14:useLocalDpi xmlns:a14="http://schemas.microsoft.com/office/drawing/2010/main" val="0"/>
@@ -11135,12 +13626,12 @@
             <a:graphicData uri="http://schemas.openxmlformats.org/presentationml/2006/ole">
               <mc:AlternateContent xmlns:mc="http://schemas.openxmlformats.org/markup-compatibility/2006">
                 <mc:Choice xmlns:v="urn:schemas-microsoft-com:vml" Requires="v">
-                  <p:oleObj spid="_x0000_s32829" name="Equation" r:id="rId11" imgW="431640" imgH="177480" progId="Equation.3">
+                  <p:oleObj name="Equation" r:id="rId10" imgW="431640" imgH="177480" progId="Equation.3">
                     <p:embed/>
                   </p:oleObj>
                 </mc:Choice>
                 <mc:Fallback>
-                  <p:oleObj name="Equation" r:id="rId11" imgW="431640" imgH="177480" progId="Equation.3">
+                  <p:oleObj name="Equation" r:id="rId10" imgW="431640" imgH="177480" progId="Equation.3">
                     <p:embed/>
                     <p:pic>
                       <p:nvPicPr>
@@ -11151,7 +13642,7 @@
                         <p:nvPr/>
                       </p:nvPicPr>
                       <p:blipFill>
-                        <a:blip r:embed="rId12">
+                        <a:blip r:embed="rId11">
                           <a:extLst>
                             <a:ext uri="{28A0092B-C50C-407E-A947-70E740481C1C}">
                               <a14:useLocalDpi xmlns:a14="http://schemas.microsoft.com/office/drawing/2010/main" val="0"/>
@@ -12120,12 +14611,12 @@
             <a:graphicData uri="http://schemas.openxmlformats.org/presentationml/2006/ole">
               <mc:AlternateContent xmlns:mc="http://schemas.openxmlformats.org/markup-compatibility/2006">
                 <mc:Choice xmlns:v="urn:schemas-microsoft-com:vml" Requires="v">
-                  <p:oleObj spid="_x0000_s32830" name="Equation" r:id="rId13" imgW="672840" imgH="228600" progId="Equation.3">
+                  <p:oleObj name="Equation" r:id="rId12" imgW="672840" imgH="228600" progId="Equation.3">
                     <p:embed/>
                   </p:oleObj>
                 </mc:Choice>
                 <mc:Fallback>
-                  <p:oleObj name="Equation" r:id="rId13" imgW="672840" imgH="228600" progId="Equation.3">
+                  <p:oleObj name="Equation" r:id="rId12" imgW="672840" imgH="228600" progId="Equation.3">
                     <p:embed/>
                     <p:pic>
                       <p:nvPicPr>
@@ -12136,7 +14627,7 @@
                         <p:nvPr/>
                       </p:nvPicPr>
                       <p:blipFill>
-                        <a:blip r:embed="rId14">
+                        <a:blip r:embed="rId13">
                           <a:extLst>
                             <a:ext uri="{28A0092B-C50C-407E-A947-70E740481C1C}">
                               <a14:useLocalDpi xmlns:a14="http://schemas.microsoft.com/office/drawing/2010/main" val="0"/>
@@ -12213,12 +14704,12 @@
             <a:graphicData uri="http://schemas.openxmlformats.org/presentationml/2006/ole">
               <mc:AlternateContent xmlns:mc="http://schemas.openxmlformats.org/markup-compatibility/2006">
                 <mc:Choice xmlns:v="urn:schemas-microsoft-com:vml" Requires="v">
-                  <p:oleObj spid="_x0000_s32831" name="Equation" r:id="rId15" imgW="672840" imgH="241200" progId="Equation.3">
+                  <p:oleObj name="Equation" r:id="rId14" imgW="672840" imgH="241200" progId="Equation.3">
                     <p:embed/>
                   </p:oleObj>
                 </mc:Choice>
                 <mc:Fallback>
-                  <p:oleObj name="Equation" r:id="rId15" imgW="672840" imgH="241200" progId="Equation.3">
+                  <p:oleObj name="Equation" r:id="rId14" imgW="672840" imgH="241200" progId="Equation.3">
                     <p:embed/>
                     <p:pic>
                       <p:nvPicPr>
@@ -12229,7 +14720,7 @@
                         <p:nvPr/>
                       </p:nvPicPr>
                       <p:blipFill>
-                        <a:blip r:embed="rId16">
+                        <a:blip r:embed="rId15">
                           <a:extLst>
                             <a:ext uri="{28A0092B-C50C-407E-A947-70E740481C1C}">
                               <a14:useLocalDpi xmlns:a14="http://schemas.microsoft.com/office/drawing/2010/main" val="0"/>
@@ -12306,12 +14797,12 @@
             <a:graphicData uri="http://schemas.openxmlformats.org/presentationml/2006/ole">
               <mc:AlternateContent xmlns:mc="http://schemas.openxmlformats.org/markup-compatibility/2006">
                 <mc:Choice xmlns:v="urn:schemas-microsoft-com:vml" Requires="v">
-                  <p:oleObj spid="_x0000_s32832" name="Equation" r:id="rId17" imgW="507960" imgH="228600" progId="Equation.3">
+                  <p:oleObj name="Equation" r:id="rId16" imgW="507960" imgH="228600" progId="Equation.3">
                     <p:embed/>
                   </p:oleObj>
                 </mc:Choice>
                 <mc:Fallback>
-                  <p:oleObj name="Equation" r:id="rId17" imgW="507960" imgH="228600" progId="Equation.3">
+                  <p:oleObj name="Equation" r:id="rId16" imgW="507960" imgH="228600" progId="Equation.3">
                     <p:embed/>
                     <p:pic>
                       <p:nvPicPr>
@@ -12322,7 +14813,7 @@
                         <p:nvPr/>
                       </p:nvPicPr>
                       <p:blipFill>
-                        <a:blip r:embed="rId18">
+                        <a:blip r:embed="rId17">
                           <a:extLst>
                             <a:ext uri="{28A0092B-C50C-407E-A947-70E740481C1C}">
                               <a14:useLocalDpi xmlns:a14="http://schemas.microsoft.com/office/drawing/2010/main" val="0"/>
@@ -12494,7 +14985,7 @@
 </p:sld>
 </file>
 
-<file path=ppt/slides/slide18.xml><?xml version="1.0" encoding="utf-8"?>
+<file path=ppt/slides/slide19.xml><?xml version="1.0" encoding="utf-8"?>
 <p:sld xmlns:a="http://schemas.openxmlformats.org/drawingml/2006/main" xmlns:r="http://schemas.openxmlformats.org/officeDocument/2006/relationships" xmlns:p="http://schemas.openxmlformats.org/presentationml/2006/main">
   <p:cSld>
     <p:bg>
@@ -12628,12 +15119,12 @@
           <a:graphicData uri="http://schemas.openxmlformats.org/presentationml/2006/ole">
             <mc:AlternateContent xmlns:mc="http://schemas.openxmlformats.org/markup-compatibility/2006">
               <mc:Choice xmlns:v="urn:schemas-microsoft-com:vml" Requires="v">
-                <p:oleObj spid="_x0000_s33814" name="Equation" r:id="rId4" imgW="799920" imgH="228600" progId="Equation.3">
+                <p:oleObj name="Equation" r:id="rId3" imgW="799920" imgH="228600" progId="Equation.3">
                   <p:embed/>
                 </p:oleObj>
               </mc:Choice>
               <mc:Fallback>
-                <p:oleObj name="Equation" r:id="rId4" imgW="799920" imgH="228600" progId="Equation.3">
+                <p:oleObj name="Equation" r:id="rId3" imgW="799920" imgH="228600" progId="Equation.3">
                   <p:embed/>
                   <p:pic>
                     <p:nvPicPr>
@@ -12644,7 +15135,7 @@
                       <p:nvPr/>
                     </p:nvPicPr>
                     <p:blipFill>
-                      <a:blip r:embed="rId5">
+                      <a:blip r:embed="rId4">
                         <a:extLst>
                           <a:ext uri="{28A0092B-C50C-407E-A947-70E740481C1C}">
                             <a14:useLocalDpi xmlns:a14="http://schemas.microsoft.com/office/drawing/2010/main" val="0"/>
@@ -12723,12 +15214,12 @@
           <a:graphicData uri="http://schemas.openxmlformats.org/presentationml/2006/ole">
             <mc:AlternateContent xmlns:mc="http://schemas.openxmlformats.org/markup-compatibility/2006">
               <mc:Choice xmlns:v="urn:schemas-microsoft-com:vml" Requires="v">
-                <p:oleObj spid="_x0000_s33815" name="Equation" r:id="rId6" imgW="126720" imgH="177480" progId="Equation.3">
+                <p:oleObj name="Equation" r:id="rId5" imgW="126720" imgH="177480" progId="Equation.3">
                   <p:embed/>
                 </p:oleObj>
               </mc:Choice>
               <mc:Fallback>
-                <p:oleObj name="Equation" r:id="rId6" imgW="126720" imgH="177480" progId="Equation.3">
+                <p:oleObj name="Equation" r:id="rId5" imgW="126720" imgH="177480" progId="Equation.3">
                   <p:embed/>
                   <p:pic>
                     <p:nvPicPr>
@@ -12739,7 +15230,7 @@
                       <p:nvPr/>
                     </p:nvPicPr>
                     <p:blipFill>
-                      <a:blip r:embed="rId7">
+                      <a:blip r:embed="rId6">
                         <a:extLst>
                           <a:ext uri="{28A0092B-C50C-407E-A947-70E740481C1C}">
                             <a14:useLocalDpi xmlns:a14="http://schemas.microsoft.com/office/drawing/2010/main" val="0"/>
@@ -13218,12 +15709,12 @@
           <a:graphicData uri="http://schemas.openxmlformats.org/presentationml/2006/ole">
             <mc:AlternateContent xmlns:mc="http://schemas.openxmlformats.org/markup-compatibility/2006">
               <mc:Choice xmlns:v="urn:schemas-microsoft-com:vml" Requires="v">
-                <p:oleObj spid="_x0000_s33816" name="Equation" r:id="rId8" imgW="2577960" imgH="457200" progId="Equation.3">
+                <p:oleObj name="Equation" r:id="rId7" imgW="2577960" imgH="457200" progId="Equation.3">
                   <p:embed/>
                 </p:oleObj>
               </mc:Choice>
               <mc:Fallback>
-                <p:oleObj name="Equation" r:id="rId8" imgW="2577960" imgH="457200" progId="Equation.3">
+                <p:oleObj name="Equation" r:id="rId7" imgW="2577960" imgH="457200" progId="Equation.3">
                   <p:embed/>
                   <p:pic>
                     <p:nvPicPr>
@@ -13234,7 +15725,7 @@
                       <p:nvPr/>
                     </p:nvPicPr>
                     <p:blipFill>
-                      <a:blip r:embed="rId9">
+                      <a:blip r:embed="rId8">
                         <a:extLst>
                           <a:ext uri="{28A0092B-C50C-407E-A947-70E740481C1C}">
                             <a14:useLocalDpi xmlns:a14="http://schemas.microsoft.com/office/drawing/2010/main" val="0"/>
@@ -15501,7 +17992,7 @@
           <a:graphicData uri="http://schemas.openxmlformats.org/presentationml/2006/ole">
             <mc:AlternateContent xmlns:mc="http://schemas.openxmlformats.org/markup-compatibility/2006">
               <mc:Choice xmlns:v="urn:schemas-microsoft-com:vml" Requires="v">
-                <p:oleObj spid="_x0000_s19478" name="Equation" r:id="rId4" imgW="126720" imgH="177480" progId="Equation.3">
+                <p:oleObj name="Equation" r:id="rId4" imgW="126720" imgH="177480" progId="Equation.3">
                   <p:embed/>
                 </p:oleObj>
               </mc:Choice>
@@ -15596,7 +18087,7 @@
           <a:graphicData uri="http://schemas.openxmlformats.org/presentationml/2006/ole">
             <mc:AlternateContent xmlns:mc="http://schemas.openxmlformats.org/markup-compatibility/2006">
               <mc:Choice xmlns:v="urn:schemas-microsoft-com:vml" Requires="v">
-                <p:oleObj spid="_x0000_s19479" name="Equation" r:id="rId6" imgW="126720" imgH="126720" progId="Equation.3">
+                <p:oleObj name="Equation" r:id="rId6" imgW="126720" imgH="126720" progId="Equation.3">
                   <p:embed/>
                 </p:oleObj>
               </mc:Choice>
@@ -16509,7 +19000,7 @@
           <a:graphicData uri="http://schemas.openxmlformats.org/presentationml/2006/ole">
             <mc:AlternateContent xmlns:mc="http://schemas.openxmlformats.org/markup-compatibility/2006">
               <mc:Choice xmlns:v="urn:schemas-microsoft-com:vml" Requires="v">
-                <p:oleObj spid="_x0000_s19480" name="Equation" r:id="rId8" imgW="253800" imgH="419040" progId="Equation.3">
+                <p:oleObj name="Equation" r:id="rId8" imgW="253800" imgH="419040" progId="Equation.3">
                   <p:embed/>
                 </p:oleObj>
               </mc:Choice>
@@ -16623,6 +19114,262 @@
         </p:nvSpPr>
         <p:spPr>
           <a:xfrm>
+            <a:off x="575184" y="533400"/>
+            <a:ext cx="8229600" cy="1143000"/>
+          </a:xfrm>
+        </p:spPr>
+        <p:txBody>
+          <a:bodyPr/>
+          <a:lstStyle/>
+          <a:p>
+            <a:r>
+              <a:rPr lang="en-US" altLang="en-US" sz="3200" dirty="0">
+                <a:solidFill>
+                  <a:schemeClr val="accent2"/>
+                </a:solidFill>
+              </a:rPr>
+              <a:t>Henry Philibert Gaspard Darcy</a:t>
+            </a:r>
+          </a:p>
+        </p:txBody>
+      </p:sp>
+      <p:sp>
+        <p:nvSpPr>
+          <p:cNvPr id="3085" name="Text Box 13"/>
+          <p:cNvSpPr txBox="1">
+            <a:spLocks noChangeArrowheads="1"/>
+          </p:cNvSpPr>
+          <p:nvPr/>
+        </p:nvSpPr>
+        <p:spPr bwMode="auto">
+          <a:xfrm>
+            <a:off x="1508125" y="3313113"/>
+            <a:ext cx="5654675" cy="366712"/>
+          </a:xfrm>
+          <a:prstGeom prst="rect">
+            <a:avLst/>
+          </a:prstGeom>
+          <a:noFill/>
+          <a:ln>
+            <a:noFill/>
+          </a:ln>
+          <a:effectLst/>
+          <a:extLst>
+            <a:ext uri="{909E8E84-426E-40DD-AFC4-6F175D3DCCD1}">
+              <a14:hiddenFill xmlns:a14="http://schemas.microsoft.com/office/drawing/2010/main">
+                <a:solidFill>
+                  <a:schemeClr val="accent1"/>
+                </a:solidFill>
+              </a14:hiddenFill>
+            </a:ext>
+            <a:ext uri="{91240B29-F687-4F45-9708-019B960494DF}">
+              <a14:hiddenLine xmlns:a14="http://schemas.microsoft.com/office/drawing/2010/main" w="9525">
+                <a:solidFill>
+                  <a:schemeClr val="tx1"/>
+                </a:solidFill>
+                <a:miter lim="800000"/>
+                <a:headEnd/>
+                <a:tailEnd/>
+              </a14:hiddenLine>
+            </a:ext>
+            <a:ext uri="{AF507438-7753-43E0-B8FC-AC1667EBCBE1}">
+              <a14:hiddenEffects xmlns:a14="http://schemas.microsoft.com/office/drawing/2010/main">
+                <a:effectLst>
+                  <a:outerShdw dist="35921" dir="2700000" algn="ctr" rotWithShape="0">
+                    <a:schemeClr val="bg2"/>
+                  </a:outerShdw>
+                </a:effectLst>
+              </a14:hiddenEffects>
+            </a:ext>
+          </a:extLst>
+        </p:spPr>
+        <p:txBody>
+          <a:bodyPr>
+            <a:spAutoFit/>
+          </a:bodyPr>
+          <a:lstStyle/>
+          <a:p>
+            <a:endParaRPr lang="en-US" altLang="en-US"/>
+          </a:p>
+        </p:txBody>
+      </p:sp>
+      <p:pic>
+        <p:nvPicPr>
+          <p:cNvPr id="2" name="Picture 1">
+            <a:extLst>
+              <a:ext uri="{FF2B5EF4-FFF2-40B4-BE49-F238E27FC236}">
+                <a16:creationId xmlns:a16="http://schemas.microsoft.com/office/drawing/2014/main" id="{95891D45-3EF6-39AF-169B-526DDCE17E36}"/>
+              </a:ext>
+            </a:extLst>
+          </p:cNvPr>
+          <p:cNvPicPr>
+            <a:picLocks noChangeAspect="1"/>
+          </p:cNvPicPr>
+          <p:nvPr/>
+        </p:nvPicPr>
+        <p:blipFill>
+          <a:blip r:embed="rId3"/>
+          <a:stretch>
+            <a:fillRect/>
+          </a:stretch>
+        </p:blipFill>
+        <p:spPr>
+          <a:xfrm>
+            <a:off x="54836" y="146050"/>
+            <a:ext cx="1809750" cy="2524125"/>
+          </a:xfrm>
+          <a:prstGeom prst="rect">
+            <a:avLst/>
+          </a:prstGeom>
+        </p:spPr>
+      </p:pic>
+      <p:pic>
+        <p:nvPicPr>
+          <p:cNvPr id="3" name="Picture 2">
+            <a:extLst>
+              <a:ext uri="{FF2B5EF4-FFF2-40B4-BE49-F238E27FC236}">
+                <a16:creationId xmlns:a16="http://schemas.microsoft.com/office/drawing/2014/main" id="{D4653D9F-9BF4-0887-D3B7-93FA2D6D3DE3}"/>
+              </a:ext>
+            </a:extLst>
+          </p:cNvPr>
+          <p:cNvPicPr>
+            <a:picLocks noChangeAspect="1"/>
+          </p:cNvPicPr>
+          <p:nvPr/>
+        </p:nvPicPr>
+        <p:blipFill>
+          <a:blip r:embed="rId4"/>
+          <a:stretch>
+            <a:fillRect/>
+          </a:stretch>
+        </p:blipFill>
+        <p:spPr>
+          <a:xfrm>
+            <a:off x="5788885" y="1805146"/>
+            <a:ext cx="3300279" cy="4924107"/>
+          </a:xfrm>
+          <a:prstGeom prst="rect">
+            <a:avLst/>
+          </a:prstGeom>
+        </p:spPr>
+      </p:pic>
+      <p:sp>
+        <p:nvSpPr>
+          <p:cNvPr id="7" name="Content Placeholder 6">
+            <a:extLst>
+              <a:ext uri="{FF2B5EF4-FFF2-40B4-BE49-F238E27FC236}">
+                <a16:creationId xmlns:a16="http://schemas.microsoft.com/office/drawing/2014/main" id="{AB63C042-24F3-D59C-FA89-B175863B9B6F}"/>
+              </a:ext>
+            </a:extLst>
+          </p:cNvPr>
+          <p:cNvSpPr>
+            <a:spLocks noGrp="1"/>
+          </p:cNvSpPr>
+          <p:nvPr>
+            <p:ph sz="half" idx="2"/>
+          </p:nvPr>
+        </p:nvSpPr>
+        <p:spPr>
+          <a:xfrm>
+            <a:off x="457200" y="2670175"/>
+            <a:ext cx="5132439" cy="3660934"/>
+          </a:xfrm>
+        </p:spPr>
+        <p:txBody>
+          <a:bodyPr>
+            <a:normAutofit fontScale="92500" lnSpcReduction="10000"/>
+          </a:bodyPr>
+          <a:lstStyle/>
+          <a:p>
+            <a:r>
+              <a:rPr lang="en-US" dirty="0"/>
+              <a:t>Experiments on flow of water through sand beds, (1856).</a:t>
+            </a:r>
+          </a:p>
+          <a:p>
+            <a:r>
+              <a:rPr lang="en-US" dirty="0"/>
+              <a:t>Four major influences</a:t>
+            </a:r>
+          </a:p>
+          <a:p>
+            <a:pPr lvl="1"/>
+            <a:r>
+              <a:rPr lang="en-US" dirty="0"/>
+              <a:t>Number of phases</a:t>
+            </a:r>
+          </a:p>
+          <a:p>
+            <a:pPr lvl="1"/>
+            <a:r>
+              <a:rPr lang="en-US" dirty="0"/>
+              <a:t>Fluid compressibility</a:t>
+            </a:r>
+          </a:p>
+          <a:p>
+            <a:pPr lvl="1"/>
+            <a:r>
+              <a:rPr lang="en-US" dirty="0"/>
+              <a:t>System geometry</a:t>
+            </a:r>
+          </a:p>
+          <a:p>
+            <a:pPr lvl="1"/>
+            <a:r>
+              <a:rPr lang="en-US" dirty="0"/>
+              <a:t>Time</a:t>
+            </a:r>
+          </a:p>
+          <a:p>
+            <a:pPr marL="457200" lvl="1" indent="0">
+              <a:buNone/>
+            </a:pPr>
+            <a:endParaRPr lang="en-US" dirty="0"/>
+          </a:p>
+        </p:txBody>
+      </p:sp>
+    </p:spTree>
+    <p:extLst>
+      <p:ext uri="{BB962C8B-B14F-4D97-AF65-F5344CB8AC3E}">
+        <p14:creationId xmlns:p14="http://schemas.microsoft.com/office/powerpoint/2010/main" val="1977222511"/>
+      </p:ext>
+    </p:extLst>
+  </p:cSld>
+  <p:clrMapOvr>
+    <a:masterClrMapping/>
+  </p:clrMapOvr>
+</p:sld>
+</file>
+
+<file path=ppt/slides/slide6.xml><?xml version="1.0" encoding="utf-8"?>
+<p:sld xmlns:a="http://schemas.openxmlformats.org/drawingml/2006/main" xmlns:r="http://schemas.openxmlformats.org/officeDocument/2006/relationships" xmlns:p="http://schemas.openxmlformats.org/presentationml/2006/main">
+  <p:cSld>
+    <p:spTree>
+      <p:nvGrpSpPr>
+        <p:cNvPr id="1" name=""/>
+        <p:cNvGrpSpPr/>
+        <p:nvPr/>
+      </p:nvGrpSpPr>
+      <p:grpSpPr>
+        <a:xfrm>
+          <a:off x="0" y="0"/>
+          <a:ext cx="0" cy="0"/>
+          <a:chOff x="0" y="0"/>
+          <a:chExt cx="0" cy="0"/>
+        </a:xfrm>
+      </p:grpSpPr>
+      <p:sp>
+        <p:nvSpPr>
+          <p:cNvPr id="3074" name="Rectangle 2"/>
+          <p:cNvSpPr>
+            <a:spLocks noGrp="1" noChangeArrowheads="1"/>
+          </p:cNvSpPr>
+          <p:nvPr>
+            <p:ph type="title"/>
+          </p:nvPr>
+        </p:nvSpPr>
+        <p:spPr>
+          <a:xfrm>
             <a:off x="457200" y="533400"/>
             <a:ext cx="8229600" cy="1143000"/>
           </a:xfrm>
@@ -16675,12 +19422,12 @@
           <a:graphicData uri="http://schemas.openxmlformats.org/presentationml/2006/ole">
             <mc:AlternateContent xmlns:mc="http://schemas.openxmlformats.org/markup-compatibility/2006">
               <mc:Choice xmlns:v="urn:schemas-microsoft-com:vml" Requires="v">
-                <p:oleObj spid="_x0000_s20495" name="Equation" r:id="rId4" imgW="685800" imgH="393480" progId="Equation.3">
+                <p:oleObj name="Equation" r:id="rId3" imgW="685800" imgH="393480" progId="Equation.3">
                   <p:embed/>
                 </p:oleObj>
               </mc:Choice>
               <mc:Fallback>
-                <p:oleObj name="Equation" r:id="rId4" imgW="685800" imgH="393480" progId="Equation.3">
+                <p:oleObj name="Equation" r:id="rId3" imgW="685800" imgH="393480" progId="Equation.3">
                   <p:embed/>
                   <p:pic>
                     <p:nvPicPr>
@@ -16691,7 +19438,7 @@
                       <p:nvPr/>
                     </p:nvPicPr>
                     <p:blipFill>
-                      <a:blip r:embed="rId5">
+                      <a:blip r:embed="rId4">
                         <a:extLst>
                           <a:ext uri="{28A0092B-C50C-407E-A947-70E740481C1C}">
                             <a14:useLocalDpi xmlns:a14="http://schemas.microsoft.com/office/drawing/2010/main" val="0"/>
@@ -17025,12 +19772,12 @@
           <a:graphicData uri="http://schemas.openxmlformats.org/presentationml/2006/ole">
             <mc:AlternateContent xmlns:mc="http://schemas.openxmlformats.org/markup-compatibility/2006">
               <mc:Choice xmlns:v="urn:schemas-microsoft-com:vml" Requires="v">
-                <p:oleObj spid="_x0000_s20496" name="Equation" r:id="rId6" imgW="228600" imgH="393480" progId="Equation.3">
+                <p:oleObj name="Equation" r:id="rId5" imgW="228600" imgH="393480" progId="Equation.3">
                   <p:embed/>
                 </p:oleObj>
               </mc:Choice>
               <mc:Fallback>
-                <p:oleObj name="Equation" r:id="rId6" imgW="228600" imgH="393480" progId="Equation.3">
+                <p:oleObj name="Equation" r:id="rId5" imgW="228600" imgH="393480" progId="Equation.3">
                   <p:embed/>
                   <p:pic>
                     <p:nvPicPr>
@@ -17041,7 +19788,7 @@
                       <p:nvPr/>
                     </p:nvPicPr>
                     <p:blipFill>
-                      <a:blip r:embed="rId7">
+                      <a:blip r:embed="rId6">
                         <a:extLst>
                           <a:ext uri="{28A0092B-C50C-407E-A947-70E740481C1C}">
                             <a14:useLocalDpi xmlns:a14="http://schemas.microsoft.com/office/drawing/2010/main" val="0"/>
@@ -17110,7 +19857,7 @@
 </p:sld>
 </file>
 
-<file path=ppt/slides/slide6.xml><?xml version="1.0" encoding="utf-8"?>
+<file path=ppt/slides/slide7.xml><?xml version="1.0" encoding="utf-8"?>
 <p:sld xmlns:a="http://schemas.openxmlformats.org/drawingml/2006/main" xmlns:r="http://schemas.openxmlformats.org/officeDocument/2006/relationships" xmlns:p="http://schemas.openxmlformats.org/presentationml/2006/main">
   <p:cSld>
     <p:spTree>
@@ -17176,12 +19923,12 @@
           <a:graphicData uri="http://schemas.openxmlformats.org/presentationml/2006/ole">
             <mc:AlternateContent xmlns:mc="http://schemas.openxmlformats.org/markup-compatibility/2006">
               <mc:Choice xmlns:v="urn:schemas-microsoft-com:vml" Requires="v">
-                <p:oleObj spid="_x0000_s21554" name="Equation" r:id="rId3" imgW="139680" imgH="164880" progId="Equation.3">
+                <p:oleObj name="Equation" r:id="rId2" imgW="139680" imgH="164880" progId="Equation.3">
                   <p:embed/>
                 </p:oleObj>
               </mc:Choice>
               <mc:Fallback>
-                <p:oleObj name="Equation" r:id="rId3" imgW="139680" imgH="164880" progId="Equation.3">
+                <p:oleObj name="Equation" r:id="rId2" imgW="139680" imgH="164880" progId="Equation.3">
                   <p:embed/>
                   <p:pic>
                     <p:nvPicPr>
@@ -17192,7 +19939,7 @@
                       <p:nvPr/>
                     </p:nvPicPr>
                     <p:blipFill>
-                      <a:blip r:embed="rId4">
+                      <a:blip r:embed="rId3">
                         <a:extLst>
                           <a:ext uri="{28A0092B-C50C-407E-A947-70E740481C1C}">
                             <a14:useLocalDpi xmlns:a14="http://schemas.microsoft.com/office/drawing/2010/main" val="0"/>
@@ -17271,12 +20018,12 @@
           <a:graphicData uri="http://schemas.openxmlformats.org/presentationml/2006/ole">
             <mc:AlternateContent xmlns:mc="http://schemas.openxmlformats.org/markup-compatibility/2006">
               <mc:Choice xmlns:v="urn:schemas-microsoft-com:vml" Requires="v">
-                <p:oleObj spid="_x0000_s21555" name="Equation" r:id="rId5" imgW="126720" imgH="126720" progId="Equation.3">
+                <p:oleObj name="Equation" r:id="rId4" imgW="126720" imgH="126720" progId="Equation.3">
                   <p:embed/>
                 </p:oleObj>
               </mc:Choice>
               <mc:Fallback>
-                <p:oleObj name="Equation" r:id="rId5" imgW="126720" imgH="126720" progId="Equation.3">
+                <p:oleObj name="Equation" r:id="rId4" imgW="126720" imgH="126720" progId="Equation.3">
                   <p:embed/>
                   <p:pic>
                     <p:nvPicPr>
@@ -17287,7 +20034,7 @@
                       <p:nvPr/>
                     </p:nvPicPr>
                     <p:blipFill>
-                      <a:blip r:embed="rId6">
+                      <a:blip r:embed="rId5">
                         <a:extLst>
                           <a:ext uri="{28A0092B-C50C-407E-A947-70E740481C1C}">
                             <a14:useLocalDpi xmlns:a14="http://schemas.microsoft.com/office/drawing/2010/main" val="0"/>
@@ -17366,12 +20113,12 @@
           <a:graphicData uri="http://schemas.openxmlformats.org/presentationml/2006/ole">
             <mc:AlternateContent xmlns:mc="http://schemas.openxmlformats.org/markup-compatibility/2006">
               <mc:Choice xmlns:v="urn:schemas-microsoft-com:vml" Requires="v">
-                <p:oleObj spid="_x0000_s21556" name="Equation" r:id="rId7" imgW="126720" imgH="139680" progId="Equation.3">
+                <p:oleObj name="Equation" r:id="rId6" imgW="126720" imgH="139680" progId="Equation.3">
                   <p:embed/>
                 </p:oleObj>
               </mc:Choice>
               <mc:Fallback>
-                <p:oleObj name="Equation" r:id="rId7" imgW="126720" imgH="139680" progId="Equation.3">
+                <p:oleObj name="Equation" r:id="rId6" imgW="126720" imgH="139680" progId="Equation.3">
                   <p:embed/>
                   <p:pic>
                     <p:nvPicPr>
@@ -17382,7 +20129,7 @@
                       <p:nvPr/>
                     </p:nvPicPr>
                     <p:blipFill>
-                      <a:blip r:embed="rId8">
+                      <a:blip r:embed="rId7">
                         <a:extLst>
                           <a:ext uri="{28A0092B-C50C-407E-A947-70E740481C1C}">
                             <a14:useLocalDpi xmlns:a14="http://schemas.microsoft.com/office/drawing/2010/main" val="0"/>
@@ -17974,12 +20721,12 @@
           <a:graphicData uri="http://schemas.openxmlformats.org/presentationml/2006/ole">
             <mc:AlternateContent xmlns:mc="http://schemas.openxmlformats.org/markup-compatibility/2006">
               <mc:Choice xmlns:v="urn:schemas-microsoft-com:vml" Requires="v">
-                <p:oleObj spid="_x0000_s21557" name="Equation" r:id="rId9" imgW="177480" imgH="228600" progId="Equation.3">
+                <p:oleObj name="Equation" r:id="rId8" imgW="177480" imgH="228600" progId="Equation.3">
                   <p:embed/>
                 </p:oleObj>
               </mc:Choice>
               <mc:Fallback>
-                <p:oleObj name="Equation" r:id="rId9" imgW="177480" imgH="228600" progId="Equation.3">
+                <p:oleObj name="Equation" r:id="rId8" imgW="177480" imgH="228600" progId="Equation.3">
                   <p:embed/>
                   <p:pic>
                     <p:nvPicPr>
@@ -17990,7 +20737,7 @@
                       <p:nvPr/>
                     </p:nvPicPr>
                     <p:blipFill>
-                      <a:blip r:embed="rId10">
+                      <a:blip r:embed="rId9">
                         <a:extLst>
                           <a:ext uri="{28A0092B-C50C-407E-A947-70E740481C1C}">
                             <a14:useLocalDpi xmlns:a14="http://schemas.microsoft.com/office/drawing/2010/main" val="0"/>
@@ -18067,12 +20814,12 @@
           <a:graphicData uri="http://schemas.openxmlformats.org/presentationml/2006/ole">
             <mc:AlternateContent xmlns:mc="http://schemas.openxmlformats.org/markup-compatibility/2006">
               <mc:Choice xmlns:v="urn:schemas-microsoft-com:vml" Requires="v">
-                <p:oleObj spid="_x0000_s21558" name="Equation" r:id="rId11" imgW="177480" imgH="241200" progId="Equation.3">
+                <p:oleObj name="Equation" r:id="rId10" imgW="177480" imgH="241200" progId="Equation.3">
                   <p:embed/>
                 </p:oleObj>
               </mc:Choice>
               <mc:Fallback>
-                <p:oleObj name="Equation" r:id="rId11" imgW="177480" imgH="241200" progId="Equation.3">
+                <p:oleObj name="Equation" r:id="rId10" imgW="177480" imgH="241200" progId="Equation.3">
                   <p:embed/>
                   <p:pic>
                     <p:nvPicPr>
@@ -18083,7 +20830,7 @@
                       <p:nvPr/>
                     </p:nvPicPr>
                     <p:blipFill>
-                      <a:blip r:embed="rId12">
+                      <a:blip r:embed="rId11">
                         <a:extLst>
                           <a:ext uri="{28A0092B-C50C-407E-A947-70E740481C1C}">
                             <a14:useLocalDpi xmlns:a14="http://schemas.microsoft.com/office/drawing/2010/main" val="0"/>
@@ -18160,12 +20907,12 @@
           <a:graphicData uri="http://schemas.openxmlformats.org/presentationml/2006/ole">
             <mc:AlternateContent xmlns:mc="http://schemas.openxmlformats.org/markup-compatibility/2006">
               <mc:Choice xmlns:v="urn:schemas-microsoft-com:vml" Requires="v">
-                <p:oleObj spid="_x0000_s21559" name="Equation" r:id="rId13" imgW="164880" imgH="215640" progId="Equation.3">
+                <p:oleObj name="Equation" r:id="rId12" imgW="164880" imgH="215640" progId="Equation.3">
                   <p:embed/>
                 </p:oleObj>
               </mc:Choice>
               <mc:Fallback>
-                <p:oleObj name="Equation" r:id="rId13" imgW="164880" imgH="215640" progId="Equation.3">
+                <p:oleObj name="Equation" r:id="rId12" imgW="164880" imgH="215640" progId="Equation.3">
                   <p:embed/>
                   <p:pic>
                     <p:nvPicPr>
@@ -18176,7 +20923,7 @@
                       <p:nvPr/>
                     </p:nvPicPr>
                     <p:blipFill>
-                      <a:blip r:embed="rId14">
+                      <a:blip r:embed="rId13">
                         <a:extLst>
                           <a:ext uri="{28A0092B-C50C-407E-A947-70E740481C1C}">
                             <a14:useLocalDpi xmlns:a14="http://schemas.microsoft.com/office/drawing/2010/main" val="0"/>
@@ -18301,12 +21048,12 @@
           <a:graphicData uri="http://schemas.openxmlformats.org/presentationml/2006/ole">
             <mc:AlternateContent xmlns:mc="http://schemas.openxmlformats.org/markup-compatibility/2006">
               <mc:Choice xmlns:v="urn:schemas-microsoft-com:vml" Requires="v">
-                <p:oleObj spid="_x0000_s21560" name="Equation" r:id="rId15" imgW="901440" imgH="241200" progId="Equation.3">
+                <p:oleObj name="Equation" r:id="rId14" imgW="901440" imgH="241200" progId="Equation.3">
                   <p:embed/>
                 </p:oleObj>
               </mc:Choice>
               <mc:Fallback>
-                <p:oleObj name="Equation" r:id="rId15" imgW="901440" imgH="241200" progId="Equation.3">
+                <p:oleObj name="Equation" r:id="rId14" imgW="901440" imgH="241200" progId="Equation.3">
                   <p:embed/>
                   <p:pic>
                     <p:nvPicPr>
@@ -18317,7 +21064,7 @@
                       <p:nvPr/>
                     </p:nvPicPr>
                     <p:blipFill>
-                      <a:blip r:embed="rId16">
+                      <a:blip r:embed="rId15">
                         <a:extLst>
                           <a:ext uri="{28A0092B-C50C-407E-A947-70E740481C1C}">
                             <a14:useLocalDpi xmlns:a14="http://schemas.microsoft.com/office/drawing/2010/main" val="0"/>
@@ -18386,7 +21133,7 @@
 </p:sld>
 </file>
 
-<file path=ppt/slides/slide7.xml><?xml version="1.0" encoding="utf-8"?>
+<file path=ppt/slides/slide8.xml><?xml version="1.0" encoding="utf-8"?>
 <p:sld xmlns:a="http://schemas.openxmlformats.org/drawingml/2006/main" xmlns:r="http://schemas.openxmlformats.org/officeDocument/2006/relationships" xmlns:p="http://schemas.openxmlformats.org/presentationml/2006/main">
   <p:cSld>
     <p:spTree>
@@ -18452,12 +21199,12 @@
           <a:graphicData uri="http://schemas.openxmlformats.org/presentationml/2006/ole">
             <mc:AlternateContent xmlns:mc="http://schemas.openxmlformats.org/markup-compatibility/2006">
               <mc:Choice xmlns:v="urn:schemas-microsoft-com:vml" Requires="v">
-                <p:oleObj spid="_x0000_s22578" name="Equation" r:id="rId4" imgW="1930320" imgH="419040" progId="Equation.3">
+                <p:oleObj name="Equation" r:id="rId3" imgW="1930320" imgH="419040" progId="Equation.3">
                   <p:embed/>
                 </p:oleObj>
               </mc:Choice>
               <mc:Fallback>
-                <p:oleObj name="Equation" r:id="rId4" imgW="1930320" imgH="419040" progId="Equation.3">
+                <p:oleObj name="Equation" r:id="rId3" imgW="1930320" imgH="419040" progId="Equation.3">
                   <p:embed/>
                   <p:pic>
                     <p:nvPicPr>
@@ -18468,7 +21215,7 @@
                       <p:nvPr/>
                     </p:nvPicPr>
                     <p:blipFill>
-                      <a:blip r:embed="rId5">
+                      <a:blip r:embed="rId4">
                         <a:extLst>
                           <a:ext uri="{28A0092B-C50C-407E-A947-70E740481C1C}">
                             <a14:useLocalDpi xmlns:a14="http://schemas.microsoft.com/office/drawing/2010/main" val="0"/>
@@ -18547,12 +21294,12 @@
           <a:graphicData uri="http://schemas.openxmlformats.org/presentationml/2006/ole">
             <mc:AlternateContent xmlns:mc="http://schemas.openxmlformats.org/markup-compatibility/2006">
               <mc:Choice xmlns:v="urn:schemas-microsoft-com:vml" Requires="v">
-                <p:oleObj spid="_x0000_s22579" name="Equation" r:id="rId6" imgW="1955520" imgH="419040" progId="Equation.3">
+                <p:oleObj name="Equation" r:id="rId5" imgW="1955520" imgH="419040" progId="Equation.3">
                   <p:embed/>
                 </p:oleObj>
               </mc:Choice>
               <mc:Fallback>
-                <p:oleObj name="Equation" r:id="rId6" imgW="1955520" imgH="419040" progId="Equation.3">
+                <p:oleObj name="Equation" r:id="rId5" imgW="1955520" imgH="419040" progId="Equation.3">
                   <p:embed/>
                   <p:pic>
                     <p:nvPicPr>
@@ -18563,7 +21310,7 @@
                       <p:nvPr/>
                     </p:nvPicPr>
                     <p:blipFill>
-                      <a:blip r:embed="rId7">
+                      <a:blip r:embed="rId6">
                         <a:extLst>
                           <a:ext uri="{28A0092B-C50C-407E-A947-70E740481C1C}">
                             <a14:useLocalDpi xmlns:a14="http://schemas.microsoft.com/office/drawing/2010/main" val="0"/>
@@ -18642,12 +21389,12 @@
           <a:graphicData uri="http://schemas.openxmlformats.org/presentationml/2006/ole">
             <mc:AlternateContent xmlns:mc="http://schemas.openxmlformats.org/markup-compatibility/2006">
               <mc:Choice xmlns:v="urn:schemas-microsoft-com:vml" Requires="v">
-                <p:oleObj spid="_x0000_s22580" name="Equation" r:id="rId8" imgW="1917360" imgH="419040" progId="Equation.3">
+                <p:oleObj name="Equation" r:id="rId7" imgW="1917360" imgH="419040" progId="Equation.3">
                   <p:embed/>
                 </p:oleObj>
               </mc:Choice>
               <mc:Fallback>
-                <p:oleObj name="Equation" r:id="rId8" imgW="1917360" imgH="419040" progId="Equation.3">
+                <p:oleObj name="Equation" r:id="rId7" imgW="1917360" imgH="419040" progId="Equation.3">
                   <p:embed/>
                   <p:pic>
                     <p:nvPicPr>
@@ -18658,7 +21405,7 @@
                       <p:nvPr/>
                     </p:nvPicPr>
                     <p:blipFill>
-                      <a:blip r:embed="rId9">
+                      <a:blip r:embed="rId8">
                         <a:extLst>
                           <a:ext uri="{28A0092B-C50C-407E-A947-70E740481C1C}">
                             <a14:useLocalDpi xmlns:a14="http://schemas.microsoft.com/office/drawing/2010/main" val="0"/>
@@ -18987,12 +21734,12 @@
           <a:graphicData uri="http://schemas.openxmlformats.org/presentationml/2006/ole">
             <mc:AlternateContent xmlns:mc="http://schemas.openxmlformats.org/markup-compatibility/2006">
               <mc:Choice xmlns:v="urn:schemas-microsoft-com:vml" Requires="v">
-                <p:oleObj spid="_x0000_s22581" name="Equation" r:id="rId10" imgW="330120" imgH="228600" progId="Equation.3">
+                <p:oleObj name="Equation" r:id="rId9" imgW="330120" imgH="228600" progId="Equation.3">
                   <p:embed/>
                 </p:oleObj>
               </mc:Choice>
               <mc:Fallback>
-                <p:oleObj name="Equation" r:id="rId10" imgW="330120" imgH="228600" progId="Equation.3">
+                <p:oleObj name="Equation" r:id="rId9" imgW="330120" imgH="228600" progId="Equation.3">
                   <p:embed/>
                   <p:pic>
                     <p:nvPicPr>
@@ -19003,7 +21750,7 @@
                       <p:nvPr/>
                     </p:nvPicPr>
                     <p:blipFill>
-                      <a:blip r:embed="rId11">
+                      <a:blip r:embed="rId10">
                         <a:extLst>
                           <a:ext uri="{28A0092B-C50C-407E-A947-70E740481C1C}">
                             <a14:useLocalDpi xmlns:a14="http://schemas.microsoft.com/office/drawing/2010/main" val="0"/>
@@ -19080,12 +21827,12 @@
           <a:graphicData uri="http://schemas.openxmlformats.org/presentationml/2006/ole">
             <mc:AlternateContent xmlns:mc="http://schemas.openxmlformats.org/markup-compatibility/2006">
               <mc:Choice xmlns:v="urn:schemas-microsoft-com:vml" Requires="v">
-                <p:oleObj spid="_x0000_s22582" name="Equation" r:id="rId12" imgW="317160" imgH="228600" progId="Equation.3">
+                <p:oleObj name="Equation" r:id="rId11" imgW="317160" imgH="228600" progId="Equation.3">
                   <p:embed/>
                 </p:oleObj>
               </mc:Choice>
               <mc:Fallback>
-                <p:oleObj name="Equation" r:id="rId12" imgW="317160" imgH="228600" progId="Equation.3">
+                <p:oleObj name="Equation" r:id="rId11" imgW="317160" imgH="228600" progId="Equation.3">
                   <p:embed/>
                   <p:pic>
                     <p:nvPicPr>
@@ -19096,7 +21843,7 @@
                       <p:nvPr/>
                     </p:nvPicPr>
                     <p:blipFill>
-                      <a:blip r:embed="rId13">
+                      <a:blip r:embed="rId12">
                         <a:extLst>
                           <a:ext uri="{28A0092B-C50C-407E-A947-70E740481C1C}">
                             <a14:useLocalDpi xmlns:a14="http://schemas.microsoft.com/office/drawing/2010/main" val="0"/>
@@ -19173,12 +21920,12 @@
           <a:graphicData uri="http://schemas.openxmlformats.org/presentationml/2006/ole">
             <mc:AlternateContent xmlns:mc="http://schemas.openxmlformats.org/markup-compatibility/2006">
               <mc:Choice xmlns:v="urn:schemas-microsoft-com:vml" Requires="v">
-                <p:oleObj spid="_x0000_s22583" name="Equation" r:id="rId14" imgW="126720" imgH="139680" progId="Equation.3">
+                <p:oleObj name="Equation" r:id="rId13" imgW="126720" imgH="139680" progId="Equation.3">
                   <p:embed/>
                 </p:oleObj>
               </mc:Choice>
               <mc:Fallback>
-                <p:oleObj name="Equation" r:id="rId14" imgW="126720" imgH="139680" progId="Equation.3">
+                <p:oleObj name="Equation" r:id="rId13" imgW="126720" imgH="139680" progId="Equation.3">
                   <p:embed/>
                   <p:pic>
                     <p:nvPicPr>
@@ -19189,7 +21936,7 @@
                       <p:nvPr/>
                     </p:nvPicPr>
                     <p:blipFill>
-                      <a:blip r:embed="rId15">
+                      <a:blip r:embed="rId14">
                         <a:extLst>
                           <a:ext uri="{28A0092B-C50C-407E-A947-70E740481C1C}">
                             <a14:useLocalDpi xmlns:a14="http://schemas.microsoft.com/office/drawing/2010/main" val="0"/>
@@ -19266,12 +22013,12 @@
           <a:graphicData uri="http://schemas.openxmlformats.org/presentationml/2006/ole">
             <mc:AlternateContent xmlns:mc="http://schemas.openxmlformats.org/markup-compatibility/2006">
               <mc:Choice xmlns:v="urn:schemas-microsoft-com:vml" Requires="v">
-                <p:oleObj spid="_x0000_s22584" name="Equation" r:id="rId16" imgW="139680" imgH="164880" progId="Equation.3">
+                <p:oleObj name="Equation" r:id="rId15" imgW="139680" imgH="164880" progId="Equation.3">
                   <p:embed/>
                 </p:oleObj>
               </mc:Choice>
               <mc:Fallback>
-                <p:oleObj name="Equation" r:id="rId16" imgW="139680" imgH="164880" progId="Equation.3">
+                <p:oleObj name="Equation" r:id="rId15" imgW="139680" imgH="164880" progId="Equation.3">
                   <p:embed/>
                   <p:pic>
                     <p:nvPicPr>
@@ -19282,7 +22029,7 @@
                       <p:nvPr/>
                     </p:nvPicPr>
                     <p:blipFill>
-                      <a:blip r:embed="rId17">
+                      <a:blip r:embed="rId16">
                         <a:extLst>
                           <a:ext uri="{28A0092B-C50C-407E-A947-70E740481C1C}">
                             <a14:useLocalDpi xmlns:a14="http://schemas.microsoft.com/office/drawing/2010/main" val="0"/>
@@ -19863,7 +22610,7 @@
 </p:sld>
 </file>
 
-<file path=ppt/slides/slide8.xml><?xml version="1.0" encoding="utf-8"?>
+<file path=ppt/slides/slide9.xml><?xml version="1.0" encoding="utf-8"?>
 <p:sld xmlns:a="http://schemas.openxmlformats.org/drawingml/2006/main" xmlns:r="http://schemas.openxmlformats.org/officeDocument/2006/relationships" xmlns:p="http://schemas.openxmlformats.org/presentationml/2006/main">
   <p:cSld>
     <p:spTree>
@@ -19975,12 +22722,12 @@
           <a:graphicData uri="http://schemas.openxmlformats.org/presentationml/2006/ole">
             <mc:AlternateContent xmlns:mc="http://schemas.openxmlformats.org/markup-compatibility/2006">
               <mc:Choice xmlns:v="urn:schemas-microsoft-com:vml" Requires="v">
-                <p:oleObj spid="_x0000_s23602" name="Equation" r:id="rId4" imgW="850680" imgH="393480" progId="Equation.3">
+                <p:oleObj name="Equation" r:id="rId3" imgW="850680" imgH="393480" progId="Equation.3">
                   <p:embed/>
                 </p:oleObj>
               </mc:Choice>
               <mc:Fallback>
-                <p:oleObj name="Equation" r:id="rId4" imgW="850680" imgH="393480" progId="Equation.3">
+                <p:oleObj name="Equation" r:id="rId3" imgW="850680" imgH="393480" progId="Equation.3">
                   <p:embed/>
                   <p:pic>
                     <p:nvPicPr>
@@ -19991,7 +22738,7 @@
                       <p:nvPr/>
                     </p:nvPicPr>
                     <p:blipFill>
-                      <a:blip r:embed="rId5">
+                      <a:blip r:embed="rId4">
                         <a:extLst>
                           <a:ext uri="{28A0092B-C50C-407E-A947-70E740481C1C}">
                             <a14:useLocalDpi xmlns:a14="http://schemas.microsoft.com/office/drawing/2010/main" val="0"/>
@@ -20068,12 +22815,12 @@
           <a:graphicData uri="http://schemas.openxmlformats.org/presentationml/2006/ole">
             <mc:AlternateContent xmlns:mc="http://schemas.openxmlformats.org/markup-compatibility/2006">
               <mc:Choice xmlns:v="urn:schemas-microsoft-com:vml" Requires="v">
-                <p:oleObj spid="_x0000_s23603" name="Equation" r:id="rId6" imgW="863280" imgH="419040" progId="Equation.3">
+                <p:oleObj name="Equation" r:id="rId5" imgW="863280" imgH="419040" progId="Equation.3">
                   <p:embed/>
                 </p:oleObj>
               </mc:Choice>
               <mc:Fallback>
-                <p:oleObj name="Equation" r:id="rId6" imgW="863280" imgH="419040" progId="Equation.3">
+                <p:oleObj name="Equation" r:id="rId5" imgW="863280" imgH="419040" progId="Equation.3">
                   <p:embed/>
                   <p:pic>
                     <p:nvPicPr>
@@ -20084,7 +22831,7 @@
                       <p:nvPr/>
                     </p:nvPicPr>
                     <p:blipFill>
-                      <a:blip r:embed="rId7">
+                      <a:blip r:embed="rId6">
                         <a:extLst>
                           <a:ext uri="{28A0092B-C50C-407E-A947-70E740481C1C}">
                             <a14:useLocalDpi xmlns:a14="http://schemas.microsoft.com/office/drawing/2010/main" val="0"/>
@@ -20161,12 +22908,12 @@
           <a:graphicData uri="http://schemas.openxmlformats.org/presentationml/2006/ole">
             <mc:AlternateContent xmlns:mc="http://schemas.openxmlformats.org/markup-compatibility/2006">
               <mc:Choice xmlns:v="urn:schemas-microsoft-com:vml" Requires="v">
-                <p:oleObj spid="_x0000_s23604" name="Equation" r:id="rId8" imgW="838080" imgH="393480" progId="Equation.3">
+                <p:oleObj name="Equation" r:id="rId7" imgW="838080" imgH="393480" progId="Equation.3">
                   <p:embed/>
                 </p:oleObj>
               </mc:Choice>
               <mc:Fallback>
-                <p:oleObj name="Equation" r:id="rId8" imgW="838080" imgH="393480" progId="Equation.3">
+                <p:oleObj name="Equation" r:id="rId7" imgW="838080" imgH="393480" progId="Equation.3">
                   <p:embed/>
                   <p:pic>
                     <p:nvPicPr>
@@ -20177,7 +22924,7 @@
                       <p:nvPr/>
                     </p:nvPicPr>
                     <p:blipFill>
-                      <a:blip r:embed="rId9">
+                      <a:blip r:embed="rId8">
                         <a:extLst>
                           <a:ext uri="{28A0092B-C50C-407E-A947-70E740481C1C}">
                             <a14:useLocalDpi xmlns:a14="http://schemas.microsoft.com/office/drawing/2010/main" val="0"/>
@@ -20458,12 +23205,12 @@
           <a:graphicData uri="http://schemas.openxmlformats.org/presentationml/2006/ole">
             <mc:AlternateContent xmlns:mc="http://schemas.openxmlformats.org/markup-compatibility/2006">
               <mc:Choice xmlns:v="urn:schemas-microsoft-com:vml" Requires="v">
-                <p:oleObj spid="_x0000_s23605" name="Equation" r:id="rId10" imgW="330120" imgH="228600" progId="Equation.3">
+                <p:oleObj name="Equation" r:id="rId9" imgW="330120" imgH="228600" progId="Equation.3">
                   <p:embed/>
                 </p:oleObj>
               </mc:Choice>
               <mc:Fallback>
-                <p:oleObj name="Equation" r:id="rId10" imgW="330120" imgH="228600" progId="Equation.3">
+                <p:oleObj name="Equation" r:id="rId9" imgW="330120" imgH="228600" progId="Equation.3">
                   <p:embed/>
                   <p:pic>
                     <p:nvPicPr>
@@ -20474,7 +23221,7 @@
                       <p:nvPr/>
                     </p:nvPicPr>
                     <p:blipFill>
-                      <a:blip r:embed="rId11">
+                      <a:blip r:embed="rId10">
                         <a:extLst>
                           <a:ext uri="{28A0092B-C50C-407E-A947-70E740481C1C}">
                             <a14:useLocalDpi xmlns:a14="http://schemas.microsoft.com/office/drawing/2010/main" val="0"/>
@@ -20551,12 +23298,12 @@
           <a:graphicData uri="http://schemas.openxmlformats.org/presentationml/2006/ole">
             <mc:AlternateContent xmlns:mc="http://schemas.openxmlformats.org/markup-compatibility/2006">
               <mc:Choice xmlns:v="urn:schemas-microsoft-com:vml" Requires="v">
-                <p:oleObj spid="_x0000_s23606" name="Equation" r:id="rId12" imgW="317160" imgH="228600" progId="Equation.3">
+                <p:oleObj name="Equation" r:id="rId11" imgW="317160" imgH="228600" progId="Equation.3">
                   <p:embed/>
                 </p:oleObj>
               </mc:Choice>
               <mc:Fallback>
-                <p:oleObj name="Equation" r:id="rId12" imgW="317160" imgH="228600" progId="Equation.3">
+                <p:oleObj name="Equation" r:id="rId11" imgW="317160" imgH="228600" progId="Equation.3">
                   <p:embed/>
                   <p:pic>
                     <p:nvPicPr>
@@ -20567,7 +23314,7 @@
                       <p:nvPr/>
                     </p:nvPicPr>
                     <p:blipFill>
-                      <a:blip r:embed="rId13">
+                      <a:blip r:embed="rId12">
                         <a:extLst>
                           <a:ext uri="{28A0092B-C50C-407E-A947-70E740481C1C}">
                             <a14:useLocalDpi xmlns:a14="http://schemas.microsoft.com/office/drawing/2010/main" val="0"/>
@@ -20644,12 +23391,12 @@
           <a:graphicData uri="http://schemas.openxmlformats.org/presentationml/2006/ole">
             <mc:AlternateContent xmlns:mc="http://schemas.openxmlformats.org/markup-compatibility/2006">
               <mc:Choice xmlns:v="urn:schemas-microsoft-com:vml" Requires="v">
-                <p:oleObj spid="_x0000_s23607" name="Equation" r:id="rId14" imgW="126720" imgH="139680" progId="Equation.3">
+                <p:oleObj name="Equation" r:id="rId13" imgW="126720" imgH="139680" progId="Equation.3">
                   <p:embed/>
                 </p:oleObj>
               </mc:Choice>
               <mc:Fallback>
-                <p:oleObj name="Equation" r:id="rId14" imgW="126720" imgH="139680" progId="Equation.3">
+                <p:oleObj name="Equation" r:id="rId13" imgW="126720" imgH="139680" progId="Equation.3">
                   <p:embed/>
                   <p:pic>
                     <p:nvPicPr>
@@ -20660,7 +23407,7 @@
                       <p:nvPr/>
                     </p:nvPicPr>
                     <p:blipFill>
-                      <a:blip r:embed="rId15">
+                      <a:blip r:embed="rId14">
                         <a:extLst>
                           <a:ext uri="{28A0092B-C50C-407E-A947-70E740481C1C}">
                             <a14:useLocalDpi xmlns:a14="http://schemas.microsoft.com/office/drawing/2010/main" val="0"/>
@@ -20737,12 +23484,12 @@
           <a:graphicData uri="http://schemas.openxmlformats.org/presentationml/2006/ole">
             <mc:AlternateContent xmlns:mc="http://schemas.openxmlformats.org/markup-compatibility/2006">
               <mc:Choice xmlns:v="urn:schemas-microsoft-com:vml" Requires="v">
-                <p:oleObj spid="_x0000_s23608" name="Equation" r:id="rId16" imgW="139680" imgH="164880" progId="Equation.3">
+                <p:oleObj name="Equation" r:id="rId15" imgW="139680" imgH="164880" progId="Equation.3">
                   <p:embed/>
                 </p:oleObj>
               </mc:Choice>
               <mc:Fallback>
-                <p:oleObj name="Equation" r:id="rId16" imgW="139680" imgH="164880" progId="Equation.3">
+                <p:oleObj name="Equation" r:id="rId15" imgW="139680" imgH="164880" progId="Equation.3">
                   <p:embed/>
                   <p:pic>
                     <p:nvPicPr>
@@ -20753,7 +23500,7 @@
                       <p:nvPr/>
                     </p:nvPicPr>
                     <p:blipFill>
-                      <a:blip r:embed="rId17">
+                      <a:blip r:embed="rId16">
                         <a:extLst>
                           <a:ext uri="{28A0092B-C50C-407E-A947-70E740481C1C}">
                             <a14:useLocalDpi xmlns:a14="http://schemas.microsoft.com/office/drawing/2010/main" val="0"/>
@@ -21068,2400 +23815,6 @@
           </p:sp>
         </mc:Fallback>
       </mc:AlternateContent>
-    </p:spTree>
-  </p:cSld>
-  <p:clrMapOvr>
-    <a:masterClrMapping/>
-  </p:clrMapOvr>
-</p:sld>
-</file>
-
-<file path=ppt/slides/slide9.xml><?xml version="1.0" encoding="utf-8"?>
-<p:sld xmlns:a="http://schemas.openxmlformats.org/drawingml/2006/main" xmlns:r="http://schemas.openxmlformats.org/officeDocument/2006/relationships" xmlns:p="http://schemas.openxmlformats.org/presentationml/2006/main">
-  <p:cSld>
-    <p:spTree>
-      <p:nvGrpSpPr>
-        <p:cNvPr id="1" name=""/>
-        <p:cNvGrpSpPr/>
-        <p:nvPr/>
-      </p:nvGrpSpPr>
-      <p:grpSpPr>
-        <a:xfrm>
-          <a:off x="0" y="0"/>
-          <a:ext cx="0" cy="0"/>
-          <a:chOff x="0" y="0"/>
-          <a:chExt cx="0" cy="0"/>
-        </a:xfrm>
-      </p:grpSpPr>
-      <p:sp>
-        <p:nvSpPr>
-          <p:cNvPr id="35842" name="Rectangle 2"/>
-          <p:cNvSpPr>
-            <a:spLocks noGrp="1" noChangeArrowheads="1"/>
-          </p:cNvSpPr>
-          <p:nvPr>
-            <p:ph type="title"/>
-          </p:nvPr>
-        </p:nvSpPr>
-        <p:spPr/>
-        <p:txBody>
-          <a:bodyPr/>
-          <a:lstStyle/>
-          <a:p>
-            <a:r>
-              <a:rPr lang="en-US" altLang="en-US" sz="3600">
-                <a:solidFill>
-                  <a:schemeClr val="accent2"/>
-                </a:solidFill>
-              </a:rPr>
-              <a:t>The Groundwater Flow Equation</a:t>
-            </a:r>
-            <a:br>
-              <a:rPr lang="en-US" altLang="en-US" sz="3600">
-                <a:solidFill>
-                  <a:schemeClr val="accent2"/>
-                </a:solidFill>
-              </a:rPr>
-            </a:br>
-            <a:r>
-              <a:rPr lang="en-US" altLang="en-US" sz="3600">
-                <a:solidFill>
-                  <a:schemeClr val="accent2"/>
-                </a:solidFill>
-              </a:rPr>
-              <a:t>A Water Balance</a:t>
-            </a:r>
-          </a:p>
-        </p:txBody>
-      </p:sp>
-      <p:grpSp>
-        <p:nvGrpSpPr>
-          <p:cNvPr id="35876" name="Group 36"/>
-          <p:cNvGrpSpPr>
-            <a:grpSpLocks/>
-          </p:cNvGrpSpPr>
-          <p:nvPr/>
-        </p:nvGrpSpPr>
-        <p:grpSpPr bwMode="auto">
-          <a:xfrm>
-            <a:off x="1331913" y="2244725"/>
-            <a:ext cx="2852737" cy="3063875"/>
-            <a:chOff x="839" y="1414"/>
-            <a:chExt cx="1797" cy="1930"/>
-          </a:xfrm>
-        </p:grpSpPr>
-        <p:grpSp>
-          <p:nvGrpSpPr>
-            <p:cNvPr id="35871" name="Group 31"/>
-            <p:cNvGrpSpPr>
-              <a:grpSpLocks/>
-            </p:cNvGrpSpPr>
-            <p:nvPr/>
-          </p:nvGrpSpPr>
-          <p:grpSpPr bwMode="auto">
-            <a:xfrm>
-              <a:off x="839" y="1414"/>
-              <a:ext cx="1797" cy="1930"/>
-              <a:chOff x="974" y="1421"/>
-              <a:chExt cx="1797" cy="1930"/>
-            </a:xfrm>
-          </p:grpSpPr>
-          <p:sp>
-            <p:nvSpPr>
-              <p:cNvPr id="35850" name="Line 10"/>
-              <p:cNvSpPr>
-                <a:spLocks noChangeShapeType="1"/>
-              </p:cNvSpPr>
-              <p:nvPr/>
-            </p:nvSpPr>
-            <p:spPr bwMode="auto">
-              <a:xfrm>
-                <a:off x="1600" y="1728"/>
-                <a:ext cx="0" cy="960"/>
-              </a:xfrm>
-              <a:prstGeom prst="line">
-                <a:avLst/>
-              </a:prstGeom>
-              <a:noFill/>
-              <a:ln w="9525">
-                <a:solidFill>
-                  <a:schemeClr val="tx1"/>
-                </a:solidFill>
-                <a:round/>
-                <a:headEnd type="triangle" w="med" len="med"/>
-                <a:tailEnd/>
-              </a:ln>
-              <a:effectLst/>
-              <a:extLst>
-                <a:ext uri="{909E8E84-426E-40DD-AFC4-6F175D3DCCD1}">
-                  <a14:hiddenFill xmlns:a14="http://schemas.microsoft.com/office/drawing/2010/main">
-                    <a:noFill/>
-                  </a14:hiddenFill>
-                </a:ext>
-                <a:ext uri="{AF507438-7753-43E0-B8FC-AC1667EBCBE1}">
-                  <a14:hiddenEffects xmlns:a14="http://schemas.microsoft.com/office/drawing/2010/main">
-                    <a:effectLst>
-                      <a:outerShdw dist="35921" dir="2700000" algn="ctr" rotWithShape="0">
-                        <a:schemeClr val="bg2"/>
-                      </a:outerShdw>
-                    </a:effectLst>
-                  </a14:hiddenEffects>
-                </a:ext>
-              </a:extLst>
-            </p:spPr>
-            <p:txBody>
-              <a:bodyPr/>
-              <a:lstStyle/>
-              <a:p>
-                <a:endParaRPr lang="en-US"/>
-              </a:p>
-            </p:txBody>
-          </p:sp>
-          <p:sp>
-            <p:nvSpPr>
-              <p:cNvPr id="35851" name="Line 11"/>
-              <p:cNvSpPr>
-                <a:spLocks noChangeShapeType="1"/>
-              </p:cNvSpPr>
-              <p:nvPr/>
-            </p:nvSpPr>
-            <p:spPr bwMode="auto">
-              <a:xfrm>
-                <a:off x="1593" y="2695"/>
-                <a:ext cx="939" cy="0"/>
-              </a:xfrm>
-              <a:prstGeom prst="line">
-                <a:avLst/>
-              </a:prstGeom>
-              <a:noFill/>
-              <a:ln w="9525">
-                <a:solidFill>
-                  <a:schemeClr val="tx1"/>
-                </a:solidFill>
-                <a:round/>
-                <a:headEnd/>
-                <a:tailEnd type="triangle" w="med" len="med"/>
-              </a:ln>
-              <a:effectLst/>
-              <a:extLst>
-                <a:ext uri="{909E8E84-426E-40DD-AFC4-6F175D3DCCD1}">
-                  <a14:hiddenFill xmlns:a14="http://schemas.microsoft.com/office/drawing/2010/main">
-                    <a:noFill/>
-                  </a14:hiddenFill>
-                </a:ext>
-                <a:ext uri="{AF507438-7753-43E0-B8FC-AC1667EBCBE1}">
-                  <a14:hiddenEffects xmlns:a14="http://schemas.microsoft.com/office/drawing/2010/main">
-                    <a:effectLst>
-                      <a:outerShdw dist="35921" dir="2700000" algn="ctr" rotWithShape="0">
-                        <a:schemeClr val="bg2"/>
-                      </a:outerShdw>
-                    </a:effectLst>
-                  </a14:hiddenEffects>
-                </a:ext>
-              </a:extLst>
-            </p:spPr>
-            <p:txBody>
-              <a:bodyPr/>
-              <a:lstStyle/>
-              <a:p>
-                <a:endParaRPr lang="en-US"/>
-              </a:p>
-            </p:txBody>
-          </p:sp>
-          <p:sp>
-            <p:nvSpPr>
-              <p:cNvPr id="35852" name="Line 12"/>
-              <p:cNvSpPr>
-                <a:spLocks noChangeShapeType="1"/>
-              </p:cNvSpPr>
-              <p:nvPr/>
-            </p:nvSpPr>
-            <p:spPr bwMode="auto">
-              <a:xfrm flipH="1">
-                <a:off x="1130" y="2702"/>
-                <a:ext cx="455" cy="456"/>
-              </a:xfrm>
-              <a:prstGeom prst="line">
-                <a:avLst/>
-              </a:prstGeom>
-              <a:noFill/>
-              <a:ln w="9525">
-                <a:solidFill>
-                  <a:schemeClr val="tx1"/>
-                </a:solidFill>
-                <a:round/>
-                <a:headEnd/>
-                <a:tailEnd type="triangle" w="med" len="med"/>
-              </a:ln>
-              <a:effectLst/>
-              <a:extLst>
-                <a:ext uri="{909E8E84-426E-40DD-AFC4-6F175D3DCCD1}">
-                  <a14:hiddenFill xmlns:a14="http://schemas.microsoft.com/office/drawing/2010/main">
-                    <a:noFill/>
-                  </a14:hiddenFill>
-                </a:ext>
-                <a:ext uri="{AF507438-7753-43E0-B8FC-AC1667EBCBE1}">
-                  <a14:hiddenEffects xmlns:a14="http://schemas.microsoft.com/office/drawing/2010/main">
-                    <a:effectLst>
-                      <a:outerShdw dist="35921" dir="2700000" algn="ctr" rotWithShape="0">
-                        <a:schemeClr val="bg2"/>
-                      </a:outerShdw>
-                    </a:effectLst>
-                  </a14:hiddenEffects>
-                </a:ext>
-              </a:extLst>
-            </p:spPr>
-            <p:txBody>
-              <a:bodyPr/>
-              <a:lstStyle/>
-              <a:p>
-                <a:endParaRPr lang="en-US"/>
-              </a:p>
-            </p:txBody>
-          </p:sp>
-          <p:sp>
-            <p:nvSpPr>
-              <p:cNvPr id="35854" name="Text Box 14"/>
-              <p:cNvSpPr txBox="1">
-                <a:spLocks noChangeArrowheads="1"/>
-              </p:cNvSpPr>
-              <p:nvPr/>
-            </p:nvSpPr>
-            <p:spPr bwMode="auto">
-              <a:xfrm>
-                <a:off x="1506" y="1421"/>
-                <a:ext cx="201" cy="288"/>
-              </a:xfrm>
-              <a:prstGeom prst="rect">
-                <a:avLst/>
-              </a:prstGeom>
-              <a:noFill/>
-              <a:ln>
-                <a:noFill/>
-              </a:ln>
-              <a:effectLst/>
-              <a:extLst>
-                <a:ext uri="{909E8E84-426E-40DD-AFC4-6F175D3DCCD1}">
-                  <a14:hiddenFill xmlns:a14="http://schemas.microsoft.com/office/drawing/2010/main">
-                    <a:solidFill>
-                      <a:schemeClr val="accent1"/>
-                    </a:solidFill>
-                  </a14:hiddenFill>
-                </a:ext>
-                <a:ext uri="{91240B29-F687-4F45-9708-019B960494DF}">
-                  <a14:hiddenLine xmlns:a14="http://schemas.microsoft.com/office/drawing/2010/main" w="9525">
-                    <a:solidFill>
-                      <a:schemeClr val="tx1"/>
-                    </a:solidFill>
-                    <a:miter lim="800000"/>
-                    <a:headEnd/>
-                    <a:tailEnd/>
-                  </a14:hiddenLine>
-                </a:ext>
-                <a:ext uri="{AF507438-7753-43E0-B8FC-AC1667EBCBE1}">
-                  <a14:hiddenEffects xmlns:a14="http://schemas.microsoft.com/office/drawing/2010/main">
-                    <a:effectLst>
-                      <a:outerShdw dist="35921" dir="2700000" algn="ctr" rotWithShape="0">
-                        <a:schemeClr val="bg2"/>
-                      </a:outerShdw>
-                    </a:effectLst>
-                  </a14:hiddenEffects>
-                </a:ext>
-              </a:extLst>
-            </p:spPr>
-            <p:txBody>
-              <a:bodyPr wrap="none">
-                <a:spAutoFit/>
-              </a:bodyPr>
-              <a:lstStyle/>
-              <a:p>
-                <a:r>
-                  <a:rPr lang="en-US" altLang="en-US" sz="2400">
-                    <a:latin typeface="Times New Roman" panose="02020603050405020304" pitchFamily="18" charset="0"/>
-                  </a:rPr>
-                  <a:t>z</a:t>
-                </a:r>
-              </a:p>
-            </p:txBody>
-          </p:sp>
-          <p:sp>
-            <p:nvSpPr>
-              <p:cNvPr id="35855" name="Text Box 15"/>
-              <p:cNvSpPr txBox="1">
-                <a:spLocks noChangeArrowheads="1"/>
-              </p:cNvSpPr>
-              <p:nvPr/>
-            </p:nvSpPr>
-            <p:spPr bwMode="auto">
-              <a:xfrm>
-                <a:off x="2559" y="2502"/>
-                <a:ext cx="212" cy="288"/>
-              </a:xfrm>
-              <a:prstGeom prst="rect">
-                <a:avLst/>
-              </a:prstGeom>
-              <a:noFill/>
-              <a:ln>
-                <a:noFill/>
-              </a:ln>
-              <a:effectLst/>
-              <a:extLst>
-                <a:ext uri="{909E8E84-426E-40DD-AFC4-6F175D3DCCD1}">
-                  <a14:hiddenFill xmlns:a14="http://schemas.microsoft.com/office/drawing/2010/main">
-                    <a:solidFill>
-                      <a:schemeClr val="accent1"/>
-                    </a:solidFill>
-                  </a14:hiddenFill>
-                </a:ext>
-                <a:ext uri="{91240B29-F687-4F45-9708-019B960494DF}">
-                  <a14:hiddenLine xmlns:a14="http://schemas.microsoft.com/office/drawing/2010/main" w="9525">
-                    <a:solidFill>
-                      <a:schemeClr val="tx1"/>
-                    </a:solidFill>
-                    <a:miter lim="800000"/>
-                    <a:headEnd/>
-                    <a:tailEnd/>
-                  </a14:hiddenLine>
-                </a:ext>
-                <a:ext uri="{AF507438-7753-43E0-B8FC-AC1667EBCBE1}">
-                  <a14:hiddenEffects xmlns:a14="http://schemas.microsoft.com/office/drawing/2010/main">
-                    <a:effectLst>
-                      <a:outerShdw dist="35921" dir="2700000" algn="ctr" rotWithShape="0">
-                        <a:schemeClr val="bg2"/>
-                      </a:outerShdw>
-                    </a:effectLst>
-                  </a14:hiddenEffects>
-                </a:ext>
-              </a:extLst>
-            </p:spPr>
-            <p:txBody>
-              <a:bodyPr wrap="none">
-                <a:spAutoFit/>
-              </a:bodyPr>
-              <a:lstStyle/>
-              <a:p>
-                <a:r>
-                  <a:rPr lang="en-US" altLang="en-US" sz="2400">
-                    <a:latin typeface="Times New Roman" panose="02020603050405020304" pitchFamily="18" charset="0"/>
-                  </a:rPr>
-                  <a:t>y</a:t>
-                </a:r>
-              </a:p>
-            </p:txBody>
-          </p:sp>
-          <p:sp>
-            <p:nvSpPr>
-              <p:cNvPr id="35856" name="Text Box 16"/>
-              <p:cNvSpPr txBox="1">
-                <a:spLocks noChangeArrowheads="1"/>
-              </p:cNvSpPr>
-              <p:nvPr/>
-            </p:nvSpPr>
-            <p:spPr bwMode="auto">
-              <a:xfrm>
-                <a:off x="974" y="3063"/>
-                <a:ext cx="212" cy="288"/>
-              </a:xfrm>
-              <a:prstGeom prst="rect">
-                <a:avLst/>
-              </a:prstGeom>
-              <a:noFill/>
-              <a:ln>
-                <a:noFill/>
-              </a:ln>
-              <a:effectLst/>
-              <a:extLst>
-                <a:ext uri="{909E8E84-426E-40DD-AFC4-6F175D3DCCD1}">
-                  <a14:hiddenFill xmlns:a14="http://schemas.microsoft.com/office/drawing/2010/main">
-                    <a:solidFill>
-                      <a:schemeClr val="accent1"/>
-                    </a:solidFill>
-                  </a14:hiddenFill>
-                </a:ext>
-                <a:ext uri="{91240B29-F687-4F45-9708-019B960494DF}">
-                  <a14:hiddenLine xmlns:a14="http://schemas.microsoft.com/office/drawing/2010/main" w="9525">
-                    <a:solidFill>
-                      <a:schemeClr val="tx1"/>
-                    </a:solidFill>
-                    <a:miter lim="800000"/>
-                    <a:headEnd/>
-                    <a:tailEnd/>
-                  </a14:hiddenLine>
-                </a:ext>
-                <a:ext uri="{AF507438-7753-43E0-B8FC-AC1667EBCBE1}">
-                  <a14:hiddenEffects xmlns:a14="http://schemas.microsoft.com/office/drawing/2010/main">
-                    <a:effectLst>
-                      <a:outerShdw dist="35921" dir="2700000" algn="ctr" rotWithShape="0">
-                        <a:schemeClr val="bg2"/>
-                      </a:outerShdw>
-                    </a:effectLst>
-                  </a14:hiddenEffects>
-                </a:ext>
-              </a:extLst>
-            </p:spPr>
-            <p:txBody>
-              <a:bodyPr wrap="none">
-                <a:spAutoFit/>
-              </a:bodyPr>
-              <a:lstStyle/>
-              <a:p>
-                <a:r>
-                  <a:rPr lang="en-US" altLang="en-US" sz="2400">
-                    <a:latin typeface="Times New Roman" panose="02020603050405020304" pitchFamily="18" charset="0"/>
-                  </a:rPr>
-                  <a:t>x</a:t>
-                </a:r>
-              </a:p>
-            </p:txBody>
-          </p:sp>
-        </p:grpSp>
-        <p:sp>
-          <p:nvSpPr>
-            <p:cNvPr id="35872" name="Line 32"/>
-            <p:cNvSpPr>
-              <a:spLocks noChangeShapeType="1"/>
-            </p:cNvSpPr>
-            <p:nvPr/>
-          </p:nvSpPr>
-          <p:spPr bwMode="auto">
-            <a:xfrm>
-              <a:off x="1202" y="2937"/>
-              <a:ext cx="711" cy="0"/>
-            </a:xfrm>
-            <a:prstGeom prst="line">
-              <a:avLst/>
-            </a:prstGeom>
-            <a:noFill/>
-            <a:ln w="9525">
-              <a:solidFill>
-                <a:schemeClr val="tx1"/>
-              </a:solidFill>
-              <a:prstDash val="dash"/>
-              <a:round/>
-              <a:headEnd/>
-              <a:tailEnd/>
-            </a:ln>
-            <a:effectLst/>
-            <a:extLst>
-              <a:ext uri="{909E8E84-426E-40DD-AFC4-6F175D3DCCD1}">
-                <a14:hiddenFill xmlns:a14="http://schemas.microsoft.com/office/drawing/2010/main">
-                  <a:noFill/>
-                </a14:hiddenFill>
-              </a:ext>
-              <a:ext uri="{AF507438-7753-43E0-B8FC-AC1667EBCBE1}">
-                <a14:hiddenEffects xmlns:a14="http://schemas.microsoft.com/office/drawing/2010/main">
-                  <a:effectLst>
-                    <a:outerShdw dist="35921" dir="2700000" algn="ctr" rotWithShape="0">
-                      <a:schemeClr val="bg2"/>
-                    </a:outerShdw>
-                  </a:effectLst>
-                </a14:hiddenEffects>
-              </a:ext>
-            </a:extLst>
-          </p:spPr>
-          <p:txBody>
-            <a:bodyPr/>
-            <a:lstStyle/>
-            <a:p>
-              <a:endParaRPr lang="en-US"/>
-            </a:p>
-          </p:txBody>
-        </p:sp>
-        <p:sp>
-          <p:nvSpPr>
-            <p:cNvPr id="35873" name="Line 33"/>
-            <p:cNvSpPr>
-              <a:spLocks noChangeShapeType="1"/>
-            </p:cNvSpPr>
-            <p:nvPr/>
-          </p:nvSpPr>
-          <p:spPr bwMode="auto">
-            <a:xfrm flipH="1">
-              <a:off x="1906" y="2695"/>
-              <a:ext cx="256" cy="249"/>
-            </a:xfrm>
-            <a:prstGeom prst="line">
-              <a:avLst/>
-            </a:prstGeom>
-            <a:noFill/>
-            <a:ln w="9525">
-              <a:solidFill>
-                <a:schemeClr val="tx1"/>
-              </a:solidFill>
-              <a:prstDash val="dash"/>
-              <a:round/>
-              <a:headEnd/>
-              <a:tailEnd/>
-            </a:ln>
-            <a:effectLst/>
-            <a:extLst>
-              <a:ext uri="{909E8E84-426E-40DD-AFC4-6F175D3DCCD1}">
-                <a14:hiddenFill xmlns:a14="http://schemas.microsoft.com/office/drawing/2010/main">
-                  <a:noFill/>
-                </a14:hiddenFill>
-              </a:ext>
-              <a:ext uri="{AF507438-7753-43E0-B8FC-AC1667EBCBE1}">
-                <a14:hiddenEffects xmlns:a14="http://schemas.microsoft.com/office/drawing/2010/main">
-                  <a:effectLst>
-                    <a:outerShdw dist="35921" dir="2700000" algn="ctr" rotWithShape="0">
-                      <a:schemeClr val="bg2"/>
-                    </a:outerShdw>
-                  </a:effectLst>
-                </a14:hiddenEffects>
-              </a:ext>
-            </a:extLst>
-          </p:spPr>
-          <p:txBody>
-            <a:bodyPr/>
-            <a:lstStyle/>
-            <a:p>
-              <a:endParaRPr lang="en-US"/>
-            </a:p>
-          </p:txBody>
-        </p:sp>
-        <p:sp>
-          <p:nvSpPr>
-            <p:cNvPr id="35874" name="Line 34"/>
-            <p:cNvSpPr>
-              <a:spLocks noChangeShapeType="1"/>
-            </p:cNvSpPr>
-            <p:nvPr/>
-          </p:nvSpPr>
-          <p:spPr bwMode="auto">
-            <a:xfrm flipV="1">
-              <a:off x="1906" y="2148"/>
-              <a:ext cx="0" cy="775"/>
-            </a:xfrm>
-            <a:prstGeom prst="line">
-              <a:avLst/>
-            </a:prstGeom>
-            <a:noFill/>
-            <a:ln w="9525">
-              <a:solidFill>
-                <a:schemeClr val="tx1"/>
-              </a:solidFill>
-              <a:prstDash val="dash"/>
-              <a:round/>
-              <a:headEnd/>
-              <a:tailEnd/>
-            </a:ln>
-            <a:effectLst/>
-            <a:extLst>
-              <a:ext uri="{909E8E84-426E-40DD-AFC4-6F175D3DCCD1}">
-                <a14:hiddenFill xmlns:a14="http://schemas.microsoft.com/office/drawing/2010/main">
-                  <a:noFill/>
-                </a14:hiddenFill>
-              </a:ext>
-              <a:ext uri="{AF507438-7753-43E0-B8FC-AC1667EBCBE1}">
-                <a14:hiddenEffects xmlns:a14="http://schemas.microsoft.com/office/drawing/2010/main">
-                  <a:effectLst>
-                    <a:outerShdw dist="35921" dir="2700000" algn="ctr" rotWithShape="0">
-                      <a:schemeClr val="bg2"/>
-                    </a:outerShdw>
-                  </a:effectLst>
-                </a14:hiddenEffects>
-              </a:ext>
-            </a:extLst>
-          </p:spPr>
-          <p:txBody>
-            <a:bodyPr/>
-            <a:lstStyle/>
-            <a:p>
-              <a:endParaRPr lang="en-US"/>
-            </a:p>
-          </p:txBody>
-        </p:sp>
-        <p:sp>
-          <p:nvSpPr>
-            <p:cNvPr id="35875" name="Oval 35"/>
-            <p:cNvSpPr>
-              <a:spLocks noChangeArrowheads="1"/>
-            </p:cNvSpPr>
-            <p:nvPr/>
-          </p:nvSpPr>
-          <p:spPr bwMode="auto">
-            <a:xfrm>
-              <a:off x="1870" y="2077"/>
-              <a:ext cx="78" cy="78"/>
-            </a:xfrm>
-            <a:prstGeom prst="ellipse">
-              <a:avLst/>
-            </a:prstGeom>
-            <a:solidFill>
-              <a:schemeClr val="tx1"/>
-            </a:solidFill>
-            <a:ln w="9525">
-              <a:solidFill>
-                <a:schemeClr val="tx1"/>
-              </a:solidFill>
-              <a:round/>
-              <a:headEnd/>
-              <a:tailEnd/>
-            </a:ln>
-            <a:effectLst/>
-            <a:extLst>
-              <a:ext uri="{AF507438-7753-43E0-B8FC-AC1667EBCBE1}">
-                <a14:hiddenEffects xmlns:a14="http://schemas.microsoft.com/office/drawing/2010/main">
-                  <a:effectLst>
-                    <a:outerShdw dist="35921" dir="2700000" algn="ctr" rotWithShape="0">
-                      <a:schemeClr val="bg2"/>
-                    </a:outerShdw>
-                  </a:effectLst>
-                </a14:hiddenEffects>
-              </a:ext>
-            </a:extLst>
-          </p:spPr>
-          <p:txBody>
-            <a:bodyPr wrap="none" anchor="ctr"/>
-            <a:lstStyle/>
-            <a:p>
-              <a:endParaRPr lang="en-US"/>
-            </a:p>
-          </p:txBody>
-        </p:sp>
-      </p:grpSp>
-      <p:grpSp>
-        <p:nvGrpSpPr>
-          <p:cNvPr id="35916" name="Group 76"/>
-          <p:cNvGrpSpPr>
-            <a:grpSpLocks/>
-          </p:cNvGrpSpPr>
-          <p:nvPr/>
-        </p:nvGrpSpPr>
-        <p:grpSpPr bwMode="auto">
-          <a:xfrm>
-            <a:off x="4525963" y="2506663"/>
-            <a:ext cx="3679825" cy="3189287"/>
-            <a:chOff x="2851" y="1579"/>
-            <a:chExt cx="2318" cy="2009"/>
-          </a:xfrm>
-        </p:grpSpPr>
-        <p:graphicFrame>
-          <p:nvGraphicFramePr>
-            <p:cNvPr id="35864" name="Object 24"/>
-            <p:cNvGraphicFramePr>
-              <a:graphicFrameLocks noChangeAspect="1"/>
-            </p:cNvGraphicFramePr>
-            <p:nvPr/>
-          </p:nvGraphicFramePr>
-          <p:xfrm>
-            <a:off x="2997" y="2418"/>
-            <a:ext cx="260" cy="211"/>
-          </p:xfrm>
-          <a:graphic>
-            <a:graphicData uri="http://schemas.openxmlformats.org/presentationml/2006/ole">
-              <mc:AlternateContent xmlns:mc="http://schemas.openxmlformats.org/markup-compatibility/2006">
-                <mc:Choice xmlns:v="urn:schemas-microsoft-com:vml" Requires="v">
-                  <p:oleObj spid="_x0000_s24640" name="Equation" r:id="rId3" imgW="203040" imgH="164880" progId="Equation.3">
-                    <p:embed/>
-                  </p:oleObj>
-                </mc:Choice>
-                <mc:Fallback>
-                  <p:oleObj name="Equation" r:id="rId3" imgW="203040" imgH="164880" progId="Equation.3">
-                    <p:embed/>
-                    <p:pic>
-                      <p:nvPicPr>
-                        <p:cNvPr id="35864" name="Object 24"/>
-                        <p:cNvPicPr>
-                          <a:picLocks noChangeAspect="1" noChangeArrowheads="1"/>
-                        </p:cNvPicPr>
-                        <p:nvPr/>
-                      </p:nvPicPr>
-                      <p:blipFill>
-                        <a:blip r:embed="rId4">
-                          <a:extLst>
-                            <a:ext uri="{28A0092B-C50C-407E-A947-70E740481C1C}">
-                              <a14:useLocalDpi xmlns:a14="http://schemas.microsoft.com/office/drawing/2010/main" val="0"/>
-                            </a:ext>
-                          </a:extLst>
-                        </a:blip>
-                        <a:srcRect/>
-                        <a:stretch>
-                          <a:fillRect/>
-                        </a:stretch>
-                      </p:blipFill>
-                      <p:spPr bwMode="auto">
-                        <a:xfrm>
-                          <a:off x="2997" y="2418"/>
-                          <a:ext cx="260" cy="211"/>
-                        </a:xfrm>
-                        <a:prstGeom prst="rect">
-                          <a:avLst/>
-                        </a:prstGeom>
-                        <a:noFill/>
-                        <a:ln>
-                          <a:noFill/>
-                        </a:ln>
-                        <a:effectLst/>
-                        <a:extLst>
-                          <a:ext uri="{909E8E84-426E-40DD-AFC4-6F175D3DCCD1}">
-                            <a14:hiddenFill xmlns:a14="http://schemas.microsoft.com/office/drawing/2010/main">
-                              <a:solidFill>
-                                <a:srgbClr val="FFFFFF"/>
-                              </a:solidFill>
-                            </a14:hiddenFill>
-                          </a:ext>
-                          <a:ext uri="{91240B29-F687-4F45-9708-019B960494DF}">
-                            <a14:hiddenLine xmlns:a14="http://schemas.microsoft.com/office/drawing/2010/main" w="9525">
-                              <a:solidFill>
-                                <a:srgbClr val="000000"/>
-                              </a:solidFill>
-                              <a:miter lim="800000"/>
-                              <a:headEnd/>
-                              <a:tailEnd/>
-                            </a14:hiddenLine>
-                          </a:ext>
-                          <a:ext uri="{AF507438-7753-43E0-B8FC-AC1667EBCBE1}">
-                            <a14:hiddenEffects xmlns:a14="http://schemas.microsoft.com/office/drawing/2010/main">
-                              <a:effectLst>
-                                <a:outerShdw dist="35921" dir="2700000" algn="ctr" rotWithShape="0">
-                                  <a:srgbClr val="808080"/>
-                                </a:outerShdw>
-                              </a:effectLst>
-                            </a14:hiddenEffects>
-                          </a:ext>
-                        </a:extLst>
-                      </p:spPr>
-                    </p:pic>
-                  </p:oleObj>
-                </mc:Fallback>
-              </mc:AlternateContent>
-            </a:graphicData>
-          </a:graphic>
-        </p:graphicFrame>
-        <p:graphicFrame>
-          <p:nvGraphicFramePr>
-            <p:cNvPr id="35866" name="Object 26"/>
-            <p:cNvGraphicFramePr>
-              <a:graphicFrameLocks noChangeAspect="1"/>
-            </p:cNvGraphicFramePr>
-            <p:nvPr/>
-          </p:nvGraphicFramePr>
-          <p:xfrm>
-            <a:off x="4636" y="2757"/>
-            <a:ext cx="289" cy="238"/>
-          </p:xfrm>
-          <a:graphic>
-            <a:graphicData uri="http://schemas.openxmlformats.org/presentationml/2006/ole">
-              <mc:AlternateContent xmlns:mc="http://schemas.openxmlformats.org/markup-compatibility/2006">
-                <mc:Choice xmlns:v="urn:schemas-microsoft-com:vml" Requires="v">
-                  <p:oleObj spid="_x0000_s24641" name="Equation" r:id="rId5" imgW="215640" imgH="177480" progId="Equation.3">
-                    <p:embed/>
-                  </p:oleObj>
-                </mc:Choice>
-                <mc:Fallback>
-                  <p:oleObj name="Equation" r:id="rId5" imgW="215640" imgH="177480" progId="Equation.3">
-                    <p:embed/>
-                    <p:pic>
-                      <p:nvPicPr>
-                        <p:cNvPr id="35866" name="Object 26"/>
-                        <p:cNvPicPr>
-                          <a:picLocks noChangeAspect="1" noChangeArrowheads="1"/>
-                        </p:cNvPicPr>
-                        <p:nvPr/>
-                      </p:nvPicPr>
-                      <p:blipFill>
-                        <a:blip r:embed="rId6">
-                          <a:extLst>
-                            <a:ext uri="{28A0092B-C50C-407E-A947-70E740481C1C}">
-                              <a14:useLocalDpi xmlns:a14="http://schemas.microsoft.com/office/drawing/2010/main" val="0"/>
-                            </a:ext>
-                          </a:extLst>
-                        </a:blip>
-                        <a:srcRect/>
-                        <a:stretch>
-                          <a:fillRect/>
-                        </a:stretch>
-                      </p:blipFill>
-                      <p:spPr bwMode="auto">
-                        <a:xfrm>
-                          <a:off x="4636" y="2757"/>
-                          <a:ext cx="289" cy="238"/>
-                        </a:xfrm>
-                        <a:prstGeom prst="rect">
-                          <a:avLst/>
-                        </a:prstGeom>
-                        <a:noFill/>
-                        <a:ln>
-                          <a:noFill/>
-                        </a:ln>
-                        <a:effectLst/>
-                        <a:extLst>
-                          <a:ext uri="{909E8E84-426E-40DD-AFC4-6F175D3DCCD1}">
-                            <a14:hiddenFill xmlns:a14="http://schemas.microsoft.com/office/drawing/2010/main">
-                              <a:solidFill>
-                                <a:srgbClr val="FFFFFF"/>
-                              </a:solidFill>
-                            </a14:hiddenFill>
-                          </a:ext>
-                          <a:ext uri="{91240B29-F687-4F45-9708-019B960494DF}">
-                            <a14:hiddenLine xmlns:a14="http://schemas.microsoft.com/office/drawing/2010/main" w="9525">
-                              <a:solidFill>
-                                <a:srgbClr val="000000"/>
-                              </a:solidFill>
-                              <a:miter lim="800000"/>
-                              <a:headEnd/>
-                              <a:tailEnd/>
-                            </a14:hiddenLine>
-                          </a:ext>
-                          <a:ext uri="{AF507438-7753-43E0-B8FC-AC1667EBCBE1}">
-                            <a14:hiddenEffects xmlns:a14="http://schemas.microsoft.com/office/drawing/2010/main">
-                              <a:effectLst>
-                                <a:outerShdw dist="35921" dir="2700000" algn="ctr" rotWithShape="0">
-                                  <a:srgbClr val="808080"/>
-                                </a:outerShdw>
-                              </a:effectLst>
-                            </a14:hiddenEffects>
-                          </a:ext>
-                        </a:extLst>
-                      </p:spPr>
-                    </p:pic>
-                  </p:oleObj>
-                </mc:Fallback>
-              </mc:AlternateContent>
-            </a:graphicData>
-          </a:graphic>
-        </p:graphicFrame>
-        <p:grpSp>
-          <p:nvGrpSpPr>
-            <p:cNvPr id="35853" name="Group 13"/>
-            <p:cNvGrpSpPr>
-              <a:grpSpLocks/>
-            </p:cNvGrpSpPr>
-            <p:nvPr/>
-          </p:nvGrpSpPr>
-          <p:grpSpPr bwMode="auto">
-            <a:xfrm>
-              <a:off x="3271" y="1579"/>
-              <a:ext cx="1519" cy="1519"/>
-              <a:chOff x="3157" y="1586"/>
-              <a:chExt cx="1519" cy="1519"/>
-            </a:xfrm>
-          </p:grpSpPr>
-          <p:sp>
-            <p:nvSpPr>
-              <p:cNvPr id="35845" name="AutoShape 5"/>
-              <p:cNvSpPr>
-                <a:spLocks noChangeArrowheads="1"/>
-              </p:cNvSpPr>
-              <p:nvPr/>
-            </p:nvSpPr>
-            <p:spPr bwMode="auto">
-              <a:xfrm>
-                <a:off x="3157" y="1586"/>
-                <a:ext cx="1519" cy="1519"/>
-              </a:xfrm>
-              <a:prstGeom prst="cube">
-                <a:avLst>
-                  <a:gd name="adj" fmla="val 25000"/>
-                </a:avLst>
-              </a:prstGeom>
-              <a:noFill/>
-              <a:ln w="9525">
-                <a:solidFill>
-                  <a:schemeClr val="tx1"/>
-                </a:solidFill>
-                <a:miter lim="800000"/>
-                <a:headEnd/>
-                <a:tailEnd/>
-              </a:ln>
-              <a:effectLst/>
-              <a:extLst>
-                <a:ext uri="{909E8E84-426E-40DD-AFC4-6F175D3DCCD1}">
-                  <a14:hiddenFill xmlns:a14="http://schemas.microsoft.com/office/drawing/2010/main">
-                    <a:solidFill>
-                      <a:schemeClr val="accent1"/>
-                    </a:solidFill>
-                  </a14:hiddenFill>
-                </a:ext>
-                <a:ext uri="{AF507438-7753-43E0-B8FC-AC1667EBCBE1}">
-                  <a14:hiddenEffects xmlns:a14="http://schemas.microsoft.com/office/drawing/2010/main">
-                    <a:effectLst>
-                      <a:outerShdw dist="35921" dir="2700000" algn="ctr" rotWithShape="0">
-                        <a:schemeClr val="bg2"/>
-                      </a:outerShdw>
-                    </a:effectLst>
-                  </a14:hiddenEffects>
-                </a:ext>
-              </a:extLst>
-            </p:spPr>
-            <p:txBody>
-              <a:bodyPr wrap="none" anchor="ctr"/>
-              <a:lstStyle/>
-              <a:p>
-                <a:endParaRPr lang="en-US"/>
-              </a:p>
-            </p:txBody>
-          </p:sp>
-          <p:sp>
-            <p:nvSpPr>
-              <p:cNvPr id="35846" name="Line 6"/>
-              <p:cNvSpPr>
-                <a:spLocks noChangeShapeType="1"/>
-              </p:cNvSpPr>
-              <p:nvPr/>
-            </p:nvSpPr>
-            <p:spPr bwMode="auto">
-              <a:xfrm flipH="1">
-                <a:off x="3541" y="2716"/>
-                <a:ext cx="1131" cy="0"/>
-              </a:xfrm>
-              <a:prstGeom prst="line">
-                <a:avLst/>
-              </a:prstGeom>
-              <a:noFill/>
-              <a:ln w="9525">
-                <a:solidFill>
-                  <a:schemeClr val="tx1"/>
-                </a:solidFill>
-                <a:prstDash val="dash"/>
-                <a:round/>
-                <a:headEnd/>
-                <a:tailEnd/>
-              </a:ln>
-              <a:effectLst/>
-              <a:extLst>
-                <a:ext uri="{909E8E84-426E-40DD-AFC4-6F175D3DCCD1}">
-                  <a14:hiddenFill xmlns:a14="http://schemas.microsoft.com/office/drawing/2010/main">
-                    <a:noFill/>
-                  </a14:hiddenFill>
-                </a:ext>
-                <a:ext uri="{AF507438-7753-43E0-B8FC-AC1667EBCBE1}">
-                  <a14:hiddenEffects xmlns:a14="http://schemas.microsoft.com/office/drawing/2010/main">
-                    <a:effectLst>
-                      <a:outerShdw dist="35921" dir="2700000" algn="ctr" rotWithShape="0">
-                        <a:schemeClr val="bg2"/>
-                      </a:outerShdw>
-                    </a:effectLst>
-                  </a14:hiddenEffects>
-                </a:ext>
-              </a:extLst>
-            </p:spPr>
-            <p:txBody>
-              <a:bodyPr/>
-              <a:lstStyle/>
-              <a:p>
-                <a:endParaRPr lang="en-US"/>
-              </a:p>
-            </p:txBody>
-          </p:sp>
-          <p:sp>
-            <p:nvSpPr>
-              <p:cNvPr id="35847" name="Line 7"/>
-              <p:cNvSpPr>
-                <a:spLocks noChangeShapeType="1"/>
-              </p:cNvSpPr>
-              <p:nvPr/>
-            </p:nvSpPr>
-            <p:spPr bwMode="auto">
-              <a:xfrm flipV="1">
-                <a:off x="3164" y="2701"/>
-                <a:ext cx="377" cy="377"/>
-              </a:xfrm>
-              <a:prstGeom prst="line">
-                <a:avLst/>
-              </a:prstGeom>
-              <a:noFill/>
-              <a:ln w="9525">
-                <a:solidFill>
-                  <a:schemeClr val="tx1"/>
-                </a:solidFill>
-                <a:prstDash val="dash"/>
-                <a:round/>
-                <a:headEnd/>
-                <a:tailEnd/>
-              </a:ln>
-              <a:effectLst/>
-              <a:extLst>
-                <a:ext uri="{909E8E84-426E-40DD-AFC4-6F175D3DCCD1}">
-                  <a14:hiddenFill xmlns:a14="http://schemas.microsoft.com/office/drawing/2010/main">
-                    <a:noFill/>
-                  </a14:hiddenFill>
-                </a:ext>
-                <a:ext uri="{AF507438-7753-43E0-B8FC-AC1667EBCBE1}">
-                  <a14:hiddenEffects xmlns:a14="http://schemas.microsoft.com/office/drawing/2010/main">
-                    <a:effectLst>
-                      <a:outerShdw dist="35921" dir="2700000" algn="ctr" rotWithShape="0">
-                        <a:schemeClr val="bg2"/>
-                      </a:outerShdw>
-                    </a:effectLst>
-                  </a14:hiddenEffects>
-                </a:ext>
-              </a:extLst>
-            </p:spPr>
-            <p:txBody>
-              <a:bodyPr/>
-              <a:lstStyle/>
-              <a:p>
-                <a:endParaRPr lang="en-US"/>
-              </a:p>
-            </p:txBody>
-          </p:sp>
-          <p:sp>
-            <p:nvSpPr>
-              <p:cNvPr id="35848" name="Line 8"/>
-              <p:cNvSpPr>
-                <a:spLocks noChangeShapeType="1"/>
-              </p:cNvSpPr>
-              <p:nvPr/>
-            </p:nvSpPr>
-            <p:spPr bwMode="auto">
-              <a:xfrm>
-                <a:off x="3541" y="1586"/>
-                <a:ext cx="0" cy="1123"/>
-              </a:xfrm>
-              <a:prstGeom prst="line">
-                <a:avLst/>
-              </a:prstGeom>
-              <a:noFill/>
-              <a:ln w="9525">
-                <a:solidFill>
-                  <a:schemeClr val="tx1"/>
-                </a:solidFill>
-                <a:prstDash val="dash"/>
-                <a:round/>
-                <a:headEnd/>
-                <a:tailEnd/>
-              </a:ln>
-              <a:effectLst/>
-              <a:extLst>
-                <a:ext uri="{909E8E84-426E-40DD-AFC4-6F175D3DCCD1}">
-                  <a14:hiddenFill xmlns:a14="http://schemas.microsoft.com/office/drawing/2010/main">
-                    <a:noFill/>
-                  </a14:hiddenFill>
-                </a:ext>
-                <a:ext uri="{AF507438-7753-43E0-B8FC-AC1667EBCBE1}">
-                  <a14:hiddenEffects xmlns:a14="http://schemas.microsoft.com/office/drawing/2010/main">
-                    <a:effectLst>
-                      <a:outerShdw dist="35921" dir="2700000" algn="ctr" rotWithShape="0">
-                        <a:schemeClr val="bg2"/>
-                      </a:outerShdw>
-                    </a:effectLst>
-                  </a14:hiddenEffects>
-                </a:ext>
-              </a:extLst>
-            </p:spPr>
-            <p:txBody>
-              <a:bodyPr/>
-              <a:lstStyle/>
-              <a:p>
-                <a:endParaRPr lang="en-US"/>
-              </a:p>
-            </p:txBody>
-          </p:sp>
-          <p:sp>
-            <p:nvSpPr>
-              <p:cNvPr id="35849" name="Oval 9"/>
-              <p:cNvSpPr>
-                <a:spLocks noChangeArrowheads="1"/>
-              </p:cNvSpPr>
-              <p:nvPr/>
-            </p:nvSpPr>
-            <p:spPr bwMode="auto">
-              <a:xfrm>
-                <a:off x="3847" y="2340"/>
-                <a:ext cx="114" cy="114"/>
-              </a:xfrm>
-              <a:prstGeom prst="ellipse">
-                <a:avLst/>
-              </a:prstGeom>
-              <a:solidFill>
-                <a:schemeClr val="tx1"/>
-              </a:solidFill>
-              <a:ln w="9525">
-                <a:solidFill>
-                  <a:schemeClr val="tx1"/>
-                </a:solidFill>
-                <a:round/>
-                <a:headEnd/>
-                <a:tailEnd/>
-              </a:ln>
-              <a:effectLst/>
-              <a:extLst>
-                <a:ext uri="{AF507438-7753-43E0-B8FC-AC1667EBCBE1}">
-                  <a14:hiddenEffects xmlns:a14="http://schemas.microsoft.com/office/drawing/2010/main">
-                    <a:effectLst>
-                      <a:outerShdw dist="35921" dir="2700000" algn="ctr" rotWithShape="0">
-                        <a:schemeClr val="bg2"/>
-                      </a:outerShdw>
-                    </a:effectLst>
-                  </a14:hiddenEffects>
-                </a:ext>
-              </a:extLst>
-            </p:spPr>
-            <p:txBody>
-              <a:bodyPr wrap="none" anchor="ctr"/>
-              <a:lstStyle/>
-              <a:p>
-                <a:endParaRPr lang="en-US"/>
-              </a:p>
-            </p:txBody>
-          </p:sp>
-        </p:grpSp>
-        <p:graphicFrame>
-          <p:nvGraphicFramePr>
-            <p:cNvPr id="35868" name="Object 28"/>
-            <p:cNvGraphicFramePr>
-              <a:graphicFrameLocks noChangeAspect="1"/>
-            </p:cNvGraphicFramePr>
-            <p:nvPr/>
-          </p:nvGraphicFramePr>
-          <p:xfrm>
-            <a:off x="3693" y="3170"/>
-            <a:ext cx="281" cy="265"/>
-          </p:xfrm>
-          <a:graphic>
-            <a:graphicData uri="http://schemas.openxmlformats.org/presentationml/2006/ole">
-              <mc:AlternateContent xmlns:mc="http://schemas.openxmlformats.org/markup-compatibility/2006">
-                <mc:Choice xmlns:v="urn:schemas-microsoft-com:vml" Requires="v">
-                  <p:oleObj spid="_x0000_s24642" name="Equation" r:id="rId7" imgW="215640" imgH="203040" progId="Equation.3">
-                    <p:embed/>
-                  </p:oleObj>
-                </mc:Choice>
-                <mc:Fallback>
-                  <p:oleObj name="Equation" r:id="rId7" imgW="215640" imgH="203040" progId="Equation.3">
-                    <p:embed/>
-                    <p:pic>
-                      <p:nvPicPr>
-                        <p:cNvPr id="35868" name="Object 28"/>
-                        <p:cNvPicPr>
-                          <a:picLocks noChangeAspect="1" noChangeArrowheads="1"/>
-                        </p:cNvPicPr>
-                        <p:nvPr/>
-                      </p:nvPicPr>
-                      <p:blipFill>
-                        <a:blip r:embed="rId8">
-                          <a:extLst>
-                            <a:ext uri="{28A0092B-C50C-407E-A947-70E740481C1C}">
-                              <a14:useLocalDpi xmlns:a14="http://schemas.microsoft.com/office/drawing/2010/main" val="0"/>
-                            </a:ext>
-                          </a:extLst>
-                        </a:blip>
-                        <a:srcRect/>
-                        <a:stretch>
-                          <a:fillRect/>
-                        </a:stretch>
-                      </p:blipFill>
-                      <p:spPr bwMode="auto">
-                        <a:xfrm>
-                          <a:off x="3693" y="3170"/>
-                          <a:ext cx="281" cy="265"/>
-                        </a:xfrm>
-                        <a:prstGeom prst="rect">
-                          <a:avLst/>
-                        </a:prstGeom>
-                        <a:noFill/>
-                        <a:ln>
-                          <a:noFill/>
-                        </a:ln>
-                        <a:effectLst/>
-                        <a:extLst>
-                          <a:ext uri="{909E8E84-426E-40DD-AFC4-6F175D3DCCD1}">
-                            <a14:hiddenFill xmlns:a14="http://schemas.microsoft.com/office/drawing/2010/main">
-                              <a:solidFill>
-                                <a:srgbClr val="FFFFFF"/>
-                              </a:solidFill>
-                            </a14:hiddenFill>
-                          </a:ext>
-                          <a:ext uri="{91240B29-F687-4F45-9708-019B960494DF}">
-                            <a14:hiddenLine xmlns:a14="http://schemas.microsoft.com/office/drawing/2010/main" w="9525">
-                              <a:solidFill>
-                                <a:srgbClr val="000000"/>
-                              </a:solidFill>
-                              <a:miter lim="800000"/>
-                              <a:headEnd/>
-                              <a:tailEnd/>
-                            </a14:hiddenLine>
-                          </a:ext>
-                          <a:ext uri="{AF507438-7753-43E0-B8FC-AC1667EBCBE1}">
-                            <a14:hiddenEffects xmlns:a14="http://schemas.microsoft.com/office/drawing/2010/main">
-                              <a:effectLst>
-                                <a:outerShdw dist="35921" dir="2700000" algn="ctr" rotWithShape="0">
-                                  <a:srgbClr val="808080"/>
-                                </a:outerShdw>
-                              </a:effectLst>
-                            </a14:hiddenEffects>
-                          </a:ext>
-                        </a:extLst>
-                      </p:spPr>
-                    </p:pic>
-                  </p:oleObj>
-                </mc:Fallback>
-              </mc:AlternateContent>
-            </a:graphicData>
-          </a:graphic>
-        </p:graphicFrame>
-        <p:sp>
-          <p:nvSpPr>
-            <p:cNvPr id="35883" name="Line 43"/>
-            <p:cNvSpPr>
-              <a:spLocks noChangeShapeType="1"/>
-            </p:cNvSpPr>
-            <p:nvPr/>
-          </p:nvSpPr>
-          <p:spPr bwMode="auto">
-            <a:xfrm>
-              <a:off x="4046" y="3299"/>
-              <a:ext cx="356" cy="0"/>
-            </a:xfrm>
-            <a:prstGeom prst="line">
-              <a:avLst/>
-            </a:prstGeom>
-            <a:noFill/>
-            <a:ln w="9525">
-              <a:solidFill>
-                <a:schemeClr val="tx1"/>
-              </a:solidFill>
-              <a:round/>
-              <a:headEnd/>
-              <a:tailEnd type="triangle" w="med" len="med"/>
-            </a:ln>
-            <a:effectLst/>
-            <a:extLst>
-              <a:ext uri="{909E8E84-426E-40DD-AFC4-6F175D3DCCD1}">
-                <a14:hiddenFill xmlns:a14="http://schemas.microsoft.com/office/drawing/2010/main">
-                  <a:noFill/>
-                </a14:hiddenFill>
-              </a:ext>
-              <a:ext uri="{AF507438-7753-43E0-B8FC-AC1667EBCBE1}">
-                <a14:hiddenEffects xmlns:a14="http://schemas.microsoft.com/office/drawing/2010/main">
-                  <a:effectLst>
-                    <a:outerShdw dist="35921" dir="2700000" algn="ctr" rotWithShape="0">
-                      <a:schemeClr val="bg2"/>
-                    </a:outerShdw>
-                  </a:effectLst>
-                </a14:hiddenEffects>
-              </a:ext>
-            </a:extLst>
-          </p:spPr>
-          <p:txBody>
-            <a:bodyPr/>
-            <a:lstStyle/>
-            <a:p>
-              <a:endParaRPr lang="en-US"/>
-            </a:p>
-          </p:txBody>
-        </p:sp>
-        <p:sp>
-          <p:nvSpPr>
-            <p:cNvPr id="35884" name="Line 44"/>
-            <p:cNvSpPr>
-              <a:spLocks noChangeShapeType="1"/>
-            </p:cNvSpPr>
-            <p:nvPr/>
-          </p:nvSpPr>
-          <p:spPr bwMode="auto">
-            <a:xfrm flipH="1">
-              <a:off x="3278" y="3299"/>
-              <a:ext cx="391" cy="0"/>
-            </a:xfrm>
-            <a:prstGeom prst="line">
-              <a:avLst/>
-            </a:prstGeom>
-            <a:noFill/>
-            <a:ln w="9525">
-              <a:solidFill>
-                <a:schemeClr val="tx1"/>
-              </a:solidFill>
-              <a:round/>
-              <a:headEnd/>
-              <a:tailEnd type="triangle" w="med" len="med"/>
-            </a:ln>
-            <a:effectLst/>
-            <a:extLst>
-              <a:ext uri="{909E8E84-426E-40DD-AFC4-6F175D3DCCD1}">
-                <a14:hiddenFill xmlns:a14="http://schemas.microsoft.com/office/drawing/2010/main">
-                  <a:noFill/>
-                </a14:hiddenFill>
-              </a:ext>
-              <a:ext uri="{AF507438-7753-43E0-B8FC-AC1667EBCBE1}">
-                <a14:hiddenEffects xmlns:a14="http://schemas.microsoft.com/office/drawing/2010/main">
-                  <a:effectLst>
-                    <a:outerShdw dist="35921" dir="2700000" algn="ctr" rotWithShape="0">
-                      <a:schemeClr val="bg2"/>
-                    </a:outerShdw>
-                  </a:effectLst>
-                </a14:hiddenEffects>
-              </a:ext>
-            </a:extLst>
-          </p:spPr>
-          <p:txBody>
-            <a:bodyPr/>
-            <a:lstStyle/>
-            <a:p>
-              <a:endParaRPr lang="en-US"/>
-            </a:p>
-          </p:txBody>
-        </p:sp>
-        <p:sp>
-          <p:nvSpPr>
-            <p:cNvPr id="35886" name="Line 46"/>
-            <p:cNvSpPr>
-              <a:spLocks noChangeShapeType="1"/>
-            </p:cNvSpPr>
-            <p:nvPr/>
-          </p:nvSpPr>
-          <p:spPr bwMode="auto">
-            <a:xfrm>
-              <a:off x="3271" y="3215"/>
-              <a:ext cx="0" cy="170"/>
-            </a:xfrm>
-            <a:prstGeom prst="line">
-              <a:avLst/>
-            </a:prstGeom>
-            <a:noFill/>
-            <a:ln w="9525">
-              <a:solidFill>
-                <a:schemeClr val="tx1"/>
-              </a:solidFill>
-              <a:round/>
-              <a:headEnd/>
-              <a:tailEnd/>
-            </a:ln>
-            <a:effectLst/>
-            <a:extLst>
-              <a:ext uri="{909E8E84-426E-40DD-AFC4-6F175D3DCCD1}">
-                <a14:hiddenFill xmlns:a14="http://schemas.microsoft.com/office/drawing/2010/main">
-                  <a:noFill/>
-                </a14:hiddenFill>
-              </a:ext>
-              <a:ext uri="{AF507438-7753-43E0-B8FC-AC1667EBCBE1}">
-                <a14:hiddenEffects xmlns:a14="http://schemas.microsoft.com/office/drawing/2010/main">
-                  <a:effectLst>
-                    <a:outerShdw dist="35921" dir="2700000" algn="ctr" rotWithShape="0">
-                      <a:schemeClr val="bg2"/>
-                    </a:outerShdw>
-                  </a:effectLst>
-                </a14:hiddenEffects>
-              </a:ext>
-            </a:extLst>
-          </p:spPr>
-          <p:txBody>
-            <a:bodyPr/>
-            <a:lstStyle/>
-            <a:p>
-              <a:endParaRPr lang="en-US"/>
-            </a:p>
-          </p:txBody>
-        </p:sp>
-        <p:sp>
-          <p:nvSpPr>
-            <p:cNvPr id="35887" name="Line 47"/>
-            <p:cNvSpPr>
-              <a:spLocks noChangeShapeType="1"/>
-            </p:cNvSpPr>
-            <p:nvPr/>
-          </p:nvSpPr>
-          <p:spPr bwMode="auto">
-            <a:xfrm>
-              <a:off x="4406" y="3204"/>
-              <a:ext cx="0" cy="170"/>
-            </a:xfrm>
-            <a:prstGeom prst="line">
-              <a:avLst/>
-            </a:prstGeom>
-            <a:noFill/>
-            <a:ln w="9525">
-              <a:solidFill>
-                <a:schemeClr val="tx1"/>
-              </a:solidFill>
-              <a:round/>
-              <a:headEnd/>
-              <a:tailEnd/>
-            </a:ln>
-            <a:effectLst/>
-            <a:extLst>
-              <a:ext uri="{909E8E84-426E-40DD-AFC4-6F175D3DCCD1}">
-                <a14:hiddenFill xmlns:a14="http://schemas.microsoft.com/office/drawing/2010/main">
-                  <a:noFill/>
-                </a14:hiddenFill>
-              </a:ext>
-              <a:ext uri="{AF507438-7753-43E0-B8FC-AC1667EBCBE1}">
-                <a14:hiddenEffects xmlns:a14="http://schemas.microsoft.com/office/drawing/2010/main">
-                  <a:effectLst>
-                    <a:outerShdw dist="35921" dir="2700000" algn="ctr" rotWithShape="0">
-                      <a:schemeClr val="bg2"/>
-                    </a:outerShdw>
-                  </a:effectLst>
-                </a14:hiddenEffects>
-              </a:ext>
-            </a:extLst>
-          </p:spPr>
-          <p:txBody>
-            <a:bodyPr/>
-            <a:lstStyle/>
-            <a:p>
-              <a:endParaRPr lang="en-US"/>
-            </a:p>
-          </p:txBody>
-        </p:sp>
-        <p:graphicFrame>
-          <p:nvGraphicFramePr>
-            <p:cNvPr id="35890" name="Object 50"/>
-            <p:cNvGraphicFramePr>
-              <a:graphicFrameLocks noChangeAspect="1"/>
-            </p:cNvGraphicFramePr>
-            <p:nvPr/>
-          </p:nvGraphicFramePr>
-          <p:xfrm>
-            <a:off x="3175" y="3307"/>
-            <a:ext cx="215" cy="281"/>
-          </p:xfrm>
-          <a:graphic>
-            <a:graphicData uri="http://schemas.openxmlformats.org/presentationml/2006/ole">
-              <mc:AlternateContent xmlns:mc="http://schemas.openxmlformats.org/markup-compatibility/2006">
-                <mc:Choice xmlns:v="urn:schemas-microsoft-com:vml" Requires="v">
-                  <p:oleObj spid="_x0000_s24643" name="Equation" r:id="rId9" imgW="164880" imgH="215640" progId="Equation.3">
-                    <p:embed/>
-                  </p:oleObj>
-                </mc:Choice>
-                <mc:Fallback>
-                  <p:oleObj name="Equation" r:id="rId9" imgW="164880" imgH="215640" progId="Equation.3">
-                    <p:embed/>
-                    <p:pic>
-                      <p:nvPicPr>
-                        <p:cNvPr id="35890" name="Object 50"/>
-                        <p:cNvPicPr>
-                          <a:picLocks noChangeAspect="1" noChangeArrowheads="1"/>
-                        </p:cNvPicPr>
-                        <p:nvPr/>
-                      </p:nvPicPr>
-                      <p:blipFill>
-                        <a:blip r:embed="rId10">
-                          <a:extLst>
-                            <a:ext uri="{28A0092B-C50C-407E-A947-70E740481C1C}">
-                              <a14:useLocalDpi xmlns:a14="http://schemas.microsoft.com/office/drawing/2010/main" val="0"/>
-                            </a:ext>
-                          </a:extLst>
-                        </a:blip>
-                        <a:srcRect/>
-                        <a:stretch>
-                          <a:fillRect/>
-                        </a:stretch>
-                      </p:blipFill>
-                      <p:spPr bwMode="auto">
-                        <a:xfrm>
-                          <a:off x="3175" y="3307"/>
-                          <a:ext cx="215" cy="281"/>
-                        </a:xfrm>
-                        <a:prstGeom prst="rect">
-                          <a:avLst/>
-                        </a:prstGeom>
-                        <a:noFill/>
-                        <a:ln>
-                          <a:noFill/>
-                        </a:ln>
-                        <a:effectLst/>
-                        <a:extLst>
-                          <a:ext uri="{909E8E84-426E-40DD-AFC4-6F175D3DCCD1}">
-                            <a14:hiddenFill xmlns:a14="http://schemas.microsoft.com/office/drawing/2010/main">
-                              <a:solidFill>
-                                <a:srgbClr val="FFFFFF"/>
-                              </a:solidFill>
-                            </a14:hiddenFill>
-                          </a:ext>
-                          <a:ext uri="{91240B29-F687-4F45-9708-019B960494DF}">
-                            <a14:hiddenLine xmlns:a14="http://schemas.microsoft.com/office/drawing/2010/main" w="9525">
-                              <a:solidFill>
-                                <a:srgbClr val="000000"/>
-                              </a:solidFill>
-                              <a:miter lim="800000"/>
-                              <a:headEnd/>
-                              <a:tailEnd/>
-                            </a14:hiddenLine>
-                          </a:ext>
-                          <a:ext uri="{AF507438-7753-43E0-B8FC-AC1667EBCBE1}">
-                            <a14:hiddenEffects xmlns:a14="http://schemas.microsoft.com/office/drawing/2010/main">
-                              <a:effectLst>
-                                <a:outerShdw dist="35921" dir="2700000" algn="ctr" rotWithShape="0">
-                                  <a:srgbClr val="808080"/>
-                                </a:outerShdw>
-                              </a:effectLst>
-                            </a14:hiddenEffects>
-                          </a:ext>
-                        </a:extLst>
-                      </p:spPr>
-                    </p:pic>
-                  </p:oleObj>
-                </mc:Fallback>
-              </mc:AlternateContent>
-            </a:graphicData>
-          </a:graphic>
-        </p:graphicFrame>
-        <p:graphicFrame>
-          <p:nvGraphicFramePr>
-            <p:cNvPr id="35893" name="Object 53"/>
-            <p:cNvGraphicFramePr>
-              <a:graphicFrameLocks noChangeAspect="1"/>
-            </p:cNvGraphicFramePr>
-            <p:nvPr/>
-          </p:nvGraphicFramePr>
-          <p:xfrm>
-            <a:off x="4311" y="3294"/>
-            <a:ext cx="231" cy="282"/>
-          </p:xfrm>
-          <a:graphic>
-            <a:graphicData uri="http://schemas.openxmlformats.org/presentationml/2006/ole">
-              <mc:AlternateContent xmlns:mc="http://schemas.openxmlformats.org/markup-compatibility/2006">
-                <mc:Choice xmlns:v="urn:schemas-microsoft-com:vml" Requires="v">
-                  <p:oleObj spid="_x0000_s24644" name="Equation" r:id="rId11" imgW="177480" imgH="215640" progId="Equation.3">
-                    <p:embed/>
-                  </p:oleObj>
-                </mc:Choice>
-                <mc:Fallback>
-                  <p:oleObj name="Equation" r:id="rId11" imgW="177480" imgH="215640" progId="Equation.3">
-                    <p:embed/>
-                    <p:pic>
-                      <p:nvPicPr>
-                        <p:cNvPr id="35893" name="Object 53"/>
-                        <p:cNvPicPr>
-                          <a:picLocks noChangeAspect="1" noChangeArrowheads="1"/>
-                        </p:cNvPicPr>
-                        <p:nvPr/>
-                      </p:nvPicPr>
-                      <p:blipFill>
-                        <a:blip r:embed="rId12">
-                          <a:extLst>
-                            <a:ext uri="{28A0092B-C50C-407E-A947-70E740481C1C}">
-                              <a14:useLocalDpi xmlns:a14="http://schemas.microsoft.com/office/drawing/2010/main" val="0"/>
-                            </a:ext>
-                          </a:extLst>
-                        </a:blip>
-                        <a:srcRect/>
-                        <a:stretch>
-                          <a:fillRect/>
-                        </a:stretch>
-                      </p:blipFill>
-                      <p:spPr bwMode="auto">
-                        <a:xfrm>
-                          <a:off x="4311" y="3294"/>
-                          <a:ext cx="231" cy="282"/>
-                        </a:xfrm>
-                        <a:prstGeom prst="rect">
-                          <a:avLst/>
-                        </a:prstGeom>
-                        <a:noFill/>
-                        <a:ln>
-                          <a:noFill/>
-                        </a:ln>
-                        <a:effectLst/>
-                        <a:extLst>
-                          <a:ext uri="{909E8E84-426E-40DD-AFC4-6F175D3DCCD1}">
-                            <a14:hiddenFill xmlns:a14="http://schemas.microsoft.com/office/drawing/2010/main">
-                              <a:solidFill>
-                                <a:srgbClr val="FFFFFF"/>
-                              </a:solidFill>
-                            </a14:hiddenFill>
-                          </a:ext>
-                          <a:ext uri="{91240B29-F687-4F45-9708-019B960494DF}">
-                            <a14:hiddenLine xmlns:a14="http://schemas.microsoft.com/office/drawing/2010/main" w="9525">
-                              <a:solidFill>
-                                <a:srgbClr val="000000"/>
-                              </a:solidFill>
-                              <a:miter lim="800000"/>
-                              <a:headEnd/>
-                              <a:tailEnd/>
-                            </a14:hiddenLine>
-                          </a:ext>
-                          <a:ext uri="{AF507438-7753-43E0-B8FC-AC1667EBCBE1}">
-                            <a14:hiddenEffects xmlns:a14="http://schemas.microsoft.com/office/drawing/2010/main">
-                              <a:effectLst>
-                                <a:outerShdw dist="35921" dir="2700000" algn="ctr" rotWithShape="0">
-                                  <a:srgbClr val="808080"/>
-                                </a:outerShdw>
-                              </a:effectLst>
-                            </a14:hiddenEffects>
-                          </a:ext>
-                        </a:extLst>
-                      </p:spPr>
-                    </p:pic>
-                  </p:oleObj>
-                </mc:Fallback>
-              </mc:AlternateContent>
-            </a:graphicData>
-          </a:graphic>
-        </p:graphicFrame>
-        <p:graphicFrame>
-          <p:nvGraphicFramePr>
-            <p:cNvPr id="35896" name="Object 56"/>
-            <p:cNvGraphicFramePr>
-              <a:graphicFrameLocks noChangeAspect="1"/>
-            </p:cNvGraphicFramePr>
-            <p:nvPr/>
-          </p:nvGraphicFramePr>
-          <p:xfrm>
-            <a:off x="2874" y="2948"/>
-            <a:ext cx="199" cy="281"/>
-          </p:xfrm>
-          <a:graphic>
-            <a:graphicData uri="http://schemas.openxmlformats.org/presentationml/2006/ole">
-              <mc:AlternateContent xmlns:mc="http://schemas.openxmlformats.org/markup-compatibility/2006">
-                <mc:Choice xmlns:v="urn:schemas-microsoft-com:vml" Requires="v">
-                  <p:oleObj spid="_x0000_s24645" name="Equation" r:id="rId13" imgW="152280" imgH="215640" progId="Equation.3">
-                    <p:embed/>
-                  </p:oleObj>
-                </mc:Choice>
-                <mc:Fallback>
-                  <p:oleObj name="Equation" r:id="rId13" imgW="152280" imgH="215640" progId="Equation.3">
-                    <p:embed/>
-                    <p:pic>
-                      <p:nvPicPr>
-                        <p:cNvPr id="35896" name="Object 56"/>
-                        <p:cNvPicPr>
-                          <a:picLocks noChangeAspect="1" noChangeArrowheads="1"/>
-                        </p:cNvPicPr>
-                        <p:nvPr/>
-                      </p:nvPicPr>
-                      <p:blipFill>
-                        <a:blip r:embed="rId14">
-                          <a:extLst>
-                            <a:ext uri="{28A0092B-C50C-407E-A947-70E740481C1C}">
-                              <a14:useLocalDpi xmlns:a14="http://schemas.microsoft.com/office/drawing/2010/main" val="0"/>
-                            </a:ext>
-                          </a:extLst>
-                        </a:blip>
-                        <a:srcRect/>
-                        <a:stretch>
-                          <a:fillRect/>
-                        </a:stretch>
-                      </p:blipFill>
-                      <p:spPr bwMode="auto">
-                        <a:xfrm>
-                          <a:off x="2874" y="2948"/>
-                          <a:ext cx="199" cy="281"/>
-                        </a:xfrm>
-                        <a:prstGeom prst="rect">
-                          <a:avLst/>
-                        </a:prstGeom>
-                        <a:noFill/>
-                        <a:ln>
-                          <a:noFill/>
-                        </a:ln>
-                        <a:effectLst/>
-                        <a:extLst>
-                          <a:ext uri="{909E8E84-426E-40DD-AFC4-6F175D3DCCD1}">
-                            <a14:hiddenFill xmlns:a14="http://schemas.microsoft.com/office/drawing/2010/main">
-                              <a:solidFill>
-                                <a:srgbClr val="FFFFFF"/>
-                              </a:solidFill>
-                            </a14:hiddenFill>
-                          </a:ext>
-                          <a:ext uri="{91240B29-F687-4F45-9708-019B960494DF}">
-                            <a14:hiddenLine xmlns:a14="http://schemas.microsoft.com/office/drawing/2010/main" w="9525">
-                              <a:solidFill>
-                                <a:srgbClr val="000000"/>
-                              </a:solidFill>
-                              <a:miter lim="800000"/>
-                              <a:headEnd/>
-                              <a:tailEnd/>
-                            </a14:hiddenLine>
-                          </a:ext>
-                          <a:ext uri="{AF507438-7753-43E0-B8FC-AC1667EBCBE1}">
-                            <a14:hiddenEffects xmlns:a14="http://schemas.microsoft.com/office/drawing/2010/main">
-                              <a:effectLst>
-                                <a:outerShdw dist="35921" dir="2700000" algn="ctr" rotWithShape="0">
-                                  <a:srgbClr val="808080"/>
-                                </a:outerShdw>
-                              </a:effectLst>
-                            </a14:hiddenEffects>
-                          </a:ext>
-                        </a:extLst>
-                      </p:spPr>
-                    </p:pic>
-                  </p:oleObj>
-                </mc:Fallback>
-              </mc:AlternateContent>
-            </a:graphicData>
-          </a:graphic>
-        </p:graphicFrame>
-        <p:graphicFrame>
-          <p:nvGraphicFramePr>
-            <p:cNvPr id="35899" name="Object 59"/>
-            <p:cNvGraphicFramePr>
-              <a:graphicFrameLocks noChangeAspect="1"/>
-            </p:cNvGraphicFramePr>
-            <p:nvPr/>
-          </p:nvGraphicFramePr>
-          <p:xfrm>
-            <a:off x="2851" y="1822"/>
-            <a:ext cx="215" cy="281"/>
-          </p:xfrm>
-          <a:graphic>
-            <a:graphicData uri="http://schemas.openxmlformats.org/presentationml/2006/ole">
-              <mc:AlternateContent xmlns:mc="http://schemas.openxmlformats.org/markup-compatibility/2006">
-                <mc:Choice xmlns:v="urn:schemas-microsoft-com:vml" Requires="v">
-                  <p:oleObj spid="_x0000_s24646" name="Equation" r:id="rId15" imgW="164880" imgH="215640" progId="Equation.3">
-                    <p:embed/>
-                  </p:oleObj>
-                </mc:Choice>
-                <mc:Fallback>
-                  <p:oleObj name="Equation" r:id="rId15" imgW="164880" imgH="215640" progId="Equation.3">
-                    <p:embed/>
-                    <p:pic>
-                      <p:nvPicPr>
-                        <p:cNvPr id="35899" name="Object 59"/>
-                        <p:cNvPicPr>
-                          <a:picLocks noChangeAspect="1" noChangeArrowheads="1"/>
-                        </p:cNvPicPr>
-                        <p:nvPr/>
-                      </p:nvPicPr>
-                      <p:blipFill>
-                        <a:blip r:embed="rId16">
-                          <a:extLst>
-                            <a:ext uri="{28A0092B-C50C-407E-A947-70E740481C1C}">
-                              <a14:useLocalDpi xmlns:a14="http://schemas.microsoft.com/office/drawing/2010/main" val="0"/>
-                            </a:ext>
-                          </a:extLst>
-                        </a:blip>
-                        <a:srcRect/>
-                        <a:stretch>
-                          <a:fillRect/>
-                        </a:stretch>
-                      </p:blipFill>
-                      <p:spPr bwMode="auto">
-                        <a:xfrm>
-                          <a:off x="2851" y="1822"/>
-                          <a:ext cx="215" cy="281"/>
-                        </a:xfrm>
-                        <a:prstGeom prst="rect">
-                          <a:avLst/>
-                        </a:prstGeom>
-                        <a:noFill/>
-                        <a:ln>
-                          <a:noFill/>
-                        </a:ln>
-                        <a:effectLst/>
-                        <a:extLst>
-                          <a:ext uri="{909E8E84-426E-40DD-AFC4-6F175D3DCCD1}">
-                            <a14:hiddenFill xmlns:a14="http://schemas.microsoft.com/office/drawing/2010/main">
-                              <a:solidFill>
-                                <a:srgbClr val="FFFFFF"/>
-                              </a:solidFill>
-                            </a14:hiddenFill>
-                          </a:ext>
-                          <a:ext uri="{91240B29-F687-4F45-9708-019B960494DF}">
-                            <a14:hiddenLine xmlns:a14="http://schemas.microsoft.com/office/drawing/2010/main" w="9525">
-                              <a:solidFill>
-                                <a:srgbClr val="000000"/>
-                              </a:solidFill>
-                              <a:miter lim="800000"/>
-                              <a:headEnd/>
-                              <a:tailEnd/>
-                            </a14:hiddenLine>
-                          </a:ext>
-                          <a:ext uri="{AF507438-7753-43E0-B8FC-AC1667EBCBE1}">
-                            <a14:hiddenEffects xmlns:a14="http://schemas.microsoft.com/office/drawing/2010/main">
-                              <a:effectLst>
-                                <a:outerShdw dist="35921" dir="2700000" algn="ctr" rotWithShape="0">
-                                  <a:srgbClr val="808080"/>
-                                </a:outerShdw>
-                              </a:effectLst>
-                            </a14:hiddenEffects>
-                          </a:ext>
-                        </a:extLst>
-                      </p:spPr>
-                    </p:pic>
-                  </p:oleObj>
-                </mc:Fallback>
-              </mc:AlternateContent>
-            </a:graphicData>
-          </a:graphic>
-        </p:graphicFrame>
-        <p:graphicFrame>
-          <p:nvGraphicFramePr>
-            <p:cNvPr id="35902" name="Object 62"/>
-            <p:cNvGraphicFramePr>
-              <a:graphicFrameLocks noChangeAspect="1"/>
-            </p:cNvGraphicFramePr>
-            <p:nvPr/>
-          </p:nvGraphicFramePr>
-          <p:xfrm>
-            <a:off x="4621" y="2942"/>
-            <a:ext cx="215" cy="281"/>
-          </p:xfrm>
-          <a:graphic>
-            <a:graphicData uri="http://schemas.openxmlformats.org/presentationml/2006/ole">
-              <mc:AlternateContent xmlns:mc="http://schemas.openxmlformats.org/markup-compatibility/2006">
-                <mc:Choice xmlns:v="urn:schemas-microsoft-com:vml" Requires="v">
-                  <p:oleObj spid="_x0000_s24647" name="Equation" r:id="rId17" imgW="164880" imgH="215640" progId="Equation.3">
-                    <p:embed/>
-                  </p:oleObj>
-                </mc:Choice>
-                <mc:Fallback>
-                  <p:oleObj name="Equation" r:id="rId17" imgW="164880" imgH="215640" progId="Equation.3">
-                    <p:embed/>
-                    <p:pic>
-                      <p:nvPicPr>
-                        <p:cNvPr id="35902" name="Object 62"/>
-                        <p:cNvPicPr>
-                          <a:picLocks noChangeAspect="1" noChangeArrowheads="1"/>
-                        </p:cNvPicPr>
-                        <p:nvPr/>
-                      </p:nvPicPr>
-                      <p:blipFill>
-                        <a:blip r:embed="rId18">
-                          <a:extLst>
-                            <a:ext uri="{28A0092B-C50C-407E-A947-70E740481C1C}">
-                              <a14:useLocalDpi xmlns:a14="http://schemas.microsoft.com/office/drawing/2010/main" val="0"/>
-                            </a:ext>
-                          </a:extLst>
-                        </a:blip>
-                        <a:srcRect/>
-                        <a:stretch>
-                          <a:fillRect/>
-                        </a:stretch>
-                      </p:blipFill>
-                      <p:spPr bwMode="auto">
-                        <a:xfrm>
-                          <a:off x="4621" y="2942"/>
-                          <a:ext cx="215" cy="281"/>
-                        </a:xfrm>
-                        <a:prstGeom prst="rect">
-                          <a:avLst/>
-                        </a:prstGeom>
-                        <a:noFill/>
-                        <a:ln>
-                          <a:noFill/>
-                        </a:ln>
-                        <a:effectLst/>
-                        <a:extLst>
-                          <a:ext uri="{909E8E84-426E-40DD-AFC4-6F175D3DCCD1}">
-                            <a14:hiddenFill xmlns:a14="http://schemas.microsoft.com/office/drawing/2010/main">
-                              <a:solidFill>
-                                <a:srgbClr val="FFFFFF"/>
-                              </a:solidFill>
-                            </a14:hiddenFill>
-                          </a:ext>
-                          <a:ext uri="{91240B29-F687-4F45-9708-019B960494DF}">
-                            <a14:hiddenLine xmlns:a14="http://schemas.microsoft.com/office/drawing/2010/main" w="9525">
-                              <a:solidFill>
-                                <a:srgbClr val="000000"/>
-                              </a:solidFill>
-                              <a:miter lim="800000"/>
-                              <a:headEnd/>
-                              <a:tailEnd/>
-                            </a14:hiddenLine>
-                          </a:ext>
-                          <a:ext uri="{AF507438-7753-43E0-B8FC-AC1667EBCBE1}">
-                            <a14:hiddenEffects xmlns:a14="http://schemas.microsoft.com/office/drawing/2010/main">
-                              <a:effectLst>
-                                <a:outerShdw dist="35921" dir="2700000" algn="ctr" rotWithShape="0">
-                                  <a:srgbClr val="808080"/>
-                                </a:outerShdw>
-                              </a:effectLst>
-                            </a14:hiddenEffects>
-                          </a:ext>
-                        </a:extLst>
-                      </p:spPr>
-                    </p:pic>
-                  </p:oleObj>
-                </mc:Fallback>
-              </mc:AlternateContent>
-            </a:graphicData>
-          </a:graphic>
-        </p:graphicFrame>
-        <p:graphicFrame>
-          <p:nvGraphicFramePr>
-            <p:cNvPr id="35905" name="Object 65"/>
-            <p:cNvGraphicFramePr>
-              <a:graphicFrameLocks noChangeAspect="1"/>
-            </p:cNvGraphicFramePr>
-            <p:nvPr/>
-          </p:nvGraphicFramePr>
-          <p:xfrm>
-            <a:off x="4971" y="2557"/>
-            <a:ext cx="198" cy="281"/>
-          </p:xfrm>
-          <a:graphic>
-            <a:graphicData uri="http://schemas.openxmlformats.org/presentationml/2006/ole">
-              <mc:AlternateContent xmlns:mc="http://schemas.openxmlformats.org/markup-compatibility/2006">
-                <mc:Choice xmlns:v="urn:schemas-microsoft-com:vml" Requires="v">
-                  <p:oleObj spid="_x0000_s24648" name="Equation" r:id="rId19" imgW="152280" imgH="215640" progId="Equation.3">
-                    <p:embed/>
-                  </p:oleObj>
-                </mc:Choice>
-                <mc:Fallback>
-                  <p:oleObj name="Equation" r:id="rId19" imgW="152280" imgH="215640" progId="Equation.3">
-                    <p:embed/>
-                    <p:pic>
-                      <p:nvPicPr>
-                        <p:cNvPr id="35905" name="Object 65"/>
-                        <p:cNvPicPr>
-                          <a:picLocks noChangeAspect="1" noChangeArrowheads="1"/>
-                        </p:cNvPicPr>
-                        <p:nvPr/>
-                      </p:nvPicPr>
-                      <p:blipFill>
-                        <a:blip r:embed="rId20">
-                          <a:extLst>
-                            <a:ext uri="{28A0092B-C50C-407E-A947-70E740481C1C}">
-                              <a14:useLocalDpi xmlns:a14="http://schemas.microsoft.com/office/drawing/2010/main" val="0"/>
-                            </a:ext>
-                          </a:extLst>
-                        </a:blip>
-                        <a:srcRect/>
-                        <a:stretch>
-                          <a:fillRect/>
-                        </a:stretch>
-                      </p:blipFill>
-                      <p:spPr bwMode="auto">
-                        <a:xfrm>
-                          <a:off x="4971" y="2557"/>
-                          <a:ext cx="198" cy="281"/>
-                        </a:xfrm>
-                        <a:prstGeom prst="rect">
-                          <a:avLst/>
-                        </a:prstGeom>
-                        <a:noFill/>
-                        <a:ln>
-                          <a:noFill/>
-                        </a:ln>
-                        <a:effectLst/>
-                        <a:extLst>
-                          <a:ext uri="{909E8E84-426E-40DD-AFC4-6F175D3DCCD1}">
-                            <a14:hiddenFill xmlns:a14="http://schemas.microsoft.com/office/drawing/2010/main">
-                              <a:solidFill>
-                                <a:srgbClr val="FFFFFF"/>
-                              </a:solidFill>
-                            </a14:hiddenFill>
-                          </a:ext>
-                          <a:ext uri="{91240B29-F687-4F45-9708-019B960494DF}">
-                            <a14:hiddenLine xmlns:a14="http://schemas.microsoft.com/office/drawing/2010/main" w="9525">
-                              <a:solidFill>
-                                <a:srgbClr val="000000"/>
-                              </a:solidFill>
-                              <a:miter lim="800000"/>
-                              <a:headEnd/>
-                              <a:tailEnd/>
-                            </a14:hiddenLine>
-                          </a:ext>
-                          <a:ext uri="{AF507438-7753-43E0-B8FC-AC1667EBCBE1}">
-                            <a14:hiddenEffects xmlns:a14="http://schemas.microsoft.com/office/drawing/2010/main">
-                              <a:effectLst>
-                                <a:outerShdw dist="35921" dir="2700000" algn="ctr" rotWithShape="0">
-                                  <a:srgbClr val="808080"/>
-                                </a:outerShdw>
-                              </a:effectLst>
-                            </a14:hiddenEffects>
-                          </a:ext>
-                        </a:extLst>
-                      </p:spPr>
-                    </p:pic>
-                  </p:oleObj>
-                </mc:Fallback>
-              </mc:AlternateContent>
-            </a:graphicData>
-          </a:graphic>
-        </p:graphicFrame>
-        <p:sp>
-          <p:nvSpPr>
-            <p:cNvPr id="35906" name="Line 66"/>
-            <p:cNvSpPr>
-              <a:spLocks noChangeShapeType="1"/>
-            </p:cNvSpPr>
-            <p:nvPr/>
-          </p:nvSpPr>
-          <p:spPr bwMode="auto">
-            <a:xfrm>
-              <a:off x="4480" y="3093"/>
-              <a:ext cx="114" cy="0"/>
-            </a:xfrm>
-            <a:prstGeom prst="line">
-              <a:avLst/>
-            </a:prstGeom>
-            <a:noFill/>
-            <a:ln w="9525">
-              <a:solidFill>
-                <a:schemeClr val="tx1"/>
-              </a:solidFill>
-              <a:round/>
-              <a:headEnd/>
-              <a:tailEnd/>
-            </a:ln>
-            <a:effectLst/>
-            <a:extLst>
-              <a:ext uri="{909E8E84-426E-40DD-AFC4-6F175D3DCCD1}">
-                <a14:hiddenFill xmlns:a14="http://schemas.microsoft.com/office/drawing/2010/main">
-                  <a:noFill/>
-                </a14:hiddenFill>
-              </a:ext>
-              <a:ext uri="{AF507438-7753-43E0-B8FC-AC1667EBCBE1}">
-                <a14:hiddenEffects xmlns:a14="http://schemas.microsoft.com/office/drawing/2010/main">
-                  <a:effectLst>
-                    <a:outerShdw dist="35921" dir="2700000" algn="ctr" rotWithShape="0">
-                      <a:schemeClr val="bg2"/>
-                    </a:outerShdw>
-                  </a:effectLst>
-                </a14:hiddenEffects>
-              </a:ext>
-            </a:extLst>
-          </p:spPr>
-          <p:txBody>
-            <a:bodyPr/>
-            <a:lstStyle/>
-            <a:p>
-              <a:endParaRPr lang="en-US"/>
-            </a:p>
-          </p:txBody>
-        </p:sp>
-        <p:sp>
-          <p:nvSpPr>
-            <p:cNvPr id="35907" name="Line 67"/>
-            <p:cNvSpPr>
-              <a:spLocks noChangeShapeType="1"/>
-            </p:cNvSpPr>
-            <p:nvPr/>
-          </p:nvSpPr>
-          <p:spPr bwMode="auto">
-            <a:xfrm>
-              <a:off x="4846" y="2712"/>
-              <a:ext cx="114" cy="0"/>
-            </a:xfrm>
-            <a:prstGeom prst="line">
-              <a:avLst/>
-            </a:prstGeom>
-            <a:noFill/>
-            <a:ln w="9525">
-              <a:solidFill>
-                <a:schemeClr val="tx1"/>
-              </a:solidFill>
-              <a:round/>
-              <a:headEnd/>
-              <a:tailEnd/>
-            </a:ln>
-            <a:effectLst/>
-            <a:extLst>
-              <a:ext uri="{909E8E84-426E-40DD-AFC4-6F175D3DCCD1}">
-                <a14:hiddenFill xmlns:a14="http://schemas.microsoft.com/office/drawing/2010/main">
-                  <a:noFill/>
-                </a14:hiddenFill>
-              </a:ext>
-              <a:ext uri="{AF507438-7753-43E0-B8FC-AC1667EBCBE1}">
-                <a14:hiddenEffects xmlns:a14="http://schemas.microsoft.com/office/drawing/2010/main">
-                  <a:effectLst>
-                    <a:outerShdw dist="35921" dir="2700000" algn="ctr" rotWithShape="0">
-                      <a:schemeClr val="bg2"/>
-                    </a:outerShdw>
-                  </a:effectLst>
-                </a14:hiddenEffects>
-              </a:ext>
-            </a:extLst>
-          </p:spPr>
-          <p:txBody>
-            <a:bodyPr/>
-            <a:lstStyle/>
-            <a:p>
-              <a:endParaRPr lang="en-US"/>
-            </a:p>
-          </p:txBody>
-        </p:sp>
-        <p:sp>
-          <p:nvSpPr>
-            <p:cNvPr id="35908" name="Line 68"/>
-            <p:cNvSpPr>
-              <a:spLocks noChangeShapeType="1"/>
-            </p:cNvSpPr>
-            <p:nvPr/>
-          </p:nvSpPr>
-          <p:spPr bwMode="auto">
-            <a:xfrm flipV="1">
-              <a:off x="4779" y="2716"/>
-              <a:ext cx="113" cy="121"/>
-            </a:xfrm>
-            <a:prstGeom prst="line">
-              <a:avLst/>
-            </a:prstGeom>
-            <a:noFill/>
-            <a:ln w="9525">
-              <a:solidFill>
-                <a:schemeClr val="tx1"/>
-              </a:solidFill>
-              <a:round/>
-              <a:headEnd/>
-              <a:tailEnd type="triangle" w="med" len="med"/>
-            </a:ln>
-            <a:effectLst/>
-            <a:extLst>
-              <a:ext uri="{909E8E84-426E-40DD-AFC4-6F175D3DCCD1}">
-                <a14:hiddenFill xmlns:a14="http://schemas.microsoft.com/office/drawing/2010/main">
-                  <a:noFill/>
-                </a14:hiddenFill>
-              </a:ext>
-              <a:ext uri="{AF507438-7753-43E0-B8FC-AC1667EBCBE1}">
-                <a14:hiddenEffects xmlns:a14="http://schemas.microsoft.com/office/drawing/2010/main">
-                  <a:effectLst>
-                    <a:outerShdw dist="35921" dir="2700000" algn="ctr" rotWithShape="0">
-                      <a:schemeClr val="bg2"/>
-                    </a:outerShdw>
-                  </a:effectLst>
-                </a14:hiddenEffects>
-              </a:ext>
-            </a:extLst>
-          </p:spPr>
-          <p:txBody>
-            <a:bodyPr/>
-            <a:lstStyle/>
-            <a:p>
-              <a:endParaRPr lang="en-US"/>
-            </a:p>
-          </p:txBody>
-        </p:sp>
-        <p:sp>
-          <p:nvSpPr>
-            <p:cNvPr id="35909" name="Line 69"/>
-            <p:cNvSpPr>
-              <a:spLocks noChangeShapeType="1"/>
-            </p:cNvSpPr>
-            <p:nvPr/>
-          </p:nvSpPr>
-          <p:spPr bwMode="auto">
-            <a:xfrm flipH="1">
-              <a:off x="4544" y="2965"/>
-              <a:ext cx="114" cy="114"/>
-            </a:xfrm>
-            <a:prstGeom prst="line">
-              <a:avLst/>
-            </a:prstGeom>
-            <a:noFill/>
-            <a:ln w="9525">
-              <a:solidFill>
-                <a:schemeClr val="tx1"/>
-              </a:solidFill>
-              <a:round/>
-              <a:headEnd/>
-              <a:tailEnd type="triangle" w="med" len="med"/>
-            </a:ln>
-            <a:effectLst/>
-            <a:extLst>
-              <a:ext uri="{909E8E84-426E-40DD-AFC4-6F175D3DCCD1}">
-                <a14:hiddenFill xmlns:a14="http://schemas.microsoft.com/office/drawing/2010/main">
-                  <a:noFill/>
-                </a14:hiddenFill>
-              </a:ext>
-              <a:ext uri="{AF507438-7753-43E0-B8FC-AC1667EBCBE1}">
-                <a14:hiddenEffects xmlns:a14="http://schemas.microsoft.com/office/drawing/2010/main">
-                  <a:effectLst>
-                    <a:outerShdw dist="35921" dir="2700000" algn="ctr" rotWithShape="0">
-                      <a:schemeClr val="bg2"/>
-                    </a:outerShdw>
-                  </a:effectLst>
-                </a14:hiddenEffects>
-              </a:ext>
-            </a:extLst>
-          </p:spPr>
-          <p:txBody>
-            <a:bodyPr/>
-            <a:lstStyle/>
-            <a:p>
-              <a:endParaRPr lang="en-US"/>
-            </a:p>
-          </p:txBody>
-        </p:sp>
-        <p:sp>
-          <p:nvSpPr>
-            <p:cNvPr id="35910" name="Line 70"/>
-            <p:cNvSpPr>
-              <a:spLocks noChangeShapeType="1"/>
-            </p:cNvSpPr>
-            <p:nvPr/>
-          </p:nvSpPr>
-          <p:spPr bwMode="auto">
-            <a:xfrm flipH="1">
-              <a:off x="3051" y="3093"/>
-              <a:ext cx="121" cy="0"/>
-            </a:xfrm>
-            <a:prstGeom prst="line">
-              <a:avLst/>
-            </a:prstGeom>
-            <a:noFill/>
-            <a:ln w="9525">
-              <a:solidFill>
-                <a:schemeClr val="tx1"/>
-              </a:solidFill>
-              <a:round/>
-              <a:headEnd/>
-              <a:tailEnd/>
-            </a:ln>
-            <a:effectLst/>
-            <a:extLst>
-              <a:ext uri="{909E8E84-426E-40DD-AFC4-6F175D3DCCD1}">
-                <a14:hiddenFill xmlns:a14="http://schemas.microsoft.com/office/drawing/2010/main">
-                  <a:noFill/>
-                </a14:hiddenFill>
-              </a:ext>
-              <a:ext uri="{AF507438-7753-43E0-B8FC-AC1667EBCBE1}">
-                <a14:hiddenEffects xmlns:a14="http://schemas.microsoft.com/office/drawing/2010/main">
-                  <a:effectLst>
-                    <a:outerShdw dist="35921" dir="2700000" algn="ctr" rotWithShape="0">
-                      <a:schemeClr val="bg2"/>
-                    </a:outerShdw>
-                  </a:effectLst>
-                </a14:hiddenEffects>
-              </a:ext>
-            </a:extLst>
-          </p:spPr>
-          <p:txBody>
-            <a:bodyPr/>
-            <a:lstStyle/>
-            <a:p>
-              <a:endParaRPr lang="en-US"/>
-            </a:p>
-          </p:txBody>
-        </p:sp>
-        <p:sp>
-          <p:nvSpPr>
-            <p:cNvPr id="35911" name="Line 71"/>
-            <p:cNvSpPr>
-              <a:spLocks noChangeShapeType="1"/>
-            </p:cNvSpPr>
-            <p:nvPr/>
-          </p:nvSpPr>
-          <p:spPr bwMode="auto">
-            <a:xfrm flipH="1">
-              <a:off x="3038" y="1973"/>
-              <a:ext cx="121" cy="0"/>
-            </a:xfrm>
-            <a:prstGeom prst="line">
-              <a:avLst/>
-            </a:prstGeom>
-            <a:noFill/>
-            <a:ln w="9525">
-              <a:solidFill>
-                <a:schemeClr val="tx1"/>
-              </a:solidFill>
-              <a:round/>
-              <a:headEnd/>
-              <a:tailEnd/>
-            </a:ln>
-            <a:effectLst/>
-            <a:extLst>
-              <a:ext uri="{909E8E84-426E-40DD-AFC4-6F175D3DCCD1}">
-                <a14:hiddenFill xmlns:a14="http://schemas.microsoft.com/office/drawing/2010/main">
-                  <a:noFill/>
-                </a14:hiddenFill>
-              </a:ext>
-              <a:ext uri="{AF507438-7753-43E0-B8FC-AC1667EBCBE1}">
-                <a14:hiddenEffects xmlns:a14="http://schemas.microsoft.com/office/drawing/2010/main">
-                  <a:effectLst>
-                    <a:outerShdw dist="35921" dir="2700000" algn="ctr" rotWithShape="0">
-                      <a:schemeClr val="bg2"/>
-                    </a:outerShdw>
-                  </a:effectLst>
-                </a14:hiddenEffects>
-              </a:ext>
-            </a:extLst>
-          </p:spPr>
-          <p:txBody>
-            <a:bodyPr/>
-            <a:lstStyle/>
-            <a:p>
-              <a:endParaRPr lang="en-US"/>
-            </a:p>
-          </p:txBody>
-        </p:sp>
-        <p:sp>
-          <p:nvSpPr>
-            <p:cNvPr id="35914" name="Line 74"/>
-            <p:cNvSpPr>
-              <a:spLocks noChangeShapeType="1"/>
-            </p:cNvSpPr>
-            <p:nvPr/>
-          </p:nvSpPr>
-          <p:spPr bwMode="auto">
-            <a:xfrm flipV="1">
-              <a:off x="3108" y="1977"/>
-              <a:ext cx="0" cy="427"/>
-            </a:xfrm>
-            <a:prstGeom prst="line">
-              <a:avLst/>
-            </a:prstGeom>
-            <a:noFill/>
-            <a:ln w="9525">
-              <a:solidFill>
-                <a:schemeClr val="tx1"/>
-              </a:solidFill>
-              <a:round/>
-              <a:headEnd/>
-              <a:tailEnd type="triangle" w="med" len="med"/>
-            </a:ln>
-            <a:effectLst/>
-            <a:extLst>
-              <a:ext uri="{909E8E84-426E-40DD-AFC4-6F175D3DCCD1}">
-                <a14:hiddenFill xmlns:a14="http://schemas.microsoft.com/office/drawing/2010/main">
-                  <a:noFill/>
-                </a14:hiddenFill>
-              </a:ext>
-              <a:ext uri="{AF507438-7753-43E0-B8FC-AC1667EBCBE1}">
-                <a14:hiddenEffects xmlns:a14="http://schemas.microsoft.com/office/drawing/2010/main">
-                  <a:effectLst>
-                    <a:outerShdw dist="35921" dir="2700000" algn="ctr" rotWithShape="0">
-                      <a:schemeClr val="bg2"/>
-                    </a:outerShdw>
-                  </a:effectLst>
-                </a14:hiddenEffects>
-              </a:ext>
-            </a:extLst>
-          </p:spPr>
-          <p:txBody>
-            <a:bodyPr/>
-            <a:lstStyle/>
-            <a:p>
-              <a:endParaRPr lang="en-US"/>
-            </a:p>
-          </p:txBody>
-        </p:sp>
-        <p:sp>
-          <p:nvSpPr>
-            <p:cNvPr id="35915" name="Line 75"/>
-            <p:cNvSpPr>
-              <a:spLocks noChangeShapeType="1"/>
-            </p:cNvSpPr>
-            <p:nvPr/>
-          </p:nvSpPr>
-          <p:spPr bwMode="auto">
-            <a:xfrm>
-              <a:off x="3108" y="2645"/>
-              <a:ext cx="0" cy="427"/>
-            </a:xfrm>
-            <a:prstGeom prst="line">
-              <a:avLst/>
-            </a:prstGeom>
-            <a:noFill/>
-            <a:ln w="9525">
-              <a:solidFill>
-                <a:schemeClr val="tx1"/>
-              </a:solidFill>
-              <a:round/>
-              <a:headEnd/>
-              <a:tailEnd type="triangle" w="med" len="med"/>
-            </a:ln>
-            <a:effectLst/>
-            <a:extLst>
-              <a:ext uri="{909E8E84-426E-40DD-AFC4-6F175D3DCCD1}">
-                <a14:hiddenFill xmlns:a14="http://schemas.microsoft.com/office/drawing/2010/main">
-                  <a:noFill/>
-                </a14:hiddenFill>
-              </a:ext>
-              <a:ext uri="{AF507438-7753-43E0-B8FC-AC1667EBCBE1}">
-                <a14:hiddenEffects xmlns:a14="http://schemas.microsoft.com/office/drawing/2010/main">
-                  <a:effectLst>
-                    <a:outerShdw dist="35921" dir="2700000" algn="ctr" rotWithShape="0">
-                      <a:schemeClr val="bg2"/>
-                    </a:outerShdw>
-                  </a:effectLst>
-                </a14:hiddenEffects>
-              </a:ext>
-            </a:extLst>
-          </p:spPr>
-          <p:txBody>
-            <a:bodyPr/>
-            <a:lstStyle/>
-            <a:p>
-              <a:endParaRPr lang="en-US"/>
-            </a:p>
-          </p:txBody>
-        </p:sp>
-      </p:grpSp>
     </p:spTree>
   </p:cSld>
   <p:clrMapOvr>
